--- a/Mellékletek/Prezentáció/Frissfutár_prezentáció.pptx
+++ b/Mellékletek/Prezentáció/Frissfutár_prezentáció.pptx
@@ -9,30 +9,28 @@
     <p:sldId id="257" r:id="rId3"/>
     <p:sldId id="258" r:id="rId4"/>
     <p:sldId id="259" r:id="rId5"/>
-    <p:sldId id="274" r:id="rId6"/>
-    <p:sldId id="260" r:id="rId7"/>
-    <p:sldId id="261" r:id="rId8"/>
-    <p:sldId id="272" r:id="rId9"/>
-    <p:sldId id="262" r:id="rId10"/>
-    <p:sldId id="264" r:id="rId11"/>
-    <p:sldId id="265" r:id="rId12"/>
-    <p:sldId id="266" r:id="rId13"/>
-    <p:sldId id="267" r:id="rId14"/>
-    <p:sldId id="268" r:id="rId15"/>
-    <p:sldId id="269" r:id="rId16"/>
-    <p:sldId id="270" r:id="rId17"/>
-    <p:sldId id="271" r:id="rId18"/>
-    <p:sldId id="273" r:id="rId19"/>
-    <p:sldId id="275" r:id="rId20"/>
-    <p:sldId id="276" r:id="rId21"/>
-    <p:sldId id="284" r:id="rId22"/>
-    <p:sldId id="277" r:id="rId23"/>
-    <p:sldId id="278" r:id="rId24"/>
-    <p:sldId id="279" r:id="rId25"/>
-    <p:sldId id="280" r:id="rId26"/>
-    <p:sldId id="281" r:id="rId27"/>
-    <p:sldId id="282" r:id="rId28"/>
-    <p:sldId id="283" r:id="rId29"/>
+    <p:sldId id="260" r:id="rId6"/>
+    <p:sldId id="261" r:id="rId7"/>
+    <p:sldId id="272" r:id="rId8"/>
+    <p:sldId id="262" r:id="rId9"/>
+    <p:sldId id="264" r:id="rId10"/>
+    <p:sldId id="265" r:id="rId11"/>
+    <p:sldId id="266" r:id="rId12"/>
+    <p:sldId id="267" r:id="rId13"/>
+    <p:sldId id="268" r:id="rId14"/>
+    <p:sldId id="270" r:id="rId15"/>
+    <p:sldId id="271" r:id="rId16"/>
+    <p:sldId id="273" r:id="rId17"/>
+    <p:sldId id="275" r:id="rId18"/>
+    <p:sldId id="284" r:id="rId19"/>
+    <p:sldId id="276" r:id="rId20"/>
+    <p:sldId id="277" r:id="rId21"/>
+    <p:sldId id="278" r:id="rId22"/>
+    <p:sldId id="279" r:id="rId23"/>
+    <p:sldId id="280" r:id="rId24"/>
+    <p:sldId id="281" r:id="rId25"/>
+    <p:sldId id="282" r:id="rId26"/>
+    <p:sldId id="283" r:id="rId27"/>
   </p:sldIdLst>
   <p:sldSz cx="12192000" cy="6858000"/>
   <p:notesSz cx="6858000" cy="9144000"/>
@@ -131,6 +129,11 @@
       </a:defRPr>
     </a:lvl9pPr>
   </p:defaultTextStyle>
+  <p:extLst>
+    <p:ext uri="{EFAFB233-063F-42B5-8137-9DF3F51BA10A}">
+      <p15:sldGuideLst xmlns:p15="http://schemas.microsoft.com/office/powerpoint/2012/main"/>
+    </p:ext>
+  </p:extLst>
 </p:presentation>
 </file>
 
@@ -281,7 +284,7 @@
           <a:p>
             <a:fld id="{FA21BFB3-E53D-4907-A4AC-FC6C3F82650A}" type="datetimeFigureOut">
               <a:rPr lang="hu-HU" smtClean="0"/>
-              <a:t>2024.04.29.</a:t>
+              <a:t>2024.04.30.</a:t>
             </a:fld>
             <a:endParaRPr lang="hu-HU"/>
           </a:p>
@@ -479,7 +482,7 @@
           <a:p>
             <a:fld id="{FA21BFB3-E53D-4907-A4AC-FC6C3F82650A}" type="datetimeFigureOut">
               <a:rPr lang="hu-HU" smtClean="0"/>
-              <a:t>2024.04.29.</a:t>
+              <a:t>2024.04.30.</a:t>
             </a:fld>
             <a:endParaRPr lang="hu-HU"/>
           </a:p>
@@ -687,7 +690,7 @@
           <a:p>
             <a:fld id="{FA21BFB3-E53D-4907-A4AC-FC6C3F82650A}" type="datetimeFigureOut">
               <a:rPr lang="hu-HU" smtClean="0"/>
-              <a:t>2024.04.29.</a:t>
+              <a:t>2024.04.30.</a:t>
             </a:fld>
             <a:endParaRPr lang="hu-HU"/>
           </a:p>
@@ -885,7 +888,7 @@
           <a:p>
             <a:fld id="{FA21BFB3-E53D-4907-A4AC-FC6C3F82650A}" type="datetimeFigureOut">
               <a:rPr lang="hu-HU" smtClean="0"/>
-              <a:t>2024.04.29.</a:t>
+              <a:t>2024.04.30.</a:t>
             </a:fld>
             <a:endParaRPr lang="hu-HU"/>
           </a:p>
@@ -1160,7 +1163,7 @@
           <a:p>
             <a:fld id="{FA21BFB3-E53D-4907-A4AC-FC6C3F82650A}" type="datetimeFigureOut">
               <a:rPr lang="hu-HU" smtClean="0"/>
-              <a:t>2024.04.29.</a:t>
+              <a:t>2024.04.30.</a:t>
             </a:fld>
             <a:endParaRPr lang="hu-HU"/>
           </a:p>
@@ -1425,7 +1428,7 @@
           <a:p>
             <a:fld id="{FA21BFB3-E53D-4907-A4AC-FC6C3F82650A}" type="datetimeFigureOut">
               <a:rPr lang="hu-HU" smtClean="0"/>
-              <a:t>2024.04.29.</a:t>
+              <a:t>2024.04.30.</a:t>
             </a:fld>
             <a:endParaRPr lang="hu-HU"/>
           </a:p>
@@ -1837,7 +1840,7 @@
           <a:p>
             <a:fld id="{FA21BFB3-E53D-4907-A4AC-FC6C3F82650A}" type="datetimeFigureOut">
               <a:rPr lang="hu-HU" smtClean="0"/>
-              <a:t>2024.04.29.</a:t>
+              <a:t>2024.04.30.</a:t>
             </a:fld>
             <a:endParaRPr lang="hu-HU"/>
           </a:p>
@@ -1978,7 +1981,7 @@
           <a:p>
             <a:fld id="{FA21BFB3-E53D-4907-A4AC-FC6C3F82650A}" type="datetimeFigureOut">
               <a:rPr lang="hu-HU" smtClean="0"/>
-              <a:t>2024.04.29.</a:t>
+              <a:t>2024.04.30.</a:t>
             </a:fld>
             <a:endParaRPr lang="hu-HU"/>
           </a:p>
@@ -2091,7 +2094,7 @@
           <a:p>
             <a:fld id="{FA21BFB3-E53D-4907-A4AC-FC6C3F82650A}" type="datetimeFigureOut">
               <a:rPr lang="hu-HU" smtClean="0"/>
-              <a:t>2024.04.29.</a:t>
+              <a:t>2024.04.30.</a:t>
             </a:fld>
             <a:endParaRPr lang="hu-HU"/>
           </a:p>
@@ -2402,7 +2405,7 @@
           <a:p>
             <a:fld id="{FA21BFB3-E53D-4907-A4AC-FC6C3F82650A}" type="datetimeFigureOut">
               <a:rPr lang="hu-HU" smtClean="0"/>
-              <a:t>2024.04.29.</a:t>
+              <a:t>2024.04.30.</a:t>
             </a:fld>
             <a:endParaRPr lang="hu-HU"/>
           </a:p>
@@ -2690,7 +2693,7 @@
           <a:p>
             <a:fld id="{FA21BFB3-E53D-4907-A4AC-FC6C3F82650A}" type="datetimeFigureOut">
               <a:rPr lang="hu-HU" smtClean="0"/>
-              <a:t>2024.04.29.</a:t>
+              <a:t>2024.04.30.</a:t>
             </a:fld>
             <a:endParaRPr lang="hu-HU"/>
           </a:p>
@@ -2931,7 +2934,7 @@
           <a:p>
             <a:fld id="{FA21BFB3-E53D-4907-A4AC-FC6C3F82650A}" type="datetimeFigureOut">
               <a:rPr lang="hu-HU" smtClean="0"/>
-              <a:t>2024.04.29.</a:t>
+              <a:t>2024.04.30.</a:t>
             </a:fld>
             <a:endParaRPr lang="hu-HU"/>
           </a:p>
@@ -3478,7 +3481,7 @@
           <p:cNvPr id="2" name="Cím 1">
             <a:extLst>
               <a:ext uri="{FF2B5EF4-FFF2-40B4-BE49-F238E27FC236}">
-                <a16:creationId xmlns:a16="http://schemas.microsoft.com/office/drawing/2014/main" id="{F5554E0A-5085-4373-AD47-30CECAC81F10}"/>
+                <a16:creationId xmlns:a16="http://schemas.microsoft.com/office/drawing/2014/main" id="{CE46EB06-D8B7-44AD-8A59-0AD4C1BF4DF3}"/>
               </a:ext>
             </a:extLst>
           </p:cNvPr>
@@ -3497,10 +3500,10 @@
             <a:r>
               <a:rPr lang="hu-HU" dirty="0">
                 <a:solidFill>
-                  <a:srgbClr val="FF0000"/>
+                  <a:schemeClr val="accent6"/>
                 </a:solidFill>
               </a:rPr>
-              <a:t>Főoldal</a:t>
+              <a:t>Regisztráció</a:t>
             </a:r>
           </a:p>
         </p:txBody>
@@ -3510,7 +3513,7 @@
           <p:cNvPr id="3" name="Tartalom helye 2">
             <a:extLst>
               <a:ext uri="{FF2B5EF4-FFF2-40B4-BE49-F238E27FC236}">
-                <a16:creationId xmlns:a16="http://schemas.microsoft.com/office/drawing/2014/main" id="{36125169-3087-4E8E-8A51-33A46E6CA806}"/>
+                <a16:creationId xmlns:a16="http://schemas.microsoft.com/office/drawing/2014/main" id="{C1732E64-0BAA-4042-B492-A347234B014A}"/>
               </a:ext>
             </a:extLst>
           </p:cNvPr>
@@ -3521,19 +3524,33 @@
             <p:ph idx="1"/>
           </p:nvPr>
         </p:nvSpPr>
-        <p:spPr/>
-        <p:txBody>
-          <a:bodyPr/>
-          <a:lstStyle/>
-          <a:p>
-            <a:endParaRPr lang="hu-HU"/>
+        <p:spPr>
+          <a:xfrm>
+            <a:off x="838200" y="1690688"/>
+            <a:ext cx="10515600" cy="4486275"/>
+          </a:xfrm>
+        </p:spPr>
+        <p:txBody>
+          <a:bodyPr/>
+          <a:lstStyle/>
+          <a:p>
+            <a:r>
+              <a:rPr lang="hu-HU" dirty="0"/>
+              <a:t>Új felhasználó regisztrálása az adatbázisba</a:t>
+            </a:r>
+          </a:p>
+          <a:p>
+            <a:r>
+              <a:rPr lang="hu-HU" dirty="0"/>
+              <a:t>Lépésenként ellenőrizve, felhasználóbarát</a:t>
+            </a:r>
           </a:p>
         </p:txBody>
       </p:sp>
     </p:spTree>
     <p:extLst>
       <p:ext uri="{BB962C8B-B14F-4D97-AF65-F5344CB8AC3E}">
-        <p14:creationId xmlns:p14="http://schemas.microsoft.com/office/powerpoint/2010/main" val="838556441"/>
+        <p14:creationId xmlns:p14="http://schemas.microsoft.com/office/powerpoint/2010/main" val="1650526886"/>
       </p:ext>
     </p:extLst>
   </p:cSld>
@@ -3565,7 +3582,7 @@
           <p:cNvPr id="2" name="Cím 1">
             <a:extLst>
               <a:ext uri="{FF2B5EF4-FFF2-40B4-BE49-F238E27FC236}">
-                <a16:creationId xmlns:a16="http://schemas.microsoft.com/office/drawing/2014/main" id="{CE46EB06-D8B7-44AD-8A59-0AD4C1BF4DF3}"/>
+                <a16:creationId xmlns:a16="http://schemas.microsoft.com/office/drawing/2014/main" id="{60DB1A8B-07E4-4176-91A9-4D91E9AAC42E}"/>
               </a:ext>
             </a:extLst>
           </p:cNvPr>
@@ -3587,7 +3604,7 @@
                   <a:schemeClr val="accent6"/>
                 </a:solidFill>
               </a:rPr>
-              <a:t>Regisztráció</a:t>
+              <a:t>Bejelentkezés</a:t>
             </a:r>
           </a:p>
         </p:txBody>
@@ -3597,7 +3614,7 @@
           <p:cNvPr id="3" name="Tartalom helye 2">
             <a:extLst>
               <a:ext uri="{FF2B5EF4-FFF2-40B4-BE49-F238E27FC236}">
-                <a16:creationId xmlns:a16="http://schemas.microsoft.com/office/drawing/2014/main" id="{C1732E64-0BAA-4042-B492-A347234B014A}"/>
+                <a16:creationId xmlns:a16="http://schemas.microsoft.com/office/drawing/2014/main" id="{9F5858B8-A816-41DB-82D1-5B0160BDEAD8}"/>
               </a:ext>
             </a:extLst>
           </p:cNvPr>
@@ -3613,14 +3630,23 @@
           <a:bodyPr/>
           <a:lstStyle/>
           <a:p>
-            <a:endParaRPr lang="hu-HU"/>
+            <a:r>
+              <a:rPr lang="hu-HU" dirty="0"/>
+              <a:t>Kuponok</a:t>
+            </a:r>
+          </a:p>
+          <a:p>
+            <a:r>
+              <a:rPr lang="hu-HU" dirty="0"/>
+              <a:t>Kényelmesebb rendelési élmény</a:t>
+            </a:r>
           </a:p>
         </p:txBody>
       </p:sp>
     </p:spTree>
     <p:extLst>
       <p:ext uri="{BB962C8B-B14F-4D97-AF65-F5344CB8AC3E}">
-        <p14:creationId xmlns:p14="http://schemas.microsoft.com/office/powerpoint/2010/main" val="1650526886"/>
+        <p14:creationId xmlns:p14="http://schemas.microsoft.com/office/powerpoint/2010/main" val="3329200705"/>
       </p:ext>
     </p:extLst>
   </p:cSld>
@@ -3652,7 +3678,7 @@
           <p:cNvPr id="2" name="Cím 1">
             <a:extLst>
               <a:ext uri="{FF2B5EF4-FFF2-40B4-BE49-F238E27FC236}">
-                <a16:creationId xmlns:a16="http://schemas.microsoft.com/office/drawing/2014/main" id="{60DB1A8B-07E4-4176-91A9-4D91E9AAC42E}"/>
+                <a16:creationId xmlns:a16="http://schemas.microsoft.com/office/drawing/2014/main" id="{23525B41-0E7A-475C-8FAA-2397A6A9937C}"/>
               </a:ext>
             </a:extLst>
           </p:cNvPr>
@@ -3671,10 +3697,10 @@
             <a:r>
               <a:rPr lang="hu-HU" dirty="0">
                 <a:solidFill>
-                  <a:schemeClr val="accent6"/>
+                  <a:srgbClr val="FF0000"/>
                 </a:solidFill>
               </a:rPr>
-              <a:t>Bejelentkezés</a:t>
+              <a:t>Kosár</a:t>
             </a:r>
           </a:p>
         </p:txBody>
@@ -3684,7 +3710,7 @@
           <p:cNvPr id="3" name="Tartalom helye 2">
             <a:extLst>
               <a:ext uri="{FF2B5EF4-FFF2-40B4-BE49-F238E27FC236}">
-                <a16:creationId xmlns:a16="http://schemas.microsoft.com/office/drawing/2014/main" id="{9F5858B8-A816-41DB-82D1-5B0160BDEAD8}"/>
+                <a16:creationId xmlns:a16="http://schemas.microsoft.com/office/drawing/2014/main" id="{6FCCE0E5-4949-4AC0-BC8E-BA7EFC55D638}"/>
               </a:ext>
             </a:extLst>
           </p:cNvPr>
@@ -3695,19 +3721,33 @@
             <p:ph idx="1"/>
           </p:nvPr>
         </p:nvSpPr>
-        <p:spPr/>
-        <p:txBody>
-          <a:bodyPr/>
-          <a:lstStyle/>
-          <a:p>
-            <a:endParaRPr lang="hu-HU"/>
+        <p:spPr>
+          <a:xfrm>
+            <a:off x="838200" y="1610686"/>
+            <a:ext cx="10515600" cy="4566277"/>
+          </a:xfrm>
+        </p:spPr>
+        <p:txBody>
+          <a:bodyPr/>
+          <a:lstStyle/>
+          <a:p>
+            <a:r>
+              <a:rPr lang="hu-HU" dirty="0"/>
+              <a:t>Dinamikus használat, az oldal nem töltődik újra</a:t>
+            </a:r>
+          </a:p>
+          <a:p>
+            <a:r>
+              <a:rPr lang="hu-HU" dirty="0"/>
+              <a:t>Főoldalról is módosítható </a:t>
+            </a:r>
           </a:p>
         </p:txBody>
       </p:sp>
     </p:spTree>
     <p:extLst>
       <p:ext uri="{BB962C8B-B14F-4D97-AF65-F5344CB8AC3E}">
-        <p14:creationId xmlns:p14="http://schemas.microsoft.com/office/powerpoint/2010/main" val="3329200705"/>
+        <p14:creationId xmlns:p14="http://schemas.microsoft.com/office/powerpoint/2010/main" val="2110314187"/>
       </p:ext>
     </p:extLst>
   </p:cSld>
@@ -3739,7 +3779,7 @@
           <p:cNvPr id="2" name="Cím 1">
             <a:extLst>
               <a:ext uri="{FF2B5EF4-FFF2-40B4-BE49-F238E27FC236}">
-                <a16:creationId xmlns:a16="http://schemas.microsoft.com/office/drawing/2014/main" id="{23525B41-0E7A-475C-8FAA-2397A6A9937C}"/>
+                <a16:creationId xmlns:a16="http://schemas.microsoft.com/office/drawing/2014/main" id="{9F224FF1-539E-4F4D-A36A-AAEA5A4BEA99}"/>
               </a:ext>
             </a:extLst>
           </p:cNvPr>
@@ -3758,10 +3798,10 @@
             <a:r>
               <a:rPr lang="hu-HU" dirty="0">
                 <a:solidFill>
-                  <a:srgbClr val="FF0000"/>
+                  <a:schemeClr val="accent6"/>
                 </a:solidFill>
               </a:rPr>
-              <a:t>Kosár</a:t>
+              <a:t>Rendelés</a:t>
             </a:r>
           </a:p>
         </p:txBody>
@@ -3771,7 +3811,7 @@
           <p:cNvPr id="3" name="Tartalom helye 2">
             <a:extLst>
               <a:ext uri="{FF2B5EF4-FFF2-40B4-BE49-F238E27FC236}">
-                <a16:creationId xmlns:a16="http://schemas.microsoft.com/office/drawing/2014/main" id="{6FCCE0E5-4949-4AC0-BC8E-BA7EFC55D638}"/>
+                <a16:creationId xmlns:a16="http://schemas.microsoft.com/office/drawing/2014/main" id="{D01F4AFD-ABB6-4F67-A12B-7B069ADE8754}"/>
               </a:ext>
             </a:extLst>
           </p:cNvPr>
@@ -3782,19 +3822,33 @@
             <p:ph idx="1"/>
           </p:nvPr>
         </p:nvSpPr>
-        <p:spPr/>
-        <p:txBody>
-          <a:bodyPr/>
-          <a:lstStyle/>
-          <a:p>
-            <a:endParaRPr lang="hu-HU"/>
+        <p:spPr>
+          <a:xfrm>
+            <a:off x="838200" y="1568741"/>
+            <a:ext cx="10515600" cy="4608222"/>
+          </a:xfrm>
+        </p:spPr>
+        <p:txBody>
+          <a:bodyPr/>
+          <a:lstStyle/>
+          <a:p>
+            <a:r>
+              <a:rPr lang="hu-HU" dirty="0"/>
+              <a:t>Adatok megadása után rendelés tételei megtekinthetők</a:t>
+            </a:r>
+          </a:p>
+          <a:p>
+            <a:r>
+              <a:rPr lang="hu-HU" dirty="0"/>
+              <a:t>Rendelést követően visszajelzés</a:t>
+            </a:r>
           </a:p>
         </p:txBody>
       </p:sp>
     </p:spTree>
     <p:extLst>
       <p:ext uri="{BB962C8B-B14F-4D97-AF65-F5344CB8AC3E}">
-        <p14:creationId xmlns:p14="http://schemas.microsoft.com/office/powerpoint/2010/main" val="2110314187"/>
+        <p14:creationId xmlns:p14="http://schemas.microsoft.com/office/powerpoint/2010/main" val="3828064168"/>
       </p:ext>
     </p:extLst>
   </p:cSld>
@@ -3826,7 +3880,7 @@
           <p:cNvPr id="2" name="Cím 1">
             <a:extLst>
               <a:ext uri="{FF2B5EF4-FFF2-40B4-BE49-F238E27FC236}">
-                <a16:creationId xmlns:a16="http://schemas.microsoft.com/office/drawing/2014/main" id="{9F224FF1-539E-4F4D-A36A-AAEA5A4BEA99}"/>
+                <a16:creationId xmlns:a16="http://schemas.microsoft.com/office/drawing/2014/main" id="{CB23CAB2-637F-458A-9674-DA4E9FF0C1E1}"/>
               </a:ext>
             </a:extLst>
           </p:cNvPr>
@@ -3843,13 +3897,18 @@
           <a:lstStyle/>
           <a:p>
             <a:r>
-              <a:rPr lang="hu-HU" dirty="0">
+              <a:rPr lang="hu-HU" dirty="0" err="1">
                 <a:solidFill>
-                  <a:schemeClr val="accent6"/>
+                  <a:srgbClr val="FF0000"/>
                 </a:solidFill>
               </a:rPr>
-              <a:t>Rendelés</a:t>
-            </a:r>
+              <a:t>Reszponzivitás</a:t>
+            </a:r>
+            <a:endParaRPr lang="hu-HU" dirty="0">
+              <a:solidFill>
+                <a:srgbClr val="FF0000"/>
+              </a:solidFill>
+            </a:endParaRPr>
           </a:p>
         </p:txBody>
       </p:sp>
@@ -3858,7 +3917,7 @@
           <p:cNvPr id="3" name="Tartalom helye 2">
             <a:extLst>
               <a:ext uri="{FF2B5EF4-FFF2-40B4-BE49-F238E27FC236}">
-                <a16:creationId xmlns:a16="http://schemas.microsoft.com/office/drawing/2014/main" id="{D01F4AFD-ABB6-4F67-A12B-7B069ADE8754}"/>
+                <a16:creationId xmlns:a16="http://schemas.microsoft.com/office/drawing/2014/main" id="{58501D45-D193-43FC-96C8-FD2EED02DBCB}"/>
               </a:ext>
             </a:extLst>
           </p:cNvPr>
@@ -3874,14 +3933,23 @@
           <a:bodyPr/>
           <a:lstStyle/>
           <a:p>
-            <a:endParaRPr lang="hu-HU" dirty="0"/>
+            <a:r>
+              <a:rPr lang="hu-HU" dirty="0"/>
+              <a:t>Minden oldal reszponzív</a:t>
+            </a:r>
+          </a:p>
+          <a:p>
+            <a:r>
+              <a:rPr lang="hu-HU" dirty="0"/>
+              <a:t>Telefonon, tableten, asztali gépen tesztelve</a:t>
+            </a:r>
           </a:p>
         </p:txBody>
       </p:sp>
     </p:spTree>
     <p:extLst>
       <p:ext uri="{BB962C8B-B14F-4D97-AF65-F5344CB8AC3E}">
-        <p14:creationId xmlns:p14="http://schemas.microsoft.com/office/powerpoint/2010/main" val="3828064168"/>
+        <p14:creationId xmlns:p14="http://schemas.microsoft.com/office/powerpoint/2010/main" val="3604601714"/>
       </p:ext>
     </p:extLst>
   </p:cSld>
@@ -3913,7 +3981,7 @@
           <p:cNvPr id="2" name="Cím 1">
             <a:extLst>
               <a:ext uri="{FF2B5EF4-FFF2-40B4-BE49-F238E27FC236}">
-                <a16:creationId xmlns:a16="http://schemas.microsoft.com/office/drawing/2014/main" id="{5773384C-EA67-494D-9B26-7487499ABB23}"/>
+                <a16:creationId xmlns:a16="http://schemas.microsoft.com/office/drawing/2014/main" id="{61D8808C-9BB8-4758-B3E6-6E8EFF497B87}"/>
               </a:ext>
             </a:extLst>
           </p:cNvPr>
@@ -3935,7 +4003,7 @@
                   <a:srgbClr val="FF0000"/>
                 </a:solidFill>
               </a:rPr>
-              <a:t>Megjelenés</a:t>
+              <a:t>Téma váltás</a:t>
             </a:r>
           </a:p>
         </p:txBody>
@@ -3945,7 +4013,7 @@
           <p:cNvPr id="3" name="Tartalom helye 2">
             <a:extLst>
               <a:ext uri="{FF2B5EF4-FFF2-40B4-BE49-F238E27FC236}">
-                <a16:creationId xmlns:a16="http://schemas.microsoft.com/office/drawing/2014/main" id="{EE30B3B9-C54B-4F7E-BB70-6EE0CCE7DFBB}"/>
+                <a16:creationId xmlns:a16="http://schemas.microsoft.com/office/drawing/2014/main" id="{914BCCC8-5955-423E-8E74-79092D243D4E}"/>
               </a:ext>
             </a:extLst>
           </p:cNvPr>
@@ -3961,14 +4029,23 @@
           <a:bodyPr/>
           <a:lstStyle/>
           <a:p>
-            <a:endParaRPr lang="hu-HU" dirty="0"/>
+            <a:r>
+              <a:rPr lang="hu-HU" dirty="0"/>
+              <a:t>Dinamikus váltás sötét és világos téma között</a:t>
+            </a:r>
+          </a:p>
+          <a:p>
+            <a:r>
+              <a:rPr lang="hu-HU" dirty="0"/>
+              <a:t>Minden oldal a felhasználó által preferált témát alkalmazza</a:t>
+            </a:r>
           </a:p>
         </p:txBody>
       </p:sp>
     </p:spTree>
     <p:extLst>
       <p:ext uri="{BB962C8B-B14F-4D97-AF65-F5344CB8AC3E}">
-        <p14:creationId xmlns:p14="http://schemas.microsoft.com/office/powerpoint/2010/main" val="2730604879"/>
+        <p14:creationId xmlns:p14="http://schemas.microsoft.com/office/powerpoint/2010/main" val="1602100683"/>
       </p:ext>
     </p:extLst>
   </p:cSld>
@@ -4000,7 +4077,7 @@
           <p:cNvPr id="2" name="Cím 1">
             <a:extLst>
               <a:ext uri="{FF2B5EF4-FFF2-40B4-BE49-F238E27FC236}">
-                <a16:creationId xmlns:a16="http://schemas.microsoft.com/office/drawing/2014/main" id="{CB23CAB2-637F-458A-9674-DA4E9FF0C1E1}"/>
+                <a16:creationId xmlns:a16="http://schemas.microsoft.com/office/drawing/2014/main" id="{274B837E-7989-49CA-91AA-AAA0E87F20BA}"/>
               </a:ext>
             </a:extLst>
           </p:cNvPr>
@@ -4017,18 +4094,13 @@
           <a:lstStyle/>
           <a:p>
             <a:r>
-              <a:rPr lang="hu-HU" dirty="0" err="1">
+              <a:rPr lang="hu-HU" dirty="0">
                 <a:solidFill>
                   <a:srgbClr val="FF0000"/>
                 </a:solidFill>
               </a:rPr>
-              <a:t>Reszponzivitás</a:t>
-            </a:r>
-            <a:endParaRPr lang="hu-HU" dirty="0">
-              <a:solidFill>
-                <a:srgbClr val="FF0000"/>
-              </a:solidFill>
-            </a:endParaRPr>
+              <a:t>Termékek megjelenítése</a:t>
+            </a:r>
           </a:p>
         </p:txBody>
       </p:sp>
@@ -4037,7 +4109,7 @@
           <p:cNvPr id="3" name="Tartalom helye 2">
             <a:extLst>
               <a:ext uri="{FF2B5EF4-FFF2-40B4-BE49-F238E27FC236}">
-                <a16:creationId xmlns:a16="http://schemas.microsoft.com/office/drawing/2014/main" id="{58501D45-D193-43FC-96C8-FD2EED02DBCB}"/>
+                <a16:creationId xmlns:a16="http://schemas.microsoft.com/office/drawing/2014/main" id="{D98B819D-0535-4B43-8655-2025516E3C3B}"/>
               </a:ext>
             </a:extLst>
           </p:cNvPr>
@@ -4053,14 +4125,40 @@
           <a:bodyPr/>
           <a:lstStyle/>
           <a:p>
-            <a:endParaRPr lang="hu-HU"/>
+            <a:r>
+              <a:rPr lang="hu-HU" dirty="0"/>
+              <a:t>Az oldal megnyitásakor minden lényeges adat lekérdezése tömbökbe</a:t>
+            </a:r>
+          </a:p>
+          <a:p>
+            <a:r>
+              <a:rPr lang="hu-HU" dirty="0"/>
+              <a:t>A termékek </a:t>
+            </a:r>
+            <a:r>
+              <a:rPr lang="hu-HU" dirty="0" err="1"/>
+              <a:t>csoportonként</a:t>
+            </a:r>
+            <a:r>
+              <a:rPr lang="hu-HU" dirty="0"/>
+              <a:t> vízszintesen lapozhatók, (nem kell sokat görgetni)</a:t>
+            </a:r>
+          </a:p>
+          <a:p>
+            <a:r>
+              <a:rPr lang="hu-HU" dirty="0"/>
+              <a:t>Letisztult animációk</a:t>
+            </a:r>
+          </a:p>
+          <a:p>
+            <a:endParaRPr lang="hu-HU" dirty="0"/>
           </a:p>
         </p:txBody>
       </p:sp>
     </p:spTree>
     <p:extLst>
       <p:ext uri="{BB962C8B-B14F-4D97-AF65-F5344CB8AC3E}">
-        <p14:creationId xmlns:p14="http://schemas.microsoft.com/office/powerpoint/2010/main" val="3604601714"/>
+        <p14:creationId xmlns:p14="http://schemas.microsoft.com/office/powerpoint/2010/main" val="755021427"/>
       </p:ext>
     </p:extLst>
   </p:cSld>
@@ -4092,7 +4190,7 @@
           <p:cNvPr id="2" name="Cím 1">
             <a:extLst>
               <a:ext uri="{FF2B5EF4-FFF2-40B4-BE49-F238E27FC236}">
-                <a16:creationId xmlns:a16="http://schemas.microsoft.com/office/drawing/2014/main" id="{61D8808C-9BB8-4758-B3E6-6E8EFF497B87}"/>
+                <a16:creationId xmlns:a16="http://schemas.microsoft.com/office/drawing/2014/main" id="{1BF96195-E2D1-46CF-9BA7-32FEBA4C8D50}"/>
               </a:ext>
             </a:extLst>
           </p:cNvPr>
@@ -4111,10 +4209,10 @@
             <a:r>
               <a:rPr lang="hu-HU" dirty="0">
                 <a:solidFill>
-                  <a:srgbClr val="FF0000"/>
+                  <a:schemeClr val="accent5"/>
                 </a:solidFill>
               </a:rPr>
-              <a:t>Téma váltás</a:t>
+              <a:t>Asztali alkalmazás</a:t>
             </a:r>
           </a:p>
         </p:txBody>
@@ -4124,7 +4222,7 @@
           <p:cNvPr id="3" name="Tartalom helye 2">
             <a:extLst>
               <a:ext uri="{FF2B5EF4-FFF2-40B4-BE49-F238E27FC236}">
-                <a16:creationId xmlns:a16="http://schemas.microsoft.com/office/drawing/2014/main" id="{914BCCC8-5955-423E-8E74-79092D243D4E}"/>
+                <a16:creationId xmlns:a16="http://schemas.microsoft.com/office/drawing/2014/main" id="{DAE731FE-DE0E-44A5-8A05-8E9DF1DAA90B}"/>
               </a:ext>
             </a:extLst>
           </p:cNvPr>
@@ -4140,14 +4238,23 @@
           <a:bodyPr/>
           <a:lstStyle/>
           <a:p>
-            <a:endParaRPr lang="hu-HU"/>
+            <a:r>
+              <a:rPr lang="hu-HU" dirty="0"/>
+              <a:t>Lehetőséget nyújt az adatbázis karbantartására, adminisztrátori feladatok ellátására</a:t>
+            </a:r>
+          </a:p>
+          <a:p>
+            <a:r>
+              <a:rPr lang="hu-HU" dirty="0"/>
+              <a:t>Egyszerű, gyorsan használható</a:t>
+            </a:r>
           </a:p>
         </p:txBody>
       </p:sp>
     </p:spTree>
     <p:extLst>
       <p:ext uri="{BB962C8B-B14F-4D97-AF65-F5344CB8AC3E}">
-        <p14:creationId xmlns:p14="http://schemas.microsoft.com/office/powerpoint/2010/main" val="1602100683"/>
+        <p14:creationId xmlns:p14="http://schemas.microsoft.com/office/powerpoint/2010/main" val="3835943923"/>
       </p:ext>
     </p:extLst>
   </p:cSld>
@@ -4179,7 +4286,7 @@
           <p:cNvPr id="2" name="Cím 1">
             <a:extLst>
               <a:ext uri="{FF2B5EF4-FFF2-40B4-BE49-F238E27FC236}">
-                <a16:creationId xmlns:a16="http://schemas.microsoft.com/office/drawing/2014/main" id="{274B837E-7989-49CA-91AA-AAA0E87F20BA}"/>
+                <a16:creationId xmlns:a16="http://schemas.microsoft.com/office/drawing/2014/main" id="{F0CA4984-C829-4376-9DDD-6CAE8566308D}"/>
               </a:ext>
             </a:extLst>
           </p:cNvPr>
@@ -4198,10 +4305,10 @@
             <a:r>
               <a:rPr lang="hu-HU" dirty="0">
                 <a:solidFill>
-                  <a:srgbClr val="FF0000"/>
+                  <a:schemeClr val="accent6"/>
                 </a:solidFill>
               </a:rPr>
-              <a:t>Termékek megjelenítése</a:t>
+              <a:t>Kapcsolat az adatbázissal</a:t>
             </a:r>
           </a:p>
         </p:txBody>
@@ -4211,7 +4318,7 @@
           <p:cNvPr id="3" name="Tartalom helye 2">
             <a:extLst>
               <a:ext uri="{FF2B5EF4-FFF2-40B4-BE49-F238E27FC236}">
-                <a16:creationId xmlns:a16="http://schemas.microsoft.com/office/drawing/2014/main" id="{D98B819D-0535-4B43-8655-2025516E3C3B}"/>
+                <a16:creationId xmlns:a16="http://schemas.microsoft.com/office/drawing/2014/main" id="{37777DB2-381B-4AA9-B0BA-FD41B7F69290}"/>
               </a:ext>
             </a:extLst>
           </p:cNvPr>
@@ -4227,14 +4334,26 @@
           <a:bodyPr/>
           <a:lstStyle/>
           <a:p>
-            <a:endParaRPr lang="hu-HU"/>
+            <a:r>
+              <a:rPr lang="hu-HU" dirty="0"/>
+              <a:t>a kapcsolódás „connect.ini” fájlban tárolt adatok segítségével, ez egyszerűbbé teszi a jövőben esedékes változtatások beállítását.</a:t>
+            </a:r>
+          </a:p>
+          <a:p>
+            <a:pPr marL="0" indent="0">
+              <a:buNone/>
+            </a:pPr>
+            <a:endParaRPr lang="hu-HU" dirty="0"/>
+          </a:p>
+          <a:p>
+            <a:endParaRPr lang="hu-HU" dirty="0"/>
           </a:p>
         </p:txBody>
       </p:sp>
     </p:spTree>
     <p:extLst>
       <p:ext uri="{BB962C8B-B14F-4D97-AF65-F5344CB8AC3E}">
-        <p14:creationId xmlns:p14="http://schemas.microsoft.com/office/powerpoint/2010/main" val="755021427"/>
+        <p14:creationId xmlns:p14="http://schemas.microsoft.com/office/powerpoint/2010/main" val="412862924"/>
       </p:ext>
     </p:extLst>
   </p:cSld>
@@ -4266,7 +4385,7 @@
           <p:cNvPr id="2" name="Cím 1">
             <a:extLst>
               <a:ext uri="{FF2B5EF4-FFF2-40B4-BE49-F238E27FC236}">
-                <a16:creationId xmlns:a16="http://schemas.microsoft.com/office/drawing/2014/main" id="{1BF96195-E2D1-46CF-9BA7-32FEBA4C8D50}"/>
+                <a16:creationId xmlns:a16="http://schemas.microsoft.com/office/drawing/2014/main" id="{D9000B97-D701-4169-9D0C-0704C5015BC9}"/>
               </a:ext>
             </a:extLst>
           </p:cNvPr>
@@ -4288,7 +4407,7 @@
                   <a:schemeClr val="accent5"/>
                 </a:solidFill>
               </a:rPr>
-              <a:t>Asztali alkalmazás</a:t>
+              <a:t>Funkciók</a:t>
             </a:r>
           </a:p>
         </p:txBody>
@@ -4298,7 +4417,7 @@
           <p:cNvPr id="3" name="Tartalom helye 2">
             <a:extLst>
               <a:ext uri="{FF2B5EF4-FFF2-40B4-BE49-F238E27FC236}">
-                <a16:creationId xmlns:a16="http://schemas.microsoft.com/office/drawing/2014/main" id="{DAE731FE-DE0E-44A5-8A05-8E9DF1DAA90B}"/>
+                <a16:creationId xmlns:a16="http://schemas.microsoft.com/office/drawing/2014/main" id="{8BD3EFAC-8DD9-444D-B39C-43BE88D496BA}"/>
               </a:ext>
             </a:extLst>
           </p:cNvPr>
@@ -4313,6 +4432,24 @@
         <p:txBody>
           <a:bodyPr/>
           <a:lstStyle/>
+          <a:p>
+            <a:r>
+              <a:rPr lang="hu-HU" dirty="0"/>
+              <a:t>Adatok megtekintése</a:t>
+            </a:r>
+          </a:p>
+          <a:p>
+            <a:r>
+              <a:rPr lang="hu-HU" dirty="0"/>
+              <a:t>Adatok módosítása, törlése</a:t>
+            </a:r>
+          </a:p>
+          <a:p>
+            <a:r>
+              <a:rPr lang="hu-HU" dirty="0"/>
+              <a:t>Új adat felvétele</a:t>
+            </a:r>
+          </a:p>
           <a:p>
             <a:endParaRPr lang="hu-HU" dirty="0"/>
           </a:p>
@@ -4321,7 +4458,7 @@
     </p:spTree>
     <p:extLst>
       <p:ext uri="{BB962C8B-B14F-4D97-AF65-F5344CB8AC3E}">
-        <p14:creationId xmlns:p14="http://schemas.microsoft.com/office/powerpoint/2010/main" val="3835943923"/>
+        <p14:creationId xmlns:p14="http://schemas.microsoft.com/office/powerpoint/2010/main" val="2472568903"/>
       </p:ext>
     </p:extLst>
   </p:cSld>
@@ -4445,7 +4582,7 @@
           <p:cNvPr id="2" name="Cím 1">
             <a:extLst>
               <a:ext uri="{FF2B5EF4-FFF2-40B4-BE49-F238E27FC236}">
-                <a16:creationId xmlns:a16="http://schemas.microsoft.com/office/drawing/2014/main" id="{D9000B97-D701-4169-9D0C-0704C5015BC9}"/>
+                <a16:creationId xmlns:a16="http://schemas.microsoft.com/office/drawing/2014/main" id="{79C002F6-6C65-4D66-ADFD-C0ED0DC7F9F6}"/>
               </a:ext>
             </a:extLst>
           </p:cNvPr>
@@ -4467,7 +4604,7 @@
                   <a:schemeClr val="accent5"/>
                 </a:solidFill>
               </a:rPr>
-              <a:t>Funkciók</a:t>
+              <a:t>Használata</a:t>
             </a:r>
           </a:p>
         </p:txBody>
@@ -4477,7 +4614,7 @@
           <p:cNvPr id="3" name="Tartalom helye 2">
             <a:extLst>
               <a:ext uri="{FF2B5EF4-FFF2-40B4-BE49-F238E27FC236}">
-                <a16:creationId xmlns:a16="http://schemas.microsoft.com/office/drawing/2014/main" id="{8BD3EFAC-8DD9-444D-B39C-43BE88D496BA}"/>
+                <a16:creationId xmlns:a16="http://schemas.microsoft.com/office/drawing/2014/main" id="{A8D57BFB-3FDB-4EB4-8D42-A86ED7CE8C29}"/>
               </a:ext>
             </a:extLst>
           </p:cNvPr>
@@ -4493,14 +4630,29 @@
           <a:bodyPr/>
           <a:lstStyle/>
           <a:p>
-            <a:endParaRPr lang="hu-HU"/>
+            <a:r>
+              <a:rPr lang="hu-HU" dirty="0"/>
+              <a:t>Bejelentkezés</a:t>
+            </a:r>
+          </a:p>
+          <a:p>
+            <a:r>
+              <a:rPr lang="hu-HU" dirty="0"/>
+              <a:t>Kilépés</a:t>
+            </a:r>
+          </a:p>
+          <a:p>
+            <a:r>
+              <a:rPr lang="hu-HU" dirty="0"/>
+              <a:t>Főoldal</a:t>
+            </a:r>
           </a:p>
         </p:txBody>
       </p:sp>
     </p:spTree>
     <p:extLst>
       <p:ext uri="{BB962C8B-B14F-4D97-AF65-F5344CB8AC3E}">
-        <p14:creationId xmlns:p14="http://schemas.microsoft.com/office/powerpoint/2010/main" val="2472568903"/>
+        <p14:creationId xmlns:p14="http://schemas.microsoft.com/office/powerpoint/2010/main" val="3398618149"/>
       </p:ext>
     </p:extLst>
   </p:cSld>
@@ -4532,7 +4684,7 @@
           <p:cNvPr id="2" name="Cím 1">
             <a:extLst>
               <a:ext uri="{FF2B5EF4-FFF2-40B4-BE49-F238E27FC236}">
-                <a16:creationId xmlns:a16="http://schemas.microsoft.com/office/drawing/2014/main" id="{F0CA4984-C829-4376-9DDD-6CAE8566308D}"/>
+                <a16:creationId xmlns:a16="http://schemas.microsoft.com/office/drawing/2014/main" id="{31730C2D-0B49-4EE6-B359-D2D201827759}"/>
               </a:ext>
             </a:extLst>
           </p:cNvPr>
@@ -4551,10 +4703,10 @@
             <a:r>
               <a:rPr lang="hu-HU" dirty="0">
                 <a:solidFill>
-                  <a:schemeClr val="accent6"/>
+                  <a:schemeClr val="accent5"/>
                 </a:solidFill>
               </a:rPr>
-              <a:t>Kapcsolat az adatbázissal</a:t>
+              <a:t>Adatok megtekintése</a:t>
             </a:r>
           </a:p>
         </p:txBody>
@@ -4564,7 +4716,7 @@
           <p:cNvPr id="3" name="Tartalom helye 2">
             <a:extLst>
               <a:ext uri="{FF2B5EF4-FFF2-40B4-BE49-F238E27FC236}">
-                <a16:creationId xmlns:a16="http://schemas.microsoft.com/office/drawing/2014/main" id="{37777DB2-381B-4AA9-B0BA-FD41B7F69290}"/>
+                <a16:creationId xmlns:a16="http://schemas.microsoft.com/office/drawing/2014/main" id="{35D0CBE2-AAAE-4DDA-8C13-DCF5B1685BA6}"/>
               </a:ext>
             </a:extLst>
           </p:cNvPr>
@@ -4580,14 +4732,23 @@
           <a:bodyPr/>
           <a:lstStyle/>
           <a:p>
-            <a:endParaRPr lang="hu-HU"/>
+            <a:r>
+              <a:rPr lang="hu-HU" dirty="0"/>
+              <a:t>Az adatbázis összes táblájának adatai megtekinthetők</a:t>
+            </a:r>
+          </a:p>
+          <a:p>
+            <a:r>
+              <a:rPr lang="hu-HU" dirty="0"/>
+              <a:t>Rendeléshez kapcsolódó minden adat megtekinthető táblák összefűzésével</a:t>
+            </a:r>
           </a:p>
         </p:txBody>
       </p:sp>
     </p:spTree>
     <p:extLst>
       <p:ext uri="{BB962C8B-B14F-4D97-AF65-F5344CB8AC3E}">
-        <p14:creationId xmlns:p14="http://schemas.microsoft.com/office/powerpoint/2010/main" val="412862924"/>
+        <p14:creationId xmlns:p14="http://schemas.microsoft.com/office/powerpoint/2010/main" val="2214830039"/>
       </p:ext>
     </p:extLst>
   </p:cSld>
@@ -4619,7 +4780,7 @@
           <p:cNvPr id="2" name="Cím 1">
             <a:extLst>
               <a:ext uri="{FF2B5EF4-FFF2-40B4-BE49-F238E27FC236}">
-                <a16:creationId xmlns:a16="http://schemas.microsoft.com/office/drawing/2014/main" id="{79C002F6-6C65-4D66-ADFD-C0ED0DC7F9F6}"/>
+                <a16:creationId xmlns:a16="http://schemas.microsoft.com/office/drawing/2014/main" id="{12AD6FD8-E492-4C54-8155-4966A9BCCE50}"/>
               </a:ext>
             </a:extLst>
           </p:cNvPr>
@@ -4641,7 +4802,7 @@
                   <a:schemeClr val="accent5"/>
                 </a:solidFill>
               </a:rPr>
-              <a:t>Használata</a:t>
+              <a:t>Adatok módosítása, törlése</a:t>
             </a:r>
           </a:p>
         </p:txBody>
@@ -4651,7 +4812,7 @@
           <p:cNvPr id="3" name="Tartalom helye 2">
             <a:extLst>
               <a:ext uri="{FF2B5EF4-FFF2-40B4-BE49-F238E27FC236}">
-                <a16:creationId xmlns:a16="http://schemas.microsoft.com/office/drawing/2014/main" id="{A8D57BFB-3FDB-4EB4-8D42-A86ED7CE8C29}"/>
+                <a16:creationId xmlns:a16="http://schemas.microsoft.com/office/drawing/2014/main" id="{84640881-810C-40C8-8B0A-32B1320FE6AF}"/>
               </a:ext>
             </a:extLst>
           </p:cNvPr>
@@ -4667,14 +4828,29 @@
           <a:bodyPr/>
           <a:lstStyle/>
           <a:p>
-            <a:endParaRPr lang="hu-HU"/>
+            <a:r>
+              <a:rPr lang="hu-HU" dirty="0"/>
+              <a:t>Módosítani kívánt adat kiválasztása, módosítása</a:t>
+            </a:r>
+          </a:p>
+          <a:p>
+            <a:r>
+              <a:rPr lang="hu-HU" dirty="0"/>
+              <a:t>Törlése, amennyiben lehetséges (nincs alárendelt adat/tábla)</a:t>
+            </a:r>
+          </a:p>
+          <a:p>
+            <a:r>
+              <a:rPr lang="hu-HU" dirty="0"/>
+              <a:t>Megfelelő hibakezelés, felhasználói visszajelzések</a:t>
+            </a:r>
           </a:p>
         </p:txBody>
       </p:sp>
     </p:spTree>
     <p:extLst>
       <p:ext uri="{BB962C8B-B14F-4D97-AF65-F5344CB8AC3E}">
-        <p14:creationId xmlns:p14="http://schemas.microsoft.com/office/powerpoint/2010/main" val="3398618149"/>
+        <p14:creationId xmlns:p14="http://schemas.microsoft.com/office/powerpoint/2010/main" val="3388714499"/>
       </p:ext>
     </p:extLst>
   </p:cSld>
@@ -4706,7 +4882,7 @@
           <p:cNvPr id="2" name="Cím 1">
             <a:extLst>
               <a:ext uri="{FF2B5EF4-FFF2-40B4-BE49-F238E27FC236}">
-                <a16:creationId xmlns:a16="http://schemas.microsoft.com/office/drawing/2014/main" id="{31730C2D-0B49-4EE6-B359-D2D201827759}"/>
+                <a16:creationId xmlns:a16="http://schemas.microsoft.com/office/drawing/2014/main" id="{984D3361-E041-4DE1-AA42-A197892ADBEC}"/>
               </a:ext>
             </a:extLst>
           </p:cNvPr>
@@ -4728,7 +4904,7 @@
                   <a:schemeClr val="accent5"/>
                 </a:solidFill>
               </a:rPr>
-              <a:t>Adatok megtekintése</a:t>
+              <a:t>Új adat felvétele</a:t>
             </a:r>
           </a:p>
         </p:txBody>
@@ -4738,7 +4914,7 @@
           <p:cNvPr id="3" name="Tartalom helye 2">
             <a:extLst>
               <a:ext uri="{FF2B5EF4-FFF2-40B4-BE49-F238E27FC236}">
-                <a16:creationId xmlns:a16="http://schemas.microsoft.com/office/drawing/2014/main" id="{35D0CBE2-AAAE-4DDA-8C13-DCF5B1685BA6}"/>
+                <a16:creationId xmlns:a16="http://schemas.microsoft.com/office/drawing/2014/main" id="{38486926-B5A2-4572-B657-85E13890FBF5}"/>
               </a:ext>
             </a:extLst>
           </p:cNvPr>
@@ -4754,14 +4930,25 @@
           <a:bodyPr/>
           <a:lstStyle/>
           <a:p>
-            <a:endParaRPr lang="hu-HU"/>
+            <a:r>
+              <a:rPr lang="hu-HU" dirty="0"/>
+              <a:t>Új adatot vehet fel, új termék, új termék csoport </a:t>
+            </a:r>
+            <a:r>
+              <a:rPr lang="hu-HU" dirty="0" err="1"/>
+              <a:t>stb</a:t>
+            </a:r>
+            <a:r>
+              <a:rPr lang="hu-HU" dirty="0"/>
+              <a:t>…</a:t>
+            </a:r>
           </a:p>
         </p:txBody>
       </p:sp>
     </p:spTree>
     <p:extLst>
       <p:ext uri="{BB962C8B-B14F-4D97-AF65-F5344CB8AC3E}">
-        <p14:creationId xmlns:p14="http://schemas.microsoft.com/office/powerpoint/2010/main" val="2214830039"/>
+        <p14:creationId xmlns:p14="http://schemas.microsoft.com/office/powerpoint/2010/main" val="3359056481"/>
       </p:ext>
     </p:extLst>
   </p:cSld>
@@ -4793,7 +4980,7 @@
           <p:cNvPr id="2" name="Cím 1">
             <a:extLst>
               <a:ext uri="{FF2B5EF4-FFF2-40B4-BE49-F238E27FC236}">
-                <a16:creationId xmlns:a16="http://schemas.microsoft.com/office/drawing/2014/main" id="{12AD6FD8-E492-4C54-8155-4966A9BCCE50}"/>
+                <a16:creationId xmlns:a16="http://schemas.microsoft.com/office/drawing/2014/main" id="{CCB9FF9E-EA0C-49B4-9934-D7B142D9BE2A}"/>
               </a:ext>
             </a:extLst>
           </p:cNvPr>
@@ -4812,10 +4999,10 @@
             <a:r>
               <a:rPr lang="hu-HU" dirty="0">
                 <a:solidFill>
-                  <a:schemeClr val="accent5"/>
+                  <a:srgbClr val="FF0000"/>
                 </a:solidFill>
               </a:rPr>
-              <a:t>Adatok módosítása, törlése</a:t>
+              <a:t>Továbbfejlesztési tervek</a:t>
             </a:r>
           </a:p>
         </p:txBody>
@@ -4825,7 +5012,7 @@
           <p:cNvPr id="3" name="Tartalom helye 2">
             <a:extLst>
               <a:ext uri="{FF2B5EF4-FFF2-40B4-BE49-F238E27FC236}">
-                <a16:creationId xmlns:a16="http://schemas.microsoft.com/office/drawing/2014/main" id="{84640881-810C-40C8-8B0A-32B1320FE6AF}"/>
+                <a16:creationId xmlns:a16="http://schemas.microsoft.com/office/drawing/2014/main" id="{5946F55E-D304-41B8-A711-0DB0F7134316}"/>
               </a:ext>
             </a:extLst>
           </p:cNvPr>
@@ -4841,14 +5028,64 @@
           <a:bodyPr/>
           <a:lstStyle/>
           <a:p>
-            <a:endParaRPr lang="hu-HU"/>
+            <a:r>
+              <a:rPr lang="hu-HU" dirty="0"/>
+              <a:t>Keresés/szűrés</a:t>
+            </a:r>
+          </a:p>
+          <a:p>
+            <a:r>
+              <a:rPr lang="hu-HU" dirty="0"/>
+              <a:t>Rendelés visszaigazoló email</a:t>
+            </a:r>
+          </a:p>
+          <a:p>
+            <a:r>
+              <a:rPr lang="hu-HU" dirty="0"/>
+              <a:t>Külön webes felület a rendelések megtekintésére (</a:t>
+            </a:r>
+            <a:r>
+              <a:rPr lang="hu-HU" dirty="0" err="1"/>
+              <a:t>pl</a:t>
+            </a:r>
+            <a:r>
+              <a:rPr lang="hu-HU" dirty="0"/>
+              <a:t> futárnak)</a:t>
+            </a:r>
+          </a:p>
+          <a:p>
+            <a:r>
+              <a:rPr lang="hu-HU" dirty="0"/>
+              <a:t>Fizetési módok kezelése</a:t>
+            </a:r>
+          </a:p>
+          <a:p>
+            <a:r>
+              <a:rPr lang="hu-HU" dirty="0"/>
+              <a:t>Kiemelt ajánlatok kezelése</a:t>
+            </a:r>
+          </a:p>
+          <a:p>
+            <a:r>
+              <a:rPr lang="hu-HU" dirty="0"/>
+              <a:t>Adatbázis szerveren történő működtetése</a:t>
+            </a:r>
+          </a:p>
+          <a:p>
+            <a:r>
+              <a:rPr lang="hu-HU" dirty="0"/>
+              <a:t>Karbantartás, optimalizálás, hibajavítás, tesztelés</a:t>
+            </a:r>
+          </a:p>
+          <a:p>
+            <a:endParaRPr lang="hu-HU" dirty="0"/>
           </a:p>
         </p:txBody>
       </p:sp>
     </p:spTree>
     <p:extLst>
       <p:ext uri="{BB962C8B-B14F-4D97-AF65-F5344CB8AC3E}">
-        <p14:creationId xmlns:p14="http://schemas.microsoft.com/office/powerpoint/2010/main" val="3388714499"/>
+        <p14:creationId xmlns:p14="http://schemas.microsoft.com/office/powerpoint/2010/main" val="3496076671"/>
       </p:ext>
     </p:extLst>
   </p:cSld>
@@ -4880,180 +5117,6 @@
           <p:cNvPr id="2" name="Cím 1">
             <a:extLst>
               <a:ext uri="{FF2B5EF4-FFF2-40B4-BE49-F238E27FC236}">
-                <a16:creationId xmlns:a16="http://schemas.microsoft.com/office/drawing/2014/main" id="{984D3361-E041-4DE1-AA42-A197892ADBEC}"/>
-              </a:ext>
-            </a:extLst>
-          </p:cNvPr>
-          <p:cNvSpPr>
-            <a:spLocks noGrp="1"/>
-          </p:cNvSpPr>
-          <p:nvPr>
-            <p:ph type="title"/>
-          </p:nvPr>
-        </p:nvSpPr>
-        <p:spPr/>
-        <p:txBody>
-          <a:bodyPr/>
-          <a:lstStyle/>
-          <a:p>
-            <a:r>
-              <a:rPr lang="hu-HU" dirty="0">
-                <a:solidFill>
-                  <a:schemeClr val="accent5"/>
-                </a:solidFill>
-              </a:rPr>
-              <a:t>Új adat felvétele</a:t>
-            </a:r>
-          </a:p>
-        </p:txBody>
-      </p:sp>
-      <p:sp>
-        <p:nvSpPr>
-          <p:cNvPr id="3" name="Tartalom helye 2">
-            <a:extLst>
-              <a:ext uri="{FF2B5EF4-FFF2-40B4-BE49-F238E27FC236}">
-                <a16:creationId xmlns:a16="http://schemas.microsoft.com/office/drawing/2014/main" id="{38486926-B5A2-4572-B657-85E13890FBF5}"/>
-              </a:ext>
-            </a:extLst>
-          </p:cNvPr>
-          <p:cNvSpPr>
-            <a:spLocks noGrp="1"/>
-          </p:cNvSpPr>
-          <p:nvPr>
-            <p:ph idx="1"/>
-          </p:nvPr>
-        </p:nvSpPr>
-        <p:spPr/>
-        <p:txBody>
-          <a:bodyPr/>
-          <a:lstStyle/>
-          <a:p>
-            <a:endParaRPr lang="hu-HU"/>
-          </a:p>
-        </p:txBody>
-      </p:sp>
-    </p:spTree>
-    <p:extLst>
-      <p:ext uri="{BB962C8B-B14F-4D97-AF65-F5344CB8AC3E}">
-        <p14:creationId xmlns:p14="http://schemas.microsoft.com/office/powerpoint/2010/main" val="3359056481"/>
-      </p:ext>
-    </p:extLst>
-  </p:cSld>
-  <p:clrMapOvr>
-    <a:masterClrMapping/>
-  </p:clrMapOvr>
-</p:sld>
-</file>
-
-<file path=ppt/slides/slide26.xml><?xml version="1.0" encoding="utf-8"?>
-<p:sld xmlns:a="http://schemas.openxmlformats.org/drawingml/2006/main" xmlns:r="http://schemas.openxmlformats.org/officeDocument/2006/relationships" xmlns:p="http://schemas.openxmlformats.org/presentationml/2006/main">
-  <p:cSld>
-    <p:spTree>
-      <p:nvGrpSpPr>
-        <p:cNvPr id="1" name=""/>
-        <p:cNvGrpSpPr/>
-        <p:nvPr/>
-      </p:nvGrpSpPr>
-      <p:grpSpPr>
-        <a:xfrm>
-          <a:off x="0" y="0"/>
-          <a:ext cx="0" cy="0"/>
-          <a:chOff x="0" y="0"/>
-          <a:chExt cx="0" cy="0"/>
-        </a:xfrm>
-      </p:grpSpPr>
-      <p:sp>
-        <p:nvSpPr>
-          <p:cNvPr id="2" name="Cím 1">
-            <a:extLst>
-              <a:ext uri="{FF2B5EF4-FFF2-40B4-BE49-F238E27FC236}">
-                <a16:creationId xmlns:a16="http://schemas.microsoft.com/office/drawing/2014/main" id="{CCB9FF9E-EA0C-49B4-9934-D7B142D9BE2A}"/>
-              </a:ext>
-            </a:extLst>
-          </p:cNvPr>
-          <p:cNvSpPr>
-            <a:spLocks noGrp="1"/>
-          </p:cNvSpPr>
-          <p:nvPr>
-            <p:ph type="title"/>
-          </p:nvPr>
-        </p:nvSpPr>
-        <p:spPr/>
-        <p:txBody>
-          <a:bodyPr/>
-          <a:lstStyle/>
-          <a:p>
-            <a:r>
-              <a:rPr lang="hu-HU" dirty="0">
-                <a:solidFill>
-                  <a:srgbClr val="FF0000"/>
-                </a:solidFill>
-              </a:rPr>
-              <a:t>Továbbfejlesztési tervek</a:t>
-            </a:r>
-          </a:p>
-        </p:txBody>
-      </p:sp>
-      <p:sp>
-        <p:nvSpPr>
-          <p:cNvPr id="3" name="Tartalom helye 2">
-            <a:extLst>
-              <a:ext uri="{FF2B5EF4-FFF2-40B4-BE49-F238E27FC236}">
-                <a16:creationId xmlns:a16="http://schemas.microsoft.com/office/drawing/2014/main" id="{5946F55E-D304-41B8-A711-0DB0F7134316}"/>
-              </a:ext>
-            </a:extLst>
-          </p:cNvPr>
-          <p:cNvSpPr>
-            <a:spLocks noGrp="1"/>
-          </p:cNvSpPr>
-          <p:nvPr>
-            <p:ph idx="1"/>
-          </p:nvPr>
-        </p:nvSpPr>
-        <p:spPr/>
-        <p:txBody>
-          <a:bodyPr/>
-          <a:lstStyle/>
-          <a:p>
-            <a:endParaRPr lang="hu-HU"/>
-          </a:p>
-        </p:txBody>
-      </p:sp>
-    </p:spTree>
-    <p:extLst>
-      <p:ext uri="{BB962C8B-B14F-4D97-AF65-F5344CB8AC3E}">
-        <p14:creationId xmlns:p14="http://schemas.microsoft.com/office/powerpoint/2010/main" val="3496076671"/>
-      </p:ext>
-    </p:extLst>
-  </p:cSld>
-  <p:clrMapOvr>
-    <a:masterClrMapping/>
-  </p:clrMapOvr>
-</p:sld>
-</file>
-
-<file path=ppt/slides/slide27.xml><?xml version="1.0" encoding="utf-8"?>
-<p:sld xmlns:a="http://schemas.openxmlformats.org/drawingml/2006/main" xmlns:r="http://schemas.openxmlformats.org/officeDocument/2006/relationships" xmlns:p="http://schemas.openxmlformats.org/presentationml/2006/main">
-  <p:cSld>
-    <p:spTree>
-      <p:nvGrpSpPr>
-        <p:cNvPr id="1" name=""/>
-        <p:cNvGrpSpPr/>
-        <p:nvPr/>
-      </p:nvGrpSpPr>
-      <p:grpSpPr>
-        <a:xfrm>
-          <a:off x="0" y="0"/>
-          <a:ext cx="0" cy="0"/>
-          <a:chOff x="0" y="0"/>
-          <a:chExt cx="0" cy="0"/>
-        </a:xfrm>
-      </p:grpSpPr>
-      <p:sp>
-        <p:nvSpPr>
-          <p:cNvPr id="2" name="Cím 1">
-            <a:extLst>
-              <a:ext uri="{FF2B5EF4-FFF2-40B4-BE49-F238E27FC236}">
                 <a16:creationId xmlns:a16="http://schemas.microsoft.com/office/drawing/2014/main" id="{9C189CB2-CF16-4F29-B00C-D432F59AD558}"/>
               </a:ext>
             </a:extLst>
@@ -5115,7 +5178,7 @@
 </p:sld>
 </file>
 
-<file path=ppt/slides/slide28.xml><?xml version="1.0" encoding="utf-8"?>
+<file path=ppt/slides/slide26.xml><?xml version="1.0" encoding="utf-8"?>
 <p:sld xmlns:a="http://schemas.openxmlformats.org/drawingml/2006/main" xmlns:r="http://schemas.openxmlformats.org/officeDocument/2006/relationships" xmlns:p="http://schemas.openxmlformats.org/presentationml/2006/main">
   <p:cSld>
     <p:spTree>
@@ -5264,6 +5327,35 @@
           <a:bodyPr/>
           <a:lstStyle/>
           <a:p>
+            <a:r>
+              <a:rPr lang="hu-HU" dirty="0"/>
+              <a:t>Php</a:t>
+            </a:r>
+          </a:p>
+          <a:p>
+            <a:r>
+              <a:rPr lang="hu-HU" dirty="0" err="1"/>
+              <a:t>Javascript</a:t>
+            </a:r>
+            <a:endParaRPr lang="hu-HU" dirty="0"/>
+          </a:p>
+          <a:p>
+            <a:r>
+              <a:rPr lang="hu-HU" dirty="0" err="1"/>
+              <a:t>Html</a:t>
+            </a:r>
+            <a:endParaRPr lang="hu-HU" dirty="0"/>
+          </a:p>
+          <a:p>
+            <a:r>
+              <a:rPr lang="hu-HU" dirty="0"/>
+              <a:t>C#</a:t>
+            </a:r>
+          </a:p>
+          <a:p>
+            <a:pPr marL="0" indent="0">
+              <a:buNone/>
+            </a:pPr>
             <a:endParaRPr lang="hu-HU" dirty="0"/>
           </a:p>
         </p:txBody>
@@ -5322,45 +5414,50 @@
           <a:lstStyle/>
           <a:p>
             <a:r>
-              <a:rPr lang="hu-HU" dirty="0">
-                <a:solidFill>
-                  <a:schemeClr val="accent5"/>
-                </a:solidFill>
-              </a:rPr>
-              <a:t>Adatbázis</a:t>
-            </a:r>
-            <a:r>
-              <a:rPr lang="hu-HU" dirty="0"/>
-              <a:t> </a:t>
-            </a:r>
-          </a:p>
-        </p:txBody>
-      </p:sp>
-      <p:sp>
-        <p:nvSpPr>
-          <p:cNvPr id="3" name="Tartalom helye 2">
-            <a:extLst>
-              <a:ext uri="{FF2B5EF4-FFF2-40B4-BE49-F238E27FC236}">
-                <a16:creationId xmlns:a16="http://schemas.microsoft.com/office/drawing/2014/main" id="{325A2C69-9B80-426C-8578-76AC3B6FA5CB}"/>
-              </a:ext>
-            </a:extLst>
-          </p:cNvPr>
-          <p:cNvSpPr>
-            <a:spLocks noGrp="1"/>
-          </p:cNvSpPr>
+              <a:rPr lang="hu-HU" dirty="0"/>
+              <a:t>Adatbázis </a:t>
+            </a:r>
+          </a:p>
+        </p:txBody>
+      </p:sp>
+      <p:pic>
+        <p:nvPicPr>
+          <p:cNvPr id="4" name="Tartalom helye 3" descr="A képen szöveg, képernyőkép, diagram, Betűtípus látható&#10;&#10;Automatikusan generált leírás">
+            <a:extLst>
+              <a:ext uri="{FF2B5EF4-FFF2-40B4-BE49-F238E27FC236}">
+                <a16:creationId xmlns:a16="http://schemas.microsoft.com/office/drawing/2014/main" id="{C4ED2627-62DE-4A52-B4E7-A35D25FE36F9}"/>
+              </a:ext>
+            </a:extLst>
+          </p:cNvPr>
+          <p:cNvPicPr>
+            <a:picLocks noGrp="1"/>
+          </p:cNvPicPr>
           <p:nvPr>
             <p:ph idx="1"/>
           </p:nvPr>
-        </p:nvSpPr>
-        <p:spPr/>
-        <p:txBody>
-          <a:bodyPr/>
-          <a:lstStyle/>
-          <a:p>
-            <a:endParaRPr lang="hu-HU" dirty="0"/>
-          </a:p>
-        </p:txBody>
-      </p:sp>
+        </p:nvPicPr>
+        <p:blipFill>
+          <a:blip r:embed="rId2">
+            <a:extLst>
+              <a:ext uri="{28A0092B-C50C-407E-A947-70E740481C1C}">
+                <a14:useLocalDpi xmlns:a14="http://schemas.microsoft.com/office/drawing/2010/main" val="0"/>
+              </a:ext>
+            </a:extLst>
+          </a:blip>
+          <a:stretch>
+            <a:fillRect/>
+          </a:stretch>
+        </p:blipFill>
+        <p:spPr>
+          <a:xfrm>
+            <a:off x="1881853" y="1186015"/>
+            <a:ext cx="8428293" cy="5306860"/>
+          </a:xfrm>
+          <a:prstGeom prst="rect">
+            <a:avLst/>
+          </a:prstGeom>
+        </p:spPr>
+      </p:pic>
     </p:spTree>
     <p:extLst>
       <p:ext uri="{BB962C8B-B14F-4D97-AF65-F5344CB8AC3E}">
@@ -5396,7 +5493,7 @@
           <p:cNvPr id="2" name="Cím 1">
             <a:extLst>
               <a:ext uri="{FF2B5EF4-FFF2-40B4-BE49-F238E27FC236}">
-                <a16:creationId xmlns:a16="http://schemas.microsoft.com/office/drawing/2014/main" id="{74B055A2-1B9B-4328-B661-10FC487B6356}"/>
+                <a16:creationId xmlns:a16="http://schemas.microsoft.com/office/drawing/2014/main" id="{45148F8A-7A93-4D36-9AAA-0281FA708C83}"/>
               </a:ext>
             </a:extLst>
           </p:cNvPr>
@@ -5418,11 +5515,7 @@
                   <a:schemeClr val="accent6"/>
                 </a:solidFill>
               </a:rPr>
-              <a:t>Adatbázis</a:t>
-            </a:r>
-            <a:r>
-              <a:rPr lang="hu-HU" dirty="0"/>
-              <a:t> </a:t>
+              <a:t>Szerepkörök</a:t>
             </a:r>
           </a:p>
         </p:txBody>
@@ -5432,7 +5525,7 @@
           <p:cNvPr id="3" name="Tartalom helye 2">
             <a:extLst>
               <a:ext uri="{FF2B5EF4-FFF2-40B4-BE49-F238E27FC236}">
-                <a16:creationId xmlns:a16="http://schemas.microsoft.com/office/drawing/2014/main" id="{B7291182-4F93-4FDC-9273-120069AB9165}"/>
+                <a16:creationId xmlns:a16="http://schemas.microsoft.com/office/drawing/2014/main" id="{6537E161-05D5-4345-BBAC-55740C91E404}"/>
               </a:ext>
             </a:extLst>
           </p:cNvPr>
@@ -5448,14 +5541,68 @@
           <a:bodyPr/>
           <a:lstStyle/>
           <a:p>
-            <a:endParaRPr lang="hu-HU"/>
+            <a:r>
+              <a:rPr lang="hu-HU" dirty="0"/>
+              <a:t>Webes felület:</a:t>
+            </a:r>
+          </a:p>
+          <a:p>
+            <a:pPr lvl="1"/>
+            <a:r>
+              <a:rPr lang="hu-HU" dirty="0"/>
+              <a:t>Látogató</a:t>
+            </a:r>
+          </a:p>
+          <a:p>
+            <a:pPr lvl="1"/>
+            <a:r>
+              <a:rPr lang="hu-HU" dirty="0"/>
+              <a:t>Regisztrált felhasználó</a:t>
+            </a:r>
+          </a:p>
+          <a:p>
+            <a:r>
+              <a:rPr lang="hu-HU" dirty="0"/>
+              <a:t>Asztali alkalmazás:</a:t>
+            </a:r>
+          </a:p>
+          <a:p>
+            <a:pPr lvl="1"/>
+            <a:r>
+              <a:rPr lang="hu-HU" dirty="0"/>
+              <a:t>Adminisztrátor</a:t>
+            </a:r>
+          </a:p>
+          <a:p>
+            <a:pPr lvl="1"/>
+            <a:endParaRPr lang="hu-HU" dirty="0"/>
+          </a:p>
+          <a:p>
+            <a:pPr lvl="1"/>
+            <a:endParaRPr lang="hu-HU" dirty="0"/>
+          </a:p>
+          <a:p>
+            <a:pPr lvl="1"/>
+            <a:endParaRPr lang="hu-HU" dirty="0"/>
+          </a:p>
+          <a:p>
+            <a:pPr lvl="1"/>
+            <a:endParaRPr lang="hu-HU" dirty="0"/>
+          </a:p>
+          <a:p>
+            <a:pPr lvl="1"/>
+            <a:endParaRPr lang="hu-HU" dirty="0"/>
+          </a:p>
+          <a:p>
+            <a:pPr lvl="1"/>
+            <a:endParaRPr lang="hu-HU" dirty="0"/>
           </a:p>
         </p:txBody>
       </p:sp>
     </p:spTree>
     <p:extLst>
       <p:ext uri="{BB962C8B-B14F-4D97-AF65-F5344CB8AC3E}">
-        <p14:creationId xmlns:p14="http://schemas.microsoft.com/office/powerpoint/2010/main" val="1324199436"/>
+        <p14:creationId xmlns:p14="http://schemas.microsoft.com/office/powerpoint/2010/main" val="3128913938"/>
       </p:ext>
     </p:extLst>
   </p:cSld>
@@ -5487,7 +5634,7 @@
           <p:cNvPr id="2" name="Cím 1">
             <a:extLst>
               <a:ext uri="{FF2B5EF4-FFF2-40B4-BE49-F238E27FC236}">
-                <a16:creationId xmlns:a16="http://schemas.microsoft.com/office/drawing/2014/main" id="{45148F8A-7A93-4D36-9AAA-0281FA708C83}"/>
+                <a16:creationId xmlns:a16="http://schemas.microsoft.com/office/drawing/2014/main" id="{BE8E6C69-C960-4B60-A9A7-EE36B4F3FAD3}"/>
               </a:ext>
             </a:extLst>
           </p:cNvPr>
@@ -5506,10 +5653,10 @@
             <a:r>
               <a:rPr lang="hu-HU" dirty="0">
                 <a:solidFill>
-                  <a:schemeClr val="accent6"/>
+                  <a:srgbClr val="FF0000"/>
                 </a:solidFill>
               </a:rPr>
-              <a:t>Szerepkörök</a:t>
+              <a:t>Weboldal</a:t>
             </a:r>
           </a:p>
         </p:txBody>
@@ -5519,7 +5666,7 @@
           <p:cNvPr id="3" name="Tartalom helye 2">
             <a:extLst>
               <a:ext uri="{FF2B5EF4-FFF2-40B4-BE49-F238E27FC236}">
-                <a16:creationId xmlns:a16="http://schemas.microsoft.com/office/drawing/2014/main" id="{6537E161-05D5-4345-BBAC-55740C91E404}"/>
+                <a16:creationId xmlns:a16="http://schemas.microsoft.com/office/drawing/2014/main" id="{2DCABF1C-7751-4804-ADBD-3839A7984FAC}"/>
               </a:ext>
             </a:extLst>
           </p:cNvPr>
@@ -5530,19 +5677,42 @@
             <p:ph idx="1"/>
           </p:nvPr>
         </p:nvSpPr>
-        <p:spPr/>
-        <p:txBody>
-          <a:bodyPr/>
-          <a:lstStyle/>
-          <a:p>
-            <a:endParaRPr lang="hu-HU"/>
+        <p:spPr>
+          <a:xfrm>
+            <a:off x="838200" y="1825625"/>
+            <a:ext cx="10515600" cy="4351338"/>
+          </a:xfrm>
+        </p:spPr>
+        <p:txBody>
+          <a:bodyPr/>
+          <a:lstStyle/>
+          <a:p>
+            <a:r>
+              <a:rPr lang="hu-HU" dirty="0"/>
+              <a:t>Reszponzív</a:t>
+            </a:r>
+          </a:p>
+          <a:p>
+            <a:r>
+              <a:rPr lang="hu-HU" dirty="0"/>
+              <a:t>Felhasználóbarát</a:t>
+            </a:r>
+          </a:p>
+          <a:p>
+            <a:r>
+              <a:rPr lang="hu-HU" dirty="0"/>
+              <a:t>Megjelenés</a:t>
+            </a:r>
+          </a:p>
+          <a:p>
+            <a:endParaRPr lang="hu-HU" dirty="0"/>
           </a:p>
         </p:txBody>
       </p:sp>
     </p:spTree>
     <p:extLst>
       <p:ext uri="{BB962C8B-B14F-4D97-AF65-F5344CB8AC3E}">
-        <p14:creationId xmlns:p14="http://schemas.microsoft.com/office/powerpoint/2010/main" val="3128913938"/>
+        <p14:creationId xmlns:p14="http://schemas.microsoft.com/office/powerpoint/2010/main" val="3309839220"/>
       </p:ext>
     </p:extLst>
   </p:cSld>
@@ -5574,7 +5744,7 @@
           <p:cNvPr id="2" name="Cím 1">
             <a:extLst>
               <a:ext uri="{FF2B5EF4-FFF2-40B4-BE49-F238E27FC236}">
-                <a16:creationId xmlns:a16="http://schemas.microsoft.com/office/drawing/2014/main" id="{BE8E6C69-C960-4B60-A9A7-EE36B4F3FAD3}"/>
+                <a16:creationId xmlns:a16="http://schemas.microsoft.com/office/drawing/2014/main" id="{3983C9D2-658F-4D1A-9954-52AAE70AD1A4}"/>
               </a:ext>
             </a:extLst>
           </p:cNvPr>
@@ -5593,10 +5763,10 @@
             <a:r>
               <a:rPr lang="hu-HU" dirty="0">
                 <a:solidFill>
-                  <a:srgbClr val="FF0000"/>
+                  <a:schemeClr val="accent6"/>
                 </a:solidFill>
               </a:rPr>
-              <a:t>Weboldal</a:t>
+              <a:t>Kapcsolat az adatbázissal</a:t>
             </a:r>
           </a:p>
         </p:txBody>
@@ -5606,7 +5776,7 @@
           <p:cNvPr id="3" name="Tartalom helye 2">
             <a:extLst>
               <a:ext uri="{FF2B5EF4-FFF2-40B4-BE49-F238E27FC236}">
-                <a16:creationId xmlns:a16="http://schemas.microsoft.com/office/drawing/2014/main" id="{2DCABF1C-7751-4804-ADBD-3839A7984FAC}"/>
+                <a16:creationId xmlns:a16="http://schemas.microsoft.com/office/drawing/2014/main" id="{D9F6C606-19D7-477E-8C31-A6A26400E37A}"/>
               </a:ext>
             </a:extLst>
           </p:cNvPr>
@@ -5617,24 +5787,22 @@
             <p:ph idx="1"/>
           </p:nvPr>
         </p:nvSpPr>
-        <p:spPr>
-          <a:xfrm>
-            <a:off x="838200" y="1825625"/>
-            <a:ext cx="10515600" cy="4351338"/>
-          </a:xfrm>
-        </p:spPr>
-        <p:txBody>
-          <a:bodyPr/>
-          <a:lstStyle/>
-          <a:p>
-            <a:endParaRPr lang="hu-HU"/>
+        <p:spPr/>
+        <p:txBody>
+          <a:bodyPr/>
+          <a:lstStyle/>
+          <a:p>
+            <a:r>
+              <a:rPr lang="hu-HU" dirty="0"/>
+              <a:t>PDO</a:t>
+            </a:r>
           </a:p>
         </p:txBody>
       </p:sp>
     </p:spTree>
     <p:extLst>
       <p:ext uri="{BB962C8B-B14F-4D97-AF65-F5344CB8AC3E}">
-        <p14:creationId xmlns:p14="http://schemas.microsoft.com/office/powerpoint/2010/main" val="3309839220"/>
+        <p14:creationId xmlns:p14="http://schemas.microsoft.com/office/powerpoint/2010/main" val="1285699898"/>
       </p:ext>
     </p:extLst>
   </p:cSld>
@@ -5666,7 +5834,7 @@
           <p:cNvPr id="2" name="Cím 1">
             <a:extLst>
               <a:ext uri="{FF2B5EF4-FFF2-40B4-BE49-F238E27FC236}">
-                <a16:creationId xmlns:a16="http://schemas.microsoft.com/office/drawing/2014/main" id="{3983C9D2-658F-4D1A-9954-52AAE70AD1A4}"/>
+                <a16:creationId xmlns:a16="http://schemas.microsoft.com/office/drawing/2014/main" id="{BAB86878-58CB-4410-B908-01DF665AC896}"/>
               </a:ext>
             </a:extLst>
           </p:cNvPr>
@@ -5685,10 +5853,12 @@
             <a:r>
               <a:rPr lang="hu-HU" dirty="0">
                 <a:solidFill>
-                  <a:schemeClr val="accent6"/>
+                  <a:schemeClr val="accent5">
+                    <a:lumMod val="75000"/>
+                  </a:schemeClr>
                 </a:solidFill>
               </a:rPr>
-              <a:t>Kapcsolat az adatbázissal</a:t>
+              <a:t>Funkciók</a:t>
             </a:r>
           </a:p>
         </p:txBody>
@@ -5698,7 +5868,7 @@
           <p:cNvPr id="3" name="Tartalom helye 2">
             <a:extLst>
               <a:ext uri="{FF2B5EF4-FFF2-40B4-BE49-F238E27FC236}">
-                <a16:creationId xmlns:a16="http://schemas.microsoft.com/office/drawing/2014/main" id="{D9F6C606-19D7-477E-8C31-A6A26400E37A}"/>
+                <a16:creationId xmlns:a16="http://schemas.microsoft.com/office/drawing/2014/main" id="{6F3883F6-52B0-45CF-B9FE-E845168E0845}"/>
               </a:ext>
             </a:extLst>
           </p:cNvPr>
@@ -5714,14 +5884,53 @@
           <a:bodyPr/>
           <a:lstStyle/>
           <a:p>
-            <a:endParaRPr lang="hu-HU"/>
+            <a:r>
+              <a:rPr lang="hu-HU" dirty="0"/>
+              <a:t>Regisztráció</a:t>
+            </a:r>
+          </a:p>
+          <a:p>
+            <a:r>
+              <a:rPr lang="hu-HU" dirty="0"/>
+              <a:t>Bejelentkezés</a:t>
+            </a:r>
+          </a:p>
+          <a:p>
+            <a:r>
+              <a:rPr lang="hu-HU" dirty="0"/>
+              <a:t>Kijelentkezés</a:t>
+            </a:r>
+          </a:p>
+          <a:p>
+            <a:r>
+              <a:rPr lang="hu-HU" dirty="0"/>
+              <a:t>Rendelés</a:t>
+            </a:r>
+          </a:p>
+          <a:p>
+            <a:r>
+              <a:rPr lang="hu-HU" dirty="0"/>
+              <a:t>Keresés/szűrés</a:t>
+            </a:r>
+          </a:p>
+          <a:p>
+            <a:r>
+              <a:rPr lang="hu-HU" dirty="0"/>
+              <a:t>Téma váltás</a:t>
+            </a:r>
+          </a:p>
+          <a:p>
+            <a:endParaRPr lang="hu-HU" dirty="0"/>
+          </a:p>
+          <a:p>
+            <a:endParaRPr lang="hu-HU" dirty="0"/>
           </a:p>
         </p:txBody>
       </p:sp>
     </p:spTree>
     <p:extLst>
       <p:ext uri="{BB962C8B-B14F-4D97-AF65-F5344CB8AC3E}">
-        <p14:creationId xmlns:p14="http://schemas.microsoft.com/office/powerpoint/2010/main" val="1285699898"/>
+        <p14:creationId xmlns:p14="http://schemas.microsoft.com/office/powerpoint/2010/main" val="2384335903"/>
       </p:ext>
     </p:extLst>
   </p:cSld>
@@ -5753,7 +5962,7 @@
           <p:cNvPr id="2" name="Cím 1">
             <a:extLst>
               <a:ext uri="{FF2B5EF4-FFF2-40B4-BE49-F238E27FC236}">
-                <a16:creationId xmlns:a16="http://schemas.microsoft.com/office/drawing/2014/main" id="{BAB86878-58CB-4410-B908-01DF665AC896}"/>
+                <a16:creationId xmlns:a16="http://schemas.microsoft.com/office/drawing/2014/main" id="{F5554E0A-5085-4373-AD47-30CECAC81F10}"/>
               </a:ext>
             </a:extLst>
           </p:cNvPr>
@@ -5772,12 +5981,10 @@
             <a:r>
               <a:rPr lang="hu-HU" dirty="0">
                 <a:solidFill>
-                  <a:schemeClr val="accent5">
-                    <a:lumMod val="75000"/>
-                  </a:schemeClr>
+                  <a:srgbClr val="FF0000"/>
                 </a:solidFill>
               </a:rPr>
-              <a:t>Funkciók</a:t>
+              <a:t>Főoldal</a:t>
             </a:r>
           </a:p>
         </p:txBody>
@@ -5787,7 +5994,7 @@
           <p:cNvPr id="3" name="Tartalom helye 2">
             <a:extLst>
               <a:ext uri="{FF2B5EF4-FFF2-40B4-BE49-F238E27FC236}">
-                <a16:creationId xmlns:a16="http://schemas.microsoft.com/office/drawing/2014/main" id="{6F3883F6-52B0-45CF-B9FE-E845168E0845}"/>
+                <a16:creationId xmlns:a16="http://schemas.microsoft.com/office/drawing/2014/main" id="{36125169-3087-4E8E-8A51-33A46E6CA806}"/>
               </a:ext>
             </a:extLst>
           </p:cNvPr>
@@ -5798,19 +6005,33 @@
             <p:ph idx="1"/>
           </p:nvPr>
         </p:nvSpPr>
-        <p:spPr/>
-        <p:txBody>
-          <a:bodyPr/>
-          <a:lstStyle/>
-          <a:p>
-            <a:endParaRPr lang="hu-HU"/>
+        <p:spPr>
+          <a:xfrm>
+            <a:off x="838200" y="1690688"/>
+            <a:ext cx="10515600" cy="4486275"/>
+          </a:xfrm>
+        </p:spPr>
+        <p:txBody>
+          <a:bodyPr/>
+          <a:lstStyle/>
+          <a:p>
+            <a:r>
+              <a:rPr lang="hu-HU" dirty="0"/>
+              <a:t>Az index oldal</a:t>
+            </a:r>
+          </a:p>
+          <a:p>
+            <a:r>
+              <a:rPr lang="hu-HU" dirty="0"/>
+              <a:t>Termékek megtekintése, navigálás, téma váltás</a:t>
+            </a:r>
           </a:p>
         </p:txBody>
       </p:sp>
     </p:spTree>
     <p:extLst>
       <p:ext uri="{BB962C8B-B14F-4D97-AF65-F5344CB8AC3E}">
-        <p14:creationId xmlns:p14="http://schemas.microsoft.com/office/powerpoint/2010/main" val="2384335903"/>
+        <p14:creationId xmlns:p14="http://schemas.microsoft.com/office/powerpoint/2010/main" val="838556441"/>
       </p:ext>
     </p:extLst>
   </p:cSld>

--- a/Mellékletek/Prezentáció/Frissfutár_prezentáció.pptx
+++ b/Mellékletek/Prezentáció/Frissfutár_prezentáció.pptx
@@ -29,8 +29,7 @@
     <p:sldId id="279" r:id="rId23"/>
     <p:sldId id="280" r:id="rId24"/>
     <p:sldId id="281" r:id="rId25"/>
-    <p:sldId id="282" r:id="rId26"/>
-    <p:sldId id="283" r:id="rId27"/>
+    <p:sldId id="283" r:id="rId26"/>
   </p:sldIdLst>
   <p:sldSz cx="12192000" cy="6858000"/>
   <p:notesSz cx="6858000" cy="9144000"/>
@@ -284,7 +283,7 @@
           <a:p>
             <a:fld id="{FA21BFB3-E53D-4907-A4AC-FC6C3F82650A}" type="datetimeFigureOut">
               <a:rPr lang="hu-HU" smtClean="0"/>
-              <a:t>2024.04.30.</a:t>
+              <a:t>2024. 05. 07.</a:t>
             </a:fld>
             <a:endParaRPr lang="hu-HU"/>
           </a:p>
@@ -482,7 +481,7 @@
           <a:p>
             <a:fld id="{FA21BFB3-E53D-4907-A4AC-FC6C3F82650A}" type="datetimeFigureOut">
               <a:rPr lang="hu-HU" smtClean="0"/>
-              <a:t>2024.04.30.</a:t>
+              <a:t>2024. 05. 07.</a:t>
             </a:fld>
             <a:endParaRPr lang="hu-HU"/>
           </a:p>
@@ -690,7 +689,7 @@
           <a:p>
             <a:fld id="{FA21BFB3-E53D-4907-A4AC-FC6C3F82650A}" type="datetimeFigureOut">
               <a:rPr lang="hu-HU" smtClean="0"/>
-              <a:t>2024.04.30.</a:t>
+              <a:t>2024. 05. 07.</a:t>
             </a:fld>
             <a:endParaRPr lang="hu-HU"/>
           </a:p>
@@ -888,7 +887,7 @@
           <a:p>
             <a:fld id="{FA21BFB3-E53D-4907-A4AC-FC6C3F82650A}" type="datetimeFigureOut">
               <a:rPr lang="hu-HU" smtClean="0"/>
-              <a:t>2024.04.30.</a:t>
+              <a:t>2024. 05. 07.</a:t>
             </a:fld>
             <a:endParaRPr lang="hu-HU"/>
           </a:p>
@@ -1163,7 +1162,7 @@
           <a:p>
             <a:fld id="{FA21BFB3-E53D-4907-A4AC-FC6C3F82650A}" type="datetimeFigureOut">
               <a:rPr lang="hu-HU" smtClean="0"/>
-              <a:t>2024.04.30.</a:t>
+              <a:t>2024. 05. 07.</a:t>
             </a:fld>
             <a:endParaRPr lang="hu-HU"/>
           </a:p>
@@ -1428,7 +1427,7 @@
           <a:p>
             <a:fld id="{FA21BFB3-E53D-4907-A4AC-FC6C3F82650A}" type="datetimeFigureOut">
               <a:rPr lang="hu-HU" smtClean="0"/>
-              <a:t>2024.04.30.</a:t>
+              <a:t>2024. 05. 07.</a:t>
             </a:fld>
             <a:endParaRPr lang="hu-HU"/>
           </a:p>
@@ -1840,7 +1839,7 @@
           <a:p>
             <a:fld id="{FA21BFB3-E53D-4907-A4AC-FC6C3F82650A}" type="datetimeFigureOut">
               <a:rPr lang="hu-HU" smtClean="0"/>
-              <a:t>2024.04.30.</a:t>
+              <a:t>2024. 05. 07.</a:t>
             </a:fld>
             <a:endParaRPr lang="hu-HU"/>
           </a:p>
@@ -1981,7 +1980,7 @@
           <a:p>
             <a:fld id="{FA21BFB3-E53D-4907-A4AC-FC6C3F82650A}" type="datetimeFigureOut">
               <a:rPr lang="hu-HU" smtClean="0"/>
-              <a:t>2024.04.30.</a:t>
+              <a:t>2024. 05. 07.</a:t>
             </a:fld>
             <a:endParaRPr lang="hu-HU"/>
           </a:p>
@@ -2094,7 +2093,7 @@
           <a:p>
             <a:fld id="{FA21BFB3-E53D-4907-A4AC-FC6C3F82650A}" type="datetimeFigureOut">
               <a:rPr lang="hu-HU" smtClean="0"/>
-              <a:t>2024.04.30.</a:t>
+              <a:t>2024. 05. 07.</a:t>
             </a:fld>
             <a:endParaRPr lang="hu-HU"/>
           </a:p>
@@ -2405,7 +2404,7 @@
           <a:p>
             <a:fld id="{FA21BFB3-E53D-4907-A4AC-FC6C3F82650A}" type="datetimeFigureOut">
               <a:rPr lang="hu-HU" smtClean="0"/>
-              <a:t>2024.04.30.</a:t>
+              <a:t>2024. 05. 07.</a:t>
             </a:fld>
             <a:endParaRPr lang="hu-HU"/>
           </a:p>
@@ -2693,7 +2692,7 @@
           <a:p>
             <a:fld id="{FA21BFB3-E53D-4907-A4AC-FC6C3F82650A}" type="datetimeFigureOut">
               <a:rPr lang="hu-HU" smtClean="0"/>
-              <a:t>2024.04.30.</a:t>
+              <a:t>2024. 05. 07.</a:t>
             </a:fld>
             <a:endParaRPr lang="hu-HU"/>
           </a:p>
@@ -2934,7 +2933,7 @@
           <a:p>
             <a:fld id="{FA21BFB3-E53D-4907-A4AC-FC6C3F82650A}" type="datetimeFigureOut">
               <a:rPr lang="hu-HU" smtClean="0"/>
-              <a:t>2024.04.30.</a:t>
+              <a:t>2024. 05. 07.</a:t>
             </a:fld>
             <a:endParaRPr lang="hu-HU"/>
           </a:p>
@@ -3547,6 +3546,36 @@
           </a:p>
         </p:txBody>
       </p:sp>
+      <p:pic>
+        <p:nvPicPr>
+          <p:cNvPr id="5" name="Kép 4">
+            <a:extLst>
+              <a:ext uri="{FF2B5EF4-FFF2-40B4-BE49-F238E27FC236}">
+                <a16:creationId xmlns:a16="http://schemas.microsoft.com/office/drawing/2014/main" id="{F2EAA3AA-A880-4DDF-B504-41BE925C99C8}"/>
+              </a:ext>
+            </a:extLst>
+          </p:cNvPr>
+          <p:cNvPicPr>
+            <a:picLocks noChangeAspect="1"/>
+          </p:cNvPicPr>
+          <p:nvPr/>
+        </p:nvPicPr>
+        <p:blipFill>
+          <a:blip r:embed="rId2"/>
+          <a:stretch>
+            <a:fillRect/>
+          </a:stretch>
+        </p:blipFill>
+        <p:spPr>
+          <a:xfrm>
+            <a:off x="7776896" y="1418874"/>
+            <a:ext cx="3820058" cy="5029902"/>
+          </a:xfrm>
+          <a:prstGeom prst="rect">
+            <a:avLst/>
+          </a:prstGeom>
+        </p:spPr>
+      </p:pic>
     </p:spTree>
     <p:extLst>
       <p:ext uri="{BB962C8B-B14F-4D97-AF65-F5344CB8AC3E}">
@@ -3643,6 +3672,65 @@
           </a:p>
         </p:txBody>
       </p:sp>
+      <p:pic>
+        <p:nvPicPr>
+          <p:cNvPr id="4" name="Kép 3">
+            <a:extLst>
+              <a:ext uri="{FF2B5EF4-FFF2-40B4-BE49-F238E27FC236}">
+                <a16:creationId xmlns:a16="http://schemas.microsoft.com/office/drawing/2014/main" id="{659261E6-45F9-4F9A-9717-B218B8F97F27}"/>
+              </a:ext>
+            </a:extLst>
+          </p:cNvPr>
+          <p:cNvPicPr>
+            <a:picLocks noChangeAspect="1"/>
+          </p:cNvPicPr>
+          <p:nvPr/>
+        </p:nvPicPr>
+        <p:blipFill rotWithShape="1">
+          <a:blip r:embed="rId2"/>
+          <a:srcRect l="2714" t="165" r="-219" b="165"/>
+          <a:stretch/>
+        </p:blipFill>
+        <p:spPr>
+          <a:xfrm>
+            <a:off x="8019874" y="1027906"/>
+            <a:ext cx="3736033" cy="5047467"/>
+          </a:xfrm>
+          <a:prstGeom prst="rect">
+            <a:avLst/>
+          </a:prstGeom>
+        </p:spPr>
+      </p:pic>
+      <p:pic>
+        <p:nvPicPr>
+          <p:cNvPr id="5" name="Kép 4">
+            <a:extLst>
+              <a:ext uri="{FF2B5EF4-FFF2-40B4-BE49-F238E27FC236}">
+                <a16:creationId xmlns:a16="http://schemas.microsoft.com/office/drawing/2014/main" id="{CB7BFCC7-23E3-4B0A-BCF4-857C4BA4558E}"/>
+              </a:ext>
+            </a:extLst>
+          </p:cNvPr>
+          <p:cNvPicPr>
+            <a:picLocks noChangeAspect="1"/>
+          </p:cNvPicPr>
+          <p:nvPr/>
+        </p:nvPicPr>
+        <p:blipFill>
+          <a:blip r:embed="rId3"/>
+          <a:stretch>
+            <a:fillRect/>
+          </a:stretch>
+        </p:blipFill>
+        <p:spPr>
+          <a:xfrm>
+            <a:off x="838200" y="3137926"/>
+            <a:ext cx="6740304" cy="2937447"/>
+          </a:xfrm>
+          <a:prstGeom prst="rect">
+            <a:avLst/>
+          </a:prstGeom>
+        </p:spPr>
+      </p:pic>
     </p:spTree>
     <p:extLst>
       <p:ext uri="{BB962C8B-B14F-4D97-AF65-F5344CB8AC3E}">
@@ -3744,6 +3832,66 @@
           </a:p>
         </p:txBody>
       </p:sp>
+      <p:pic>
+        <p:nvPicPr>
+          <p:cNvPr id="4" name="Kép 3">
+            <a:extLst>
+              <a:ext uri="{FF2B5EF4-FFF2-40B4-BE49-F238E27FC236}">
+                <a16:creationId xmlns:a16="http://schemas.microsoft.com/office/drawing/2014/main" id="{E4A7DAF2-6048-4AF3-941D-038389D68857}"/>
+              </a:ext>
+            </a:extLst>
+          </p:cNvPr>
+          <p:cNvPicPr>
+            <a:picLocks noChangeAspect="1"/>
+          </p:cNvPicPr>
+          <p:nvPr/>
+        </p:nvPicPr>
+        <p:blipFill>
+          <a:blip r:embed="rId2"/>
+          <a:stretch>
+            <a:fillRect/>
+          </a:stretch>
+        </p:blipFill>
+        <p:spPr>
+          <a:xfrm>
+            <a:off x="8239735" y="1610686"/>
+            <a:ext cx="3517897" cy="4763636"/>
+          </a:xfrm>
+          <a:prstGeom prst="rect">
+            <a:avLst/>
+          </a:prstGeom>
+        </p:spPr>
+      </p:pic>
+      <p:pic>
+        <p:nvPicPr>
+          <p:cNvPr id="5" name="Kép 4">
+            <a:extLst>
+              <a:ext uri="{FF2B5EF4-FFF2-40B4-BE49-F238E27FC236}">
+                <a16:creationId xmlns:a16="http://schemas.microsoft.com/office/drawing/2014/main" id="{C4F2E0FC-BF36-4B11-BE94-883E8F548172}"/>
+              </a:ext>
+            </a:extLst>
+          </p:cNvPr>
+          <p:cNvPicPr>
+            <a:picLocks noChangeAspect="1"/>
+          </p:cNvPicPr>
+          <p:nvPr/>
+        </p:nvPicPr>
+        <p:blipFill>
+          <a:blip r:embed="rId3"/>
+          <a:stretch>
+            <a:fillRect/>
+          </a:stretch>
+        </p:blipFill>
+        <p:spPr>
+          <a:xfrm>
+            <a:off x="838200" y="2898634"/>
+            <a:ext cx="6206102" cy="3475688"/>
+          </a:xfrm>
+          <a:prstGeom prst="rect">
+            <a:avLst/>
+          </a:prstGeom>
+        </p:spPr>
+      </p:pic>
     </p:spTree>
     <p:extLst>
       <p:ext uri="{BB962C8B-B14F-4D97-AF65-F5344CB8AC3E}">
@@ -3845,6 +3993,108 @@
           </a:p>
         </p:txBody>
       </p:sp>
+      <p:pic>
+        <p:nvPicPr>
+          <p:cNvPr id="4" name="Kép 3">
+            <a:extLst>
+              <a:ext uri="{FF2B5EF4-FFF2-40B4-BE49-F238E27FC236}">
+                <a16:creationId xmlns:a16="http://schemas.microsoft.com/office/drawing/2014/main" id="{57E3C2D4-5836-45B5-9A9C-9B249084273D}"/>
+              </a:ext>
+            </a:extLst>
+          </p:cNvPr>
+          <p:cNvPicPr>
+            <a:picLocks noChangeAspect="1"/>
+          </p:cNvPicPr>
+          <p:nvPr/>
+        </p:nvPicPr>
+        <p:blipFill rotWithShape="1">
+          <a:blip r:embed="rId2"/>
+          <a:srcRect l="5690" t="3052" r="5708" b="4702"/>
+          <a:stretch/>
+        </p:blipFill>
+        <p:spPr>
+          <a:xfrm>
+            <a:off x="1040235" y="2692867"/>
+            <a:ext cx="3145871" cy="3733100"/>
+          </a:xfrm>
+          <a:prstGeom prst="rect">
+            <a:avLst/>
+          </a:prstGeom>
+        </p:spPr>
+      </p:pic>
+      <p:pic>
+        <p:nvPicPr>
+          <p:cNvPr id="9" name="Kép 8">
+            <a:extLst>
+              <a:ext uri="{FF2B5EF4-FFF2-40B4-BE49-F238E27FC236}">
+                <a16:creationId xmlns:a16="http://schemas.microsoft.com/office/drawing/2014/main" id="{AC018EC3-342A-4E69-8EEB-5CFEFC32F6E2}"/>
+              </a:ext>
+            </a:extLst>
+          </p:cNvPr>
+          <p:cNvPicPr>
+            <a:picLocks noChangeAspect="1"/>
+          </p:cNvPicPr>
+          <p:nvPr/>
+        </p:nvPicPr>
+        <p:blipFill rotWithShape="1">
+          <a:blip r:embed="rId3"/>
+          <a:srcRect l="5347" t="4711" r="4954" b="4702"/>
+          <a:stretch/>
+        </p:blipFill>
+        <p:spPr>
+          <a:xfrm>
+            <a:off x="7340367" y="2760007"/>
+            <a:ext cx="4013433" cy="3665959"/>
+          </a:xfrm>
+          <a:prstGeom prst="rect">
+            <a:avLst/>
+          </a:prstGeom>
+        </p:spPr>
+      </p:pic>
+      <p:cxnSp>
+        <p:nvCxnSpPr>
+          <p:cNvPr id="10" name="Egyenes összekötő nyíllal 9">
+            <a:extLst>
+              <a:ext uri="{FF2B5EF4-FFF2-40B4-BE49-F238E27FC236}">
+                <a16:creationId xmlns:a16="http://schemas.microsoft.com/office/drawing/2014/main" id="{10E7B84F-E8AB-42A4-AFA9-AC8CBA5369F6}"/>
+              </a:ext>
+            </a:extLst>
+          </p:cNvPr>
+          <p:cNvCxnSpPr>
+            <a:cxnSpLocks/>
+          </p:cNvCxnSpPr>
+          <p:nvPr/>
+        </p:nvCxnSpPr>
+        <p:spPr>
+          <a:xfrm>
+            <a:off x="4603311" y="4534543"/>
+            <a:ext cx="2292789" cy="0"/>
+          </a:xfrm>
+          <a:prstGeom prst="straightConnector1">
+            <a:avLst/>
+          </a:prstGeom>
+          <a:ln w="63500">
+            <a:solidFill>
+              <a:schemeClr val="accent1"/>
+            </a:solidFill>
+            <a:tailEnd type="triangle"/>
+          </a:ln>
+        </p:spPr>
+        <p:style>
+          <a:lnRef idx="1">
+            <a:schemeClr val="accent1"/>
+          </a:lnRef>
+          <a:fillRef idx="0">
+            <a:schemeClr val="accent1"/>
+          </a:fillRef>
+          <a:effectRef idx="0">
+            <a:schemeClr val="accent1"/>
+          </a:effectRef>
+          <a:fontRef idx="minor">
+            <a:schemeClr val="tx1"/>
+          </a:fontRef>
+        </p:style>
+      </p:cxnSp>
     </p:spTree>
     <p:extLst>
       <p:ext uri="{BB962C8B-B14F-4D97-AF65-F5344CB8AC3E}">
@@ -4042,6 +4292,149 @@
           </a:p>
         </p:txBody>
       </p:sp>
+      <p:pic>
+        <p:nvPicPr>
+          <p:cNvPr id="4" name="Kép 3">
+            <a:extLst>
+              <a:ext uri="{FF2B5EF4-FFF2-40B4-BE49-F238E27FC236}">
+                <a16:creationId xmlns:a16="http://schemas.microsoft.com/office/drawing/2014/main" id="{5970B8F5-54B8-4D08-A7A3-A36EF05F2AC7}"/>
+              </a:ext>
+            </a:extLst>
+          </p:cNvPr>
+          <p:cNvPicPr>
+            <a:picLocks noChangeAspect="1"/>
+          </p:cNvPicPr>
+          <p:nvPr/>
+        </p:nvPicPr>
+        <p:blipFill>
+          <a:blip r:embed="rId2"/>
+          <a:stretch>
+            <a:fillRect/>
+          </a:stretch>
+        </p:blipFill>
+        <p:spPr>
+          <a:xfrm>
+            <a:off x="2029437" y="3092105"/>
+            <a:ext cx="1763637" cy="3400769"/>
+          </a:xfrm>
+          <a:prstGeom prst="rect">
+            <a:avLst/>
+          </a:prstGeom>
+        </p:spPr>
+      </p:pic>
+      <p:cxnSp>
+        <p:nvCxnSpPr>
+          <p:cNvPr id="9" name="Egyenes összekötő nyíllal 8">
+            <a:extLst>
+              <a:ext uri="{FF2B5EF4-FFF2-40B4-BE49-F238E27FC236}">
+                <a16:creationId xmlns:a16="http://schemas.microsoft.com/office/drawing/2014/main" id="{675FCBBE-C77A-4DA0-A776-78D928E35A09}"/>
+              </a:ext>
+            </a:extLst>
+          </p:cNvPr>
+          <p:cNvCxnSpPr/>
+          <p:nvPr/>
+        </p:nvCxnSpPr>
+        <p:spPr>
+          <a:xfrm>
+            <a:off x="1442906" y="5150840"/>
+            <a:ext cx="729843" cy="805343"/>
+          </a:xfrm>
+          <a:prstGeom prst="straightConnector1">
+            <a:avLst/>
+          </a:prstGeom>
+          <a:ln w="63500">
+            <a:tailEnd type="triangle"/>
+          </a:ln>
+        </p:spPr>
+        <p:style>
+          <a:lnRef idx="1">
+            <a:schemeClr val="accent1"/>
+          </a:lnRef>
+          <a:fillRef idx="0">
+            <a:schemeClr val="accent1"/>
+          </a:fillRef>
+          <a:effectRef idx="0">
+            <a:schemeClr val="accent1"/>
+          </a:effectRef>
+          <a:fontRef idx="minor">
+            <a:schemeClr val="tx1"/>
+          </a:fontRef>
+        </p:style>
+      </p:cxnSp>
+      <p:cxnSp>
+        <p:nvCxnSpPr>
+          <p:cNvPr id="10" name="Egyenes összekötő nyíllal 9">
+            <a:extLst>
+              <a:ext uri="{FF2B5EF4-FFF2-40B4-BE49-F238E27FC236}">
+                <a16:creationId xmlns:a16="http://schemas.microsoft.com/office/drawing/2014/main" id="{9E88D6B4-669B-45DC-92A0-42CAB566FF62}"/>
+              </a:ext>
+            </a:extLst>
+          </p:cNvPr>
+          <p:cNvCxnSpPr>
+            <a:cxnSpLocks/>
+          </p:cNvCxnSpPr>
+          <p:nvPr/>
+        </p:nvCxnSpPr>
+        <p:spPr>
+          <a:xfrm>
+            <a:off x="4279461" y="4772668"/>
+            <a:ext cx="1130739" cy="0"/>
+          </a:xfrm>
+          <a:prstGeom prst="straightConnector1">
+            <a:avLst/>
+          </a:prstGeom>
+          <a:ln w="63500">
+            <a:solidFill>
+              <a:schemeClr val="accent1"/>
+            </a:solidFill>
+            <a:tailEnd type="triangle"/>
+          </a:ln>
+        </p:spPr>
+        <p:style>
+          <a:lnRef idx="1">
+            <a:schemeClr val="accent1"/>
+          </a:lnRef>
+          <a:fillRef idx="0">
+            <a:schemeClr val="accent1"/>
+          </a:fillRef>
+          <a:effectRef idx="0">
+            <a:schemeClr val="accent1"/>
+          </a:effectRef>
+          <a:fontRef idx="minor">
+            <a:schemeClr val="tx1"/>
+          </a:fontRef>
+        </p:style>
+      </p:cxnSp>
+      <p:pic>
+        <p:nvPicPr>
+          <p:cNvPr id="12" name="Kép 11">
+            <a:extLst>
+              <a:ext uri="{FF2B5EF4-FFF2-40B4-BE49-F238E27FC236}">
+                <a16:creationId xmlns:a16="http://schemas.microsoft.com/office/drawing/2014/main" id="{B6FFD1AB-A23D-4902-A7EB-7DEB3D9B9643}"/>
+              </a:ext>
+            </a:extLst>
+          </p:cNvPr>
+          <p:cNvPicPr>
+            <a:picLocks noChangeAspect="1"/>
+          </p:cNvPicPr>
+          <p:nvPr/>
+        </p:nvPicPr>
+        <p:blipFill>
+          <a:blip r:embed="rId3"/>
+          <a:stretch>
+            <a:fillRect/>
+          </a:stretch>
+        </p:blipFill>
+        <p:spPr>
+          <a:xfrm>
+            <a:off x="5688909" y="3357216"/>
+            <a:ext cx="6139599" cy="2870546"/>
+          </a:xfrm>
+          <a:prstGeom prst="rect">
+            <a:avLst/>
+          </a:prstGeom>
+        </p:spPr>
+      </p:pic>
     </p:spTree>
     <p:extLst>
       <p:ext uri="{BB962C8B-B14F-4D97-AF65-F5344CB8AC3E}">
@@ -4251,6 +4644,35 @@
           </a:p>
         </p:txBody>
       </p:sp>
+      <p:pic>
+        <p:nvPicPr>
+          <p:cNvPr id="4" name="Kép 3">
+            <a:extLst>
+              <a:ext uri="{FF2B5EF4-FFF2-40B4-BE49-F238E27FC236}">
+                <a16:creationId xmlns:a16="http://schemas.microsoft.com/office/drawing/2014/main" id="{00A1E06F-877B-4CD5-9AC7-7AD0C7BB0EDB}"/>
+              </a:ext>
+            </a:extLst>
+          </p:cNvPr>
+          <p:cNvPicPr>
+            <a:picLocks noChangeAspect="1"/>
+          </p:cNvPicPr>
+          <p:nvPr/>
+        </p:nvPicPr>
+        <p:blipFill rotWithShape="1">
+          <a:blip r:embed="rId2"/>
+          <a:srcRect r="896"/>
+          <a:stretch/>
+        </p:blipFill>
+        <p:spPr>
+          <a:xfrm>
+            <a:off x="3443100" y="3429000"/>
+            <a:ext cx="5305799" cy="3057952"/>
+          </a:xfrm>
+          <a:prstGeom prst="rect">
+            <a:avLst/>
+          </a:prstGeom>
+        </p:spPr>
+      </p:pic>
     </p:spTree>
     <p:extLst>
       <p:ext uri="{BB962C8B-B14F-4D97-AF65-F5344CB8AC3E}">
@@ -4336,7 +4758,7 @@
           <a:p>
             <a:r>
               <a:rPr lang="hu-HU" dirty="0"/>
-              <a:t>a kapcsolódás „connect.ini” fájlban tárolt adatok segítségével, ez egyszerűbbé teszi a jövőben esedékes változtatások beállítását.</a:t>
+              <a:t>kapcsolódás „connect.ini” fájlban tárolt adatok segítségével, ez egyszerűbbé teszi a jövőben esedékes változtatások beállítását.</a:t>
             </a:r>
           </a:p>
           <a:p>
@@ -4350,6 +4772,35 @@
           </a:p>
         </p:txBody>
       </p:sp>
+      <p:pic>
+        <p:nvPicPr>
+          <p:cNvPr id="4" name="Kép 3">
+            <a:extLst>
+              <a:ext uri="{FF2B5EF4-FFF2-40B4-BE49-F238E27FC236}">
+                <a16:creationId xmlns:a16="http://schemas.microsoft.com/office/drawing/2014/main" id="{EFE52F38-8EF5-4874-93F2-A0D45A354AC2}"/>
+              </a:ext>
+            </a:extLst>
+          </p:cNvPr>
+          <p:cNvPicPr>
+            <a:picLocks noChangeAspect="1"/>
+          </p:cNvPicPr>
+          <p:nvPr/>
+        </p:nvPicPr>
+        <p:blipFill rotWithShape="1">
+          <a:blip r:embed="rId2"/>
+          <a:srcRect b="50102"/>
+          <a:stretch/>
+        </p:blipFill>
+        <p:spPr>
+          <a:xfrm>
+            <a:off x="4028236" y="2934946"/>
+            <a:ext cx="4135528" cy="3027704"/>
+          </a:xfrm>
+          <a:prstGeom prst="rect">
+            <a:avLst/>
+          </a:prstGeom>
+        </p:spPr>
+      </p:pic>
     </p:spTree>
     <p:extLst>
       <p:ext uri="{BB962C8B-B14F-4D97-AF65-F5344CB8AC3E}">
@@ -4745,6 +5196,36 @@
           </a:p>
         </p:txBody>
       </p:sp>
+      <p:pic>
+        <p:nvPicPr>
+          <p:cNvPr id="4" name="Kép 3">
+            <a:extLst>
+              <a:ext uri="{FF2B5EF4-FFF2-40B4-BE49-F238E27FC236}">
+                <a16:creationId xmlns:a16="http://schemas.microsoft.com/office/drawing/2014/main" id="{E75BCCAB-582C-4111-930C-9032423475EB}"/>
+              </a:ext>
+            </a:extLst>
+          </p:cNvPr>
+          <p:cNvPicPr>
+            <a:picLocks noChangeAspect="1"/>
+          </p:cNvPicPr>
+          <p:nvPr/>
+        </p:nvPicPr>
+        <p:blipFill>
+          <a:blip r:embed="rId2"/>
+          <a:stretch>
+            <a:fillRect/>
+          </a:stretch>
+        </p:blipFill>
+        <p:spPr>
+          <a:xfrm>
+            <a:off x="838200" y="3709854"/>
+            <a:ext cx="8630178" cy="2157545"/>
+          </a:xfrm>
+          <a:prstGeom prst="rect">
+            <a:avLst/>
+          </a:prstGeom>
+        </p:spPr>
+      </p:pic>
     </p:spTree>
     <p:extLst>
       <p:ext uri="{BB962C8B-B14F-4D97-AF65-F5344CB8AC3E}">
@@ -4823,7 +5304,12 @@
             <p:ph idx="1"/>
           </p:nvPr>
         </p:nvSpPr>
-        <p:spPr/>
+        <p:spPr>
+          <a:xfrm>
+            <a:off x="942975" y="1816100"/>
+            <a:ext cx="10515600" cy="4351338"/>
+          </a:xfrm>
+        </p:spPr>
         <p:txBody>
           <a:bodyPr/>
           <a:lstStyle/>
@@ -4847,6 +5333,66 @@
           </a:p>
         </p:txBody>
       </p:sp>
+      <p:pic>
+        <p:nvPicPr>
+          <p:cNvPr id="9" name="Kép 8">
+            <a:extLst>
+              <a:ext uri="{FF2B5EF4-FFF2-40B4-BE49-F238E27FC236}">
+                <a16:creationId xmlns:a16="http://schemas.microsoft.com/office/drawing/2014/main" id="{D19E2044-26AC-4ACA-8077-4D005F3222E8}"/>
+              </a:ext>
+            </a:extLst>
+          </p:cNvPr>
+          <p:cNvPicPr>
+            <a:picLocks noChangeAspect="1"/>
+          </p:cNvPicPr>
+          <p:nvPr/>
+        </p:nvPicPr>
+        <p:blipFill>
+          <a:blip r:embed="rId2"/>
+          <a:stretch>
+            <a:fillRect/>
+          </a:stretch>
+        </p:blipFill>
+        <p:spPr>
+          <a:xfrm>
+            <a:off x="942975" y="3336520"/>
+            <a:ext cx="4386690" cy="3336067"/>
+          </a:xfrm>
+          <a:prstGeom prst="rect">
+            <a:avLst/>
+          </a:prstGeom>
+        </p:spPr>
+      </p:pic>
+      <p:pic>
+        <p:nvPicPr>
+          <p:cNvPr id="10" name="Kép 9">
+            <a:extLst>
+              <a:ext uri="{FF2B5EF4-FFF2-40B4-BE49-F238E27FC236}">
+                <a16:creationId xmlns:a16="http://schemas.microsoft.com/office/drawing/2014/main" id="{8B7E095D-DD06-4BFE-AE1E-9F59F1EEB1C7}"/>
+              </a:ext>
+            </a:extLst>
+          </p:cNvPr>
+          <p:cNvPicPr>
+            <a:picLocks noChangeAspect="1"/>
+          </p:cNvPicPr>
+          <p:nvPr/>
+        </p:nvPicPr>
+        <p:blipFill>
+          <a:blip r:embed="rId3"/>
+          <a:stretch>
+            <a:fillRect/>
+          </a:stretch>
+        </p:blipFill>
+        <p:spPr>
+          <a:xfrm>
+            <a:off x="5814586" y="3804908"/>
+            <a:ext cx="6106377" cy="2362530"/>
+          </a:xfrm>
+          <a:prstGeom prst="rect">
+            <a:avLst/>
+          </a:prstGeom>
+        </p:spPr>
+      </p:pic>
     </p:spTree>
     <p:extLst>
       <p:ext uri="{BB962C8B-B14F-4D97-AF65-F5344CB8AC3E}">
@@ -4945,6 +5491,36 @@
           </a:p>
         </p:txBody>
       </p:sp>
+      <p:pic>
+        <p:nvPicPr>
+          <p:cNvPr id="4" name="Kép 3">
+            <a:extLst>
+              <a:ext uri="{FF2B5EF4-FFF2-40B4-BE49-F238E27FC236}">
+                <a16:creationId xmlns:a16="http://schemas.microsoft.com/office/drawing/2014/main" id="{CC94455E-A5DD-4367-8EB4-5550FD6AD9A2}"/>
+              </a:ext>
+            </a:extLst>
+          </p:cNvPr>
+          <p:cNvPicPr>
+            <a:picLocks noChangeAspect="1"/>
+          </p:cNvPicPr>
+          <p:nvPr/>
+        </p:nvPicPr>
+        <p:blipFill>
+          <a:blip r:embed="rId2"/>
+          <a:stretch>
+            <a:fillRect/>
+          </a:stretch>
+        </p:blipFill>
+        <p:spPr>
+          <a:xfrm>
+            <a:off x="3758964" y="2368550"/>
+            <a:ext cx="4137672" cy="4124325"/>
+          </a:xfrm>
+          <a:prstGeom prst="rect">
+            <a:avLst/>
+          </a:prstGeom>
+        </p:spPr>
+      </p:pic>
     </p:spTree>
     <p:extLst>
       <p:ext uri="{BB962C8B-B14F-4D97-AF65-F5344CB8AC3E}">
@@ -5096,89 +5672,6 @@
 </file>
 
 <file path=ppt/slides/slide25.xml><?xml version="1.0" encoding="utf-8"?>
-<p:sld xmlns:a="http://schemas.openxmlformats.org/drawingml/2006/main" xmlns:r="http://schemas.openxmlformats.org/officeDocument/2006/relationships" xmlns:p="http://schemas.openxmlformats.org/presentationml/2006/main">
-  <p:cSld>
-    <p:spTree>
-      <p:nvGrpSpPr>
-        <p:cNvPr id="1" name=""/>
-        <p:cNvGrpSpPr/>
-        <p:nvPr/>
-      </p:nvGrpSpPr>
-      <p:grpSpPr>
-        <a:xfrm>
-          <a:off x="0" y="0"/>
-          <a:ext cx="0" cy="0"/>
-          <a:chOff x="0" y="0"/>
-          <a:chExt cx="0" cy="0"/>
-        </a:xfrm>
-      </p:grpSpPr>
-      <p:sp>
-        <p:nvSpPr>
-          <p:cNvPr id="2" name="Cím 1">
-            <a:extLst>
-              <a:ext uri="{FF2B5EF4-FFF2-40B4-BE49-F238E27FC236}">
-                <a16:creationId xmlns:a16="http://schemas.microsoft.com/office/drawing/2014/main" id="{9C189CB2-CF16-4F29-B00C-D432F59AD558}"/>
-              </a:ext>
-            </a:extLst>
-          </p:cNvPr>
-          <p:cNvSpPr>
-            <a:spLocks noGrp="1"/>
-          </p:cNvSpPr>
-          <p:nvPr>
-            <p:ph type="title"/>
-          </p:nvPr>
-        </p:nvSpPr>
-        <p:spPr/>
-        <p:txBody>
-          <a:bodyPr/>
-          <a:lstStyle/>
-          <a:p>
-            <a:r>
-              <a:rPr lang="hu-HU" dirty="0"/>
-              <a:t>Összegzés</a:t>
-            </a:r>
-          </a:p>
-        </p:txBody>
-      </p:sp>
-      <p:sp>
-        <p:nvSpPr>
-          <p:cNvPr id="3" name="Tartalom helye 2">
-            <a:extLst>
-              <a:ext uri="{FF2B5EF4-FFF2-40B4-BE49-F238E27FC236}">
-                <a16:creationId xmlns:a16="http://schemas.microsoft.com/office/drawing/2014/main" id="{EA9049CE-6D51-4FB2-B4C5-26DEC3BB9B7B}"/>
-              </a:ext>
-            </a:extLst>
-          </p:cNvPr>
-          <p:cNvSpPr>
-            <a:spLocks noGrp="1"/>
-          </p:cNvSpPr>
-          <p:nvPr>
-            <p:ph idx="1"/>
-          </p:nvPr>
-        </p:nvSpPr>
-        <p:spPr/>
-        <p:txBody>
-          <a:bodyPr/>
-          <a:lstStyle/>
-          <a:p>
-            <a:endParaRPr lang="hu-HU"/>
-          </a:p>
-        </p:txBody>
-      </p:sp>
-    </p:spTree>
-    <p:extLst>
-      <p:ext uri="{BB962C8B-B14F-4D97-AF65-F5344CB8AC3E}">
-        <p14:creationId xmlns:p14="http://schemas.microsoft.com/office/powerpoint/2010/main" val="2914150845"/>
-      </p:ext>
-    </p:extLst>
-  </p:cSld>
-  <p:clrMapOvr>
-    <a:masterClrMapping/>
-  </p:clrMapOvr>
-</p:sld>
-</file>
-
-<file path=ppt/slides/slide26.xml><?xml version="1.0" encoding="utf-8"?>
 <p:sld xmlns:a="http://schemas.openxmlformats.org/drawingml/2006/main" xmlns:r="http://schemas.openxmlformats.org/officeDocument/2006/relationships" xmlns:p="http://schemas.openxmlformats.org/presentationml/2006/main">
   <p:cSld>
     <p:spTree>

--- a/Mellékletek/Prezentáció/Frissfutár_prezentáció.pptx
+++ b/Mellékletek/Prezentáció/Frissfutár_prezentáció.pptx
@@ -6,30 +6,27 @@
   </p:sldMasterIdLst>
   <p:sldIdLst>
     <p:sldId id="256" r:id="rId2"/>
-    <p:sldId id="257" r:id="rId3"/>
-    <p:sldId id="258" r:id="rId4"/>
-    <p:sldId id="259" r:id="rId5"/>
-    <p:sldId id="260" r:id="rId6"/>
-    <p:sldId id="261" r:id="rId7"/>
-    <p:sldId id="272" r:id="rId8"/>
-    <p:sldId id="262" r:id="rId9"/>
-    <p:sldId id="264" r:id="rId10"/>
-    <p:sldId id="265" r:id="rId11"/>
-    <p:sldId id="266" r:id="rId12"/>
-    <p:sldId id="267" r:id="rId13"/>
-    <p:sldId id="268" r:id="rId14"/>
-    <p:sldId id="270" r:id="rId15"/>
-    <p:sldId id="271" r:id="rId16"/>
-    <p:sldId id="273" r:id="rId17"/>
-    <p:sldId id="275" r:id="rId18"/>
-    <p:sldId id="284" r:id="rId19"/>
-    <p:sldId id="276" r:id="rId20"/>
-    <p:sldId id="277" r:id="rId21"/>
-    <p:sldId id="278" r:id="rId22"/>
-    <p:sldId id="279" r:id="rId23"/>
-    <p:sldId id="280" r:id="rId24"/>
-    <p:sldId id="281" r:id="rId25"/>
-    <p:sldId id="283" r:id="rId26"/>
+    <p:sldId id="258" r:id="rId3"/>
+    <p:sldId id="259" r:id="rId4"/>
+    <p:sldId id="260" r:id="rId5"/>
+    <p:sldId id="261" r:id="rId6"/>
+    <p:sldId id="264" r:id="rId7"/>
+    <p:sldId id="265" r:id="rId8"/>
+    <p:sldId id="266" r:id="rId9"/>
+    <p:sldId id="267" r:id="rId10"/>
+    <p:sldId id="268" r:id="rId11"/>
+    <p:sldId id="270" r:id="rId12"/>
+    <p:sldId id="271" r:id="rId13"/>
+    <p:sldId id="273" r:id="rId14"/>
+    <p:sldId id="275" r:id="rId15"/>
+    <p:sldId id="284" r:id="rId16"/>
+    <p:sldId id="276" r:id="rId17"/>
+    <p:sldId id="277" r:id="rId18"/>
+    <p:sldId id="278" r:id="rId19"/>
+    <p:sldId id="279" r:id="rId20"/>
+    <p:sldId id="280" r:id="rId21"/>
+    <p:sldId id="281" r:id="rId22"/>
+    <p:sldId id="283" r:id="rId23"/>
   </p:sldIdLst>
   <p:sldSz cx="12192000" cy="6858000"/>
   <p:notesSz cx="6858000" cy="9144000"/>
@@ -283,7 +280,7 @@
           <a:p>
             <a:fld id="{FA21BFB3-E53D-4907-A4AC-FC6C3F82650A}" type="datetimeFigureOut">
               <a:rPr lang="hu-HU" smtClean="0"/>
-              <a:t>2024. 05. 07.</a:t>
+              <a:t>2024.05.14.</a:t>
             </a:fld>
             <a:endParaRPr lang="hu-HU"/>
           </a:p>
@@ -481,7 +478,7 @@
           <a:p>
             <a:fld id="{FA21BFB3-E53D-4907-A4AC-FC6C3F82650A}" type="datetimeFigureOut">
               <a:rPr lang="hu-HU" smtClean="0"/>
-              <a:t>2024. 05. 07.</a:t>
+              <a:t>2024.05.14.</a:t>
             </a:fld>
             <a:endParaRPr lang="hu-HU"/>
           </a:p>
@@ -689,7 +686,7 @@
           <a:p>
             <a:fld id="{FA21BFB3-E53D-4907-A4AC-FC6C3F82650A}" type="datetimeFigureOut">
               <a:rPr lang="hu-HU" smtClean="0"/>
-              <a:t>2024. 05. 07.</a:t>
+              <a:t>2024.05.14.</a:t>
             </a:fld>
             <a:endParaRPr lang="hu-HU"/>
           </a:p>
@@ -887,7 +884,7 @@
           <a:p>
             <a:fld id="{FA21BFB3-E53D-4907-A4AC-FC6C3F82650A}" type="datetimeFigureOut">
               <a:rPr lang="hu-HU" smtClean="0"/>
-              <a:t>2024. 05. 07.</a:t>
+              <a:t>2024.05.14.</a:t>
             </a:fld>
             <a:endParaRPr lang="hu-HU"/>
           </a:p>
@@ -1162,7 +1159,7 @@
           <a:p>
             <a:fld id="{FA21BFB3-E53D-4907-A4AC-FC6C3F82650A}" type="datetimeFigureOut">
               <a:rPr lang="hu-HU" smtClean="0"/>
-              <a:t>2024. 05. 07.</a:t>
+              <a:t>2024.05.14.</a:t>
             </a:fld>
             <a:endParaRPr lang="hu-HU"/>
           </a:p>
@@ -1427,7 +1424,7 @@
           <a:p>
             <a:fld id="{FA21BFB3-E53D-4907-A4AC-FC6C3F82650A}" type="datetimeFigureOut">
               <a:rPr lang="hu-HU" smtClean="0"/>
-              <a:t>2024. 05. 07.</a:t>
+              <a:t>2024.05.14.</a:t>
             </a:fld>
             <a:endParaRPr lang="hu-HU"/>
           </a:p>
@@ -1839,7 +1836,7 @@
           <a:p>
             <a:fld id="{FA21BFB3-E53D-4907-A4AC-FC6C3F82650A}" type="datetimeFigureOut">
               <a:rPr lang="hu-HU" smtClean="0"/>
-              <a:t>2024. 05. 07.</a:t>
+              <a:t>2024.05.14.</a:t>
             </a:fld>
             <a:endParaRPr lang="hu-HU"/>
           </a:p>
@@ -1980,7 +1977,7 @@
           <a:p>
             <a:fld id="{FA21BFB3-E53D-4907-A4AC-FC6C3F82650A}" type="datetimeFigureOut">
               <a:rPr lang="hu-HU" smtClean="0"/>
-              <a:t>2024. 05. 07.</a:t>
+              <a:t>2024.05.14.</a:t>
             </a:fld>
             <a:endParaRPr lang="hu-HU"/>
           </a:p>
@@ -2093,7 +2090,7 @@
           <a:p>
             <a:fld id="{FA21BFB3-E53D-4907-A4AC-FC6C3F82650A}" type="datetimeFigureOut">
               <a:rPr lang="hu-HU" smtClean="0"/>
-              <a:t>2024. 05. 07.</a:t>
+              <a:t>2024.05.14.</a:t>
             </a:fld>
             <a:endParaRPr lang="hu-HU"/>
           </a:p>
@@ -2404,7 +2401,7 @@
           <a:p>
             <a:fld id="{FA21BFB3-E53D-4907-A4AC-FC6C3F82650A}" type="datetimeFigureOut">
               <a:rPr lang="hu-HU" smtClean="0"/>
-              <a:t>2024. 05. 07.</a:t>
+              <a:t>2024.05.14.</a:t>
             </a:fld>
             <a:endParaRPr lang="hu-HU"/>
           </a:p>
@@ -2692,7 +2689,7 @@
           <a:p>
             <a:fld id="{FA21BFB3-E53D-4907-A4AC-FC6C3F82650A}" type="datetimeFigureOut">
               <a:rPr lang="hu-HU" smtClean="0"/>
-              <a:t>2024. 05. 07.</a:t>
+              <a:t>2024.05.14.</a:t>
             </a:fld>
             <a:endParaRPr lang="hu-HU"/>
           </a:p>
@@ -2933,7 +2930,7 @@
           <a:p>
             <a:fld id="{FA21BFB3-E53D-4907-A4AC-FC6C3F82650A}" type="datetimeFigureOut">
               <a:rPr lang="hu-HU" smtClean="0"/>
-              <a:t>2024. 05. 07.</a:t>
+              <a:t>2024.05.14.</a:t>
             </a:fld>
             <a:endParaRPr lang="hu-HU"/>
           </a:p>
@@ -3352,34 +3349,6 @@
       </p:grpSpPr>
       <p:sp>
         <p:nvSpPr>
-          <p:cNvPr id="2" name="Cím 1">
-            <a:extLst>
-              <a:ext uri="{FF2B5EF4-FFF2-40B4-BE49-F238E27FC236}">
-                <a16:creationId xmlns:a16="http://schemas.microsoft.com/office/drawing/2014/main" id="{D1177F0F-8C88-4639-B6B9-17A398496DD4}"/>
-              </a:ext>
-            </a:extLst>
-          </p:cNvPr>
-          <p:cNvSpPr>
-            <a:spLocks noGrp="1"/>
-          </p:cNvSpPr>
-          <p:nvPr>
-            <p:ph type="ctrTitle"/>
-          </p:nvPr>
-        </p:nvSpPr>
-        <p:spPr/>
-        <p:txBody>
-          <a:bodyPr/>
-          <a:lstStyle/>
-          <a:p>
-            <a:r>
-              <a:rPr lang="hu-HU" dirty="0"/>
-              <a:t>Frissfutár</a:t>
-            </a:r>
-          </a:p>
-        </p:txBody>
-      </p:sp>
-      <p:sp>
-        <p:nvSpPr>
           <p:cNvPr id="3" name="Alcím 2">
             <a:extLst>
               <a:ext uri="{FF2B5EF4-FFF2-40B4-BE49-F238E27FC236}">
@@ -3396,8 +3365,8 @@
         </p:nvSpPr>
         <p:spPr>
           <a:xfrm>
-            <a:off x="1524000" y="4379053"/>
-            <a:ext cx="9144000" cy="1356583"/>
+            <a:off x="1524000" y="5259896"/>
+            <a:ext cx="9144000" cy="1208015"/>
           </a:xfrm>
         </p:spPr>
         <p:txBody>
@@ -3407,44 +3376,72 @@
           <a:lstStyle/>
           <a:p>
             <a:r>
-              <a:rPr lang="hu-HU" dirty="0">
-                <a:solidFill>
-                  <a:srgbClr val="FF0000"/>
-                </a:solidFill>
+              <a:rPr lang="hu-HU" sz="2000" dirty="0">
+                <a:latin typeface="Britannic Bold" panose="020B0903060703020204" pitchFamily="34" charset="0"/>
               </a:rPr>
               <a:t>Fedor Benjámin</a:t>
             </a:r>
           </a:p>
           <a:p>
             <a:r>
-              <a:rPr lang="hu-HU" dirty="0">
-                <a:solidFill>
-                  <a:schemeClr val="accent6"/>
-                </a:solidFill>
+              <a:rPr lang="hu-HU" sz="2000" dirty="0">
+                <a:latin typeface="Britannic Bold" panose="020B0903060703020204" pitchFamily="34" charset="0"/>
               </a:rPr>
               <a:t>Kertész Kornél</a:t>
             </a:r>
           </a:p>
           <a:p>
             <a:r>
-              <a:rPr lang="hu-HU" dirty="0" err="1">
-                <a:solidFill>
-                  <a:schemeClr val="accent5"/>
-                </a:solidFill>
+              <a:rPr lang="hu-HU" sz="2000" dirty="0" err="1">
+                <a:latin typeface="Britannic Bold" panose="020B0903060703020204" pitchFamily="34" charset="0"/>
               </a:rPr>
               <a:t>Turza</a:t>
             </a:r>
             <a:r>
-              <a:rPr lang="hu-HU" dirty="0">
-                <a:solidFill>
-                  <a:schemeClr val="accent5"/>
-                </a:solidFill>
+              <a:rPr lang="hu-HU" sz="2000" dirty="0">
+                <a:latin typeface="Britannic Bold" panose="020B0903060703020204" pitchFamily="34" charset="0"/>
               </a:rPr>
               <a:t> Norbert</a:t>
             </a:r>
           </a:p>
         </p:txBody>
       </p:sp>
+      <p:pic>
+        <p:nvPicPr>
+          <p:cNvPr id="4" name="Kép 3">
+            <a:extLst>
+              <a:ext uri="{FF2B5EF4-FFF2-40B4-BE49-F238E27FC236}">
+                <a16:creationId xmlns:a16="http://schemas.microsoft.com/office/drawing/2014/main" id="{28973745-554F-482D-8CEB-D28D16FEC2E3}"/>
+              </a:ext>
+            </a:extLst>
+          </p:cNvPr>
+          <p:cNvPicPr>
+            <a:picLocks noChangeAspect="1"/>
+          </p:cNvPicPr>
+          <p:nvPr/>
+        </p:nvPicPr>
+        <p:blipFill>
+          <a:blip r:embed="rId2">
+            <a:extLst>
+              <a:ext uri="{28A0092B-C50C-407E-A947-70E740481C1C}">
+                <a14:useLocalDpi xmlns:a14="http://schemas.microsoft.com/office/drawing/2010/main" val="0"/>
+              </a:ext>
+            </a:extLst>
+          </a:blip>
+          <a:stretch>
+            <a:fillRect/>
+          </a:stretch>
+        </p:blipFill>
+        <p:spPr>
+          <a:xfrm>
+            <a:off x="4203402" y="770026"/>
+            <a:ext cx="3785196" cy="3785196"/>
+          </a:xfrm>
+          <a:prstGeom prst="rect">
+            <a:avLst/>
+          </a:prstGeom>
+        </p:spPr>
+      </p:pic>
     </p:spTree>
     <p:extLst>
       <p:ext uri="{BB962C8B-B14F-4D97-AF65-F5344CB8AC3E}">
@@ -3480,7 +3477,7 @@
           <p:cNvPr id="2" name="Cím 1">
             <a:extLst>
               <a:ext uri="{FF2B5EF4-FFF2-40B4-BE49-F238E27FC236}">
-                <a16:creationId xmlns:a16="http://schemas.microsoft.com/office/drawing/2014/main" id="{CE46EB06-D8B7-44AD-8A59-0AD4C1BF4DF3}"/>
+                <a16:creationId xmlns:a16="http://schemas.microsoft.com/office/drawing/2014/main" id="{9F224FF1-539E-4F4D-A36A-AAEA5A4BEA99}"/>
               </a:ext>
             </a:extLst>
           </p:cNvPr>
@@ -3493,461 +3490,15 @@
         </p:nvSpPr>
         <p:spPr/>
         <p:txBody>
-          <a:bodyPr/>
-          <a:lstStyle/>
-          <a:p>
-            <a:r>
-              <a:rPr lang="hu-HU" dirty="0">
-                <a:solidFill>
-                  <a:schemeClr val="accent6"/>
-                </a:solidFill>
-              </a:rPr>
-              <a:t>Regisztráció</a:t>
-            </a:r>
-          </a:p>
-        </p:txBody>
-      </p:sp>
-      <p:sp>
-        <p:nvSpPr>
-          <p:cNvPr id="3" name="Tartalom helye 2">
-            <a:extLst>
-              <a:ext uri="{FF2B5EF4-FFF2-40B4-BE49-F238E27FC236}">
-                <a16:creationId xmlns:a16="http://schemas.microsoft.com/office/drawing/2014/main" id="{C1732E64-0BAA-4042-B492-A347234B014A}"/>
-              </a:ext>
-            </a:extLst>
-          </p:cNvPr>
-          <p:cNvSpPr>
-            <a:spLocks noGrp="1"/>
-          </p:cNvSpPr>
-          <p:nvPr>
-            <p:ph idx="1"/>
-          </p:nvPr>
-        </p:nvSpPr>
-        <p:spPr>
-          <a:xfrm>
-            <a:off x="838200" y="1690688"/>
-            <a:ext cx="10515600" cy="4486275"/>
-          </a:xfrm>
-        </p:spPr>
-        <p:txBody>
-          <a:bodyPr/>
-          <a:lstStyle/>
-          <a:p>
-            <a:r>
-              <a:rPr lang="hu-HU" dirty="0"/>
-              <a:t>Új felhasználó regisztrálása az adatbázisba</a:t>
-            </a:r>
-          </a:p>
-          <a:p>
-            <a:r>
-              <a:rPr lang="hu-HU" dirty="0"/>
-              <a:t>Lépésenként ellenőrizve, felhasználóbarát</a:t>
-            </a:r>
-          </a:p>
-        </p:txBody>
-      </p:sp>
-      <p:pic>
-        <p:nvPicPr>
-          <p:cNvPr id="5" name="Kép 4">
-            <a:extLst>
-              <a:ext uri="{FF2B5EF4-FFF2-40B4-BE49-F238E27FC236}">
-                <a16:creationId xmlns:a16="http://schemas.microsoft.com/office/drawing/2014/main" id="{F2EAA3AA-A880-4DDF-B504-41BE925C99C8}"/>
-              </a:ext>
-            </a:extLst>
-          </p:cNvPr>
-          <p:cNvPicPr>
-            <a:picLocks noChangeAspect="1"/>
-          </p:cNvPicPr>
-          <p:nvPr/>
-        </p:nvPicPr>
-        <p:blipFill>
-          <a:blip r:embed="rId2"/>
-          <a:stretch>
-            <a:fillRect/>
-          </a:stretch>
-        </p:blipFill>
-        <p:spPr>
-          <a:xfrm>
-            <a:off x="7776896" y="1418874"/>
-            <a:ext cx="3820058" cy="5029902"/>
-          </a:xfrm>
-          <a:prstGeom prst="rect">
-            <a:avLst/>
-          </a:prstGeom>
-        </p:spPr>
-      </p:pic>
-    </p:spTree>
-    <p:extLst>
-      <p:ext uri="{BB962C8B-B14F-4D97-AF65-F5344CB8AC3E}">
-        <p14:creationId xmlns:p14="http://schemas.microsoft.com/office/powerpoint/2010/main" val="1650526886"/>
-      </p:ext>
-    </p:extLst>
-  </p:cSld>
-  <p:clrMapOvr>
-    <a:masterClrMapping/>
-  </p:clrMapOvr>
-</p:sld>
-</file>
-
-<file path=ppt/slides/slide11.xml><?xml version="1.0" encoding="utf-8"?>
-<p:sld xmlns:a="http://schemas.openxmlformats.org/drawingml/2006/main" xmlns:r="http://schemas.openxmlformats.org/officeDocument/2006/relationships" xmlns:p="http://schemas.openxmlformats.org/presentationml/2006/main">
-  <p:cSld>
-    <p:spTree>
-      <p:nvGrpSpPr>
-        <p:cNvPr id="1" name=""/>
-        <p:cNvGrpSpPr/>
-        <p:nvPr/>
-      </p:nvGrpSpPr>
-      <p:grpSpPr>
-        <a:xfrm>
-          <a:off x="0" y="0"/>
-          <a:ext cx="0" cy="0"/>
-          <a:chOff x="0" y="0"/>
-          <a:chExt cx="0" cy="0"/>
-        </a:xfrm>
-      </p:grpSpPr>
-      <p:sp>
-        <p:nvSpPr>
-          <p:cNvPr id="2" name="Cím 1">
-            <a:extLst>
-              <a:ext uri="{FF2B5EF4-FFF2-40B4-BE49-F238E27FC236}">
-                <a16:creationId xmlns:a16="http://schemas.microsoft.com/office/drawing/2014/main" id="{60DB1A8B-07E4-4176-91A9-4D91E9AAC42E}"/>
-              </a:ext>
-            </a:extLst>
-          </p:cNvPr>
-          <p:cNvSpPr>
-            <a:spLocks noGrp="1"/>
-          </p:cNvSpPr>
-          <p:nvPr>
-            <p:ph type="title"/>
-          </p:nvPr>
-        </p:nvSpPr>
-        <p:spPr/>
-        <p:txBody>
-          <a:bodyPr/>
-          <a:lstStyle/>
-          <a:p>
-            <a:r>
-              <a:rPr lang="hu-HU" dirty="0">
-                <a:solidFill>
-                  <a:schemeClr val="accent6"/>
-                </a:solidFill>
-              </a:rPr>
-              <a:t>Bejelentkezés</a:t>
-            </a:r>
-          </a:p>
-        </p:txBody>
-      </p:sp>
-      <p:sp>
-        <p:nvSpPr>
-          <p:cNvPr id="3" name="Tartalom helye 2">
-            <a:extLst>
-              <a:ext uri="{FF2B5EF4-FFF2-40B4-BE49-F238E27FC236}">
-                <a16:creationId xmlns:a16="http://schemas.microsoft.com/office/drawing/2014/main" id="{9F5858B8-A816-41DB-82D1-5B0160BDEAD8}"/>
-              </a:ext>
-            </a:extLst>
-          </p:cNvPr>
-          <p:cNvSpPr>
-            <a:spLocks noGrp="1"/>
-          </p:cNvSpPr>
-          <p:nvPr>
-            <p:ph idx="1"/>
-          </p:nvPr>
-        </p:nvSpPr>
-        <p:spPr/>
-        <p:txBody>
-          <a:bodyPr/>
-          <a:lstStyle/>
-          <a:p>
-            <a:r>
-              <a:rPr lang="hu-HU" dirty="0"/>
-              <a:t>Kuponok</a:t>
-            </a:r>
-          </a:p>
-          <a:p>
-            <a:r>
-              <a:rPr lang="hu-HU" dirty="0"/>
-              <a:t>Kényelmesebb rendelési élmény</a:t>
-            </a:r>
-          </a:p>
-        </p:txBody>
-      </p:sp>
-      <p:pic>
-        <p:nvPicPr>
-          <p:cNvPr id="4" name="Kép 3">
-            <a:extLst>
-              <a:ext uri="{FF2B5EF4-FFF2-40B4-BE49-F238E27FC236}">
-                <a16:creationId xmlns:a16="http://schemas.microsoft.com/office/drawing/2014/main" id="{659261E6-45F9-4F9A-9717-B218B8F97F27}"/>
-              </a:ext>
-            </a:extLst>
-          </p:cNvPr>
-          <p:cNvPicPr>
-            <a:picLocks noChangeAspect="1"/>
-          </p:cNvPicPr>
-          <p:nvPr/>
-        </p:nvPicPr>
-        <p:blipFill rotWithShape="1">
-          <a:blip r:embed="rId2"/>
-          <a:srcRect l="2714" t="165" r="-219" b="165"/>
-          <a:stretch/>
-        </p:blipFill>
-        <p:spPr>
-          <a:xfrm>
-            <a:off x="8019874" y="1027906"/>
-            <a:ext cx="3736033" cy="5047467"/>
-          </a:xfrm>
-          <a:prstGeom prst="rect">
-            <a:avLst/>
-          </a:prstGeom>
-        </p:spPr>
-      </p:pic>
-      <p:pic>
-        <p:nvPicPr>
-          <p:cNvPr id="5" name="Kép 4">
-            <a:extLst>
-              <a:ext uri="{FF2B5EF4-FFF2-40B4-BE49-F238E27FC236}">
-                <a16:creationId xmlns:a16="http://schemas.microsoft.com/office/drawing/2014/main" id="{CB7BFCC7-23E3-4B0A-BCF4-857C4BA4558E}"/>
-              </a:ext>
-            </a:extLst>
-          </p:cNvPr>
-          <p:cNvPicPr>
-            <a:picLocks noChangeAspect="1"/>
-          </p:cNvPicPr>
-          <p:nvPr/>
-        </p:nvPicPr>
-        <p:blipFill>
-          <a:blip r:embed="rId3"/>
-          <a:stretch>
-            <a:fillRect/>
-          </a:stretch>
-        </p:blipFill>
-        <p:spPr>
-          <a:xfrm>
-            <a:off x="838200" y="3137926"/>
-            <a:ext cx="6740304" cy="2937447"/>
-          </a:xfrm>
-          <a:prstGeom prst="rect">
-            <a:avLst/>
-          </a:prstGeom>
-        </p:spPr>
-      </p:pic>
-    </p:spTree>
-    <p:extLst>
-      <p:ext uri="{BB962C8B-B14F-4D97-AF65-F5344CB8AC3E}">
-        <p14:creationId xmlns:p14="http://schemas.microsoft.com/office/powerpoint/2010/main" val="3329200705"/>
-      </p:ext>
-    </p:extLst>
-  </p:cSld>
-  <p:clrMapOvr>
-    <a:masterClrMapping/>
-  </p:clrMapOvr>
-</p:sld>
-</file>
-
-<file path=ppt/slides/slide12.xml><?xml version="1.0" encoding="utf-8"?>
-<p:sld xmlns:a="http://schemas.openxmlformats.org/drawingml/2006/main" xmlns:r="http://schemas.openxmlformats.org/officeDocument/2006/relationships" xmlns:p="http://schemas.openxmlformats.org/presentationml/2006/main">
-  <p:cSld>
-    <p:spTree>
-      <p:nvGrpSpPr>
-        <p:cNvPr id="1" name=""/>
-        <p:cNvGrpSpPr/>
-        <p:nvPr/>
-      </p:nvGrpSpPr>
-      <p:grpSpPr>
-        <a:xfrm>
-          <a:off x="0" y="0"/>
-          <a:ext cx="0" cy="0"/>
-          <a:chOff x="0" y="0"/>
-          <a:chExt cx="0" cy="0"/>
-        </a:xfrm>
-      </p:grpSpPr>
-      <p:sp>
-        <p:nvSpPr>
-          <p:cNvPr id="2" name="Cím 1">
-            <a:extLst>
-              <a:ext uri="{FF2B5EF4-FFF2-40B4-BE49-F238E27FC236}">
-                <a16:creationId xmlns:a16="http://schemas.microsoft.com/office/drawing/2014/main" id="{23525B41-0E7A-475C-8FAA-2397A6A9937C}"/>
-              </a:ext>
-            </a:extLst>
-          </p:cNvPr>
-          <p:cNvSpPr>
-            <a:spLocks noGrp="1"/>
-          </p:cNvSpPr>
-          <p:nvPr>
-            <p:ph type="title"/>
-          </p:nvPr>
-        </p:nvSpPr>
-        <p:spPr/>
-        <p:txBody>
-          <a:bodyPr/>
-          <a:lstStyle/>
-          <a:p>
-            <a:r>
-              <a:rPr lang="hu-HU" dirty="0">
-                <a:solidFill>
-                  <a:srgbClr val="FF0000"/>
-                </a:solidFill>
-              </a:rPr>
-              <a:t>Kosár</a:t>
-            </a:r>
-          </a:p>
-        </p:txBody>
-      </p:sp>
-      <p:sp>
-        <p:nvSpPr>
-          <p:cNvPr id="3" name="Tartalom helye 2">
-            <a:extLst>
-              <a:ext uri="{FF2B5EF4-FFF2-40B4-BE49-F238E27FC236}">
-                <a16:creationId xmlns:a16="http://schemas.microsoft.com/office/drawing/2014/main" id="{6FCCE0E5-4949-4AC0-BC8E-BA7EFC55D638}"/>
-              </a:ext>
-            </a:extLst>
-          </p:cNvPr>
-          <p:cNvSpPr>
-            <a:spLocks noGrp="1"/>
-          </p:cNvSpPr>
-          <p:nvPr>
-            <p:ph idx="1"/>
-          </p:nvPr>
-        </p:nvSpPr>
-        <p:spPr>
-          <a:xfrm>
-            <a:off x="838200" y="1610686"/>
-            <a:ext cx="10515600" cy="4566277"/>
-          </a:xfrm>
-        </p:spPr>
-        <p:txBody>
-          <a:bodyPr/>
-          <a:lstStyle/>
-          <a:p>
-            <a:r>
-              <a:rPr lang="hu-HU" dirty="0"/>
-              <a:t>Dinamikus használat, az oldal nem töltődik újra</a:t>
-            </a:r>
-          </a:p>
-          <a:p>
-            <a:r>
-              <a:rPr lang="hu-HU" dirty="0"/>
-              <a:t>Főoldalról is módosítható </a:t>
-            </a:r>
-          </a:p>
-        </p:txBody>
-      </p:sp>
-      <p:pic>
-        <p:nvPicPr>
-          <p:cNvPr id="4" name="Kép 3">
-            <a:extLst>
-              <a:ext uri="{FF2B5EF4-FFF2-40B4-BE49-F238E27FC236}">
-                <a16:creationId xmlns:a16="http://schemas.microsoft.com/office/drawing/2014/main" id="{E4A7DAF2-6048-4AF3-941D-038389D68857}"/>
-              </a:ext>
-            </a:extLst>
-          </p:cNvPr>
-          <p:cNvPicPr>
-            <a:picLocks noChangeAspect="1"/>
-          </p:cNvPicPr>
-          <p:nvPr/>
-        </p:nvPicPr>
-        <p:blipFill>
-          <a:blip r:embed="rId2"/>
-          <a:stretch>
-            <a:fillRect/>
-          </a:stretch>
-        </p:blipFill>
-        <p:spPr>
-          <a:xfrm>
-            <a:off x="8239735" y="1610686"/>
-            <a:ext cx="3517897" cy="4763636"/>
-          </a:xfrm>
-          <a:prstGeom prst="rect">
-            <a:avLst/>
-          </a:prstGeom>
-        </p:spPr>
-      </p:pic>
-      <p:pic>
-        <p:nvPicPr>
-          <p:cNvPr id="5" name="Kép 4">
-            <a:extLst>
-              <a:ext uri="{FF2B5EF4-FFF2-40B4-BE49-F238E27FC236}">
-                <a16:creationId xmlns:a16="http://schemas.microsoft.com/office/drawing/2014/main" id="{C4F2E0FC-BF36-4B11-BE94-883E8F548172}"/>
-              </a:ext>
-            </a:extLst>
-          </p:cNvPr>
-          <p:cNvPicPr>
-            <a:picLocks noChangeAspect="1"/>
-          </p:cNvPicPr>
-          <p:nvPr/>
-        </p:nvPicPr>
-        <p:blipFill>
-          <a:blip r:embed="rId3"/>
-          <a:stretch>
-            <a:fillRect/>
-          </a:stretch>
-        </p:blipFill>
-        <p:spPr>
-          <a:xfrm>
-            <a:off x="838200" y="2898634"/>
-            <a:ext cx="6206102" cy="3475688"/>
-          </a:xfrm>
-          <a:prstGeom prst="rect">
-            <a:avLst/>
-          </a:prstGeom>
-        </p:spPr>
-      </p:pic>
-    </p:spTree>
-    <p:extLst>
-      <p:ext uri="{BB962C8B-B14F-4D97-AF65-F5344CB8AC3E}">
-        <p14:creationId xmlns:p14="http://schemas.microsoft.com/office/powerpoint/2010/main" val="2110314187"/>
-      </p:ext>
-    </p:extLst>
-  </p:cSld>
-  <p:clrMapOvr>
-    <a:masterClrMapping/>
-  </p:clrMapOvr>
-</p:sld>
-</file>
-
-<file path=ppt/slides/slide13.xml><?xml version="1.0" encoding="utf-8"?>
-<p:sld xmlns:a="http://schemas.openxmlformats.org/drawingml/2006/main" xmlns:r="http://schemas.openxmlformats.org/officeDocument/2006/relationships" xmlns:p="http://schemas.openxmlformats.org/presentationml/2006/main">
-  <p:cSld>
-    <p:spTree>
-      <p:nvGrpSpPr>
-        <p:cNvPr id="1" name=""/>
-        <p:cNvGrpSpPr/>
-        <p:nvPr/>
-      </p:nvGrpSpPr>
-      <p:grpSpPr>
-        <a:xfrm>
-          <a:off x="0" y="0"/>
-          <a:ext cx="0" cy="0"/>
-          <a:chOff x="0" y="0"/>
-          <a:chExt cx="0" cy="0"/>
-        </a:xfrm>
-      </p:grpSpPr>
-      <p:sp>
-        <p:nvSpPr>
-          <p:cNvPr id="2" name="Cím 1">
-            <a:extLst>
-              <a:ext uri="{FF2B5EF4-FFF2-40B4-BE49-F238E27FC236}">
-                <a16:creationId xmlns:a16="http://schemas.microsoft.com/office/drawing/2014/main" id="{9F224FF1-539E-4F4D-A36A-AAEA5A4BEA99}"/>
-              </a:ext>
-            </a:extLst>
-          </p:cNvPr>
-          <p:cNvSpPr>
-            <a:spLocks noGrp="1"/>
-          </p:cNvSpPr>
-          <p:nvPr>
-            <p:ph type="title"/>
-          </p:nvPr>
-        </p:nvSpPr>
-        <p:spPr/>
-        <p:txBody>
-          <a:bodyPr/>
-          <a:lstStyle/>
-          <a:p>
-            <a:r>
-              <a:rPr lang="hu-HU" dirty="0">
-                <a:solidFill>
-                  <a:schemeClr val="accent6"/>
-                </a:solidFill>
+          <a:bodyPr>
+            <a:normAutofit/>
+          </a:bodyPr>
+          <a:lstStyle/>
+          <a:p>
+            <a:r>
+              <a:rPr lang="hu-HU" sz="4000" dirty="0">
+                <a:latin typeface="Arial Black" panose="020B0A04020102020204" pitchFamily="34" charset="0"/>
+                <a:cs typeface="Arial" panose="020B0604020202020204" pitchFamily="34" charset="0"/>
               </a:rPr>
               <a:t>Rendelés</a:t>
             </a:r>
@@ -3977,17 +3528,25 @@
           </a:xfrm>
         </p:spPr>
         <p:txBody>
-          <a:bodyPr/>
-          <a:lstStyle/>
-          <a:p>
-            <a:r>
-              <a:rPr lang="hu-HU" dirty="0"/>
+          <a:bodyPr>
+            <a:normAutofit/>
+          </a:bodyPr>
+          <a:lstStyle/>
+          <a:p>
+            <a:r>
+              <a:rPr lang="hu-HU" sz="2400" dirty="0">
+                <a:latin typeface="Arial" panose="020B0604020202020204" pitchFamily="34" charset="0"/>
+                <a:cs typeface="Arial" panose="020B0604020202020204" pitchFamily="34" charset="0"/>
+              </a:rPr>
               <a:t>Adatok megadása után rendelés tételei megtekinthetők</a:t>
             </a:r>
           </a:p>
           <a:p>
             <a:r>
-              <a:rPr lang="hu-HU" dirty="0"/>
+              <a:rPr lang="hu-HU" sz="2400" dirty="0">
+                <a:latin typeface="Arial" panose="020B0604020202020204" pitchFamily="34" charset="0"/>
+                <a:cs typeface="Arial" panose="020B0604020202020204" pitchFamily="34" charset="0"/>
+              </a:rPr>
               <a:t>Rendelést követően visszajelzés</a:t>
             </a:r>
           </a:p>
@@ -4014,12 +3573,18 @@
         </p:blipFill>
         <p:spPr>
           <a:xfrm>
-            <a:off x="1040235" y="2692867"/>
-            <a:ext cx="3145871" cy="3733100"/>
+            <a:off x="1437770" y="2470273"/>
+            <a:ext cx="3286978" cy="3900547"/>
           </a:xfrm>
           <a:prstGeom prst="rect">
             <a:avLst/>
           </a:prstGeom>
+          <a:ln>
+            <a:noFill/>
+          </a:ln>
+          <a:effectLst>
+            <a:softEdge rad="25400"/>
+          </a:effectLst>
         </p:spPr>
       </p:pic>
       <p:pic>
@@ -4043,12 +3608,18 @@
         </p:blipFill>
         <p:spPr>
           <a:xfrm>
-            <a:off x="7340367" y="2760007"/>
-            <a:ext cx="4013433" cy="3665959"/>
+            <a:off x="7076727" y="2470273"/>
+            <a:ext cx="4277073" cy="3906774"/>
           </a:xfrm>
           <a:prstGeom prst="rect">
             <a:avLst/>
           </a:prstGeom>
+          <a:ln>
+            <a:noFill/>
+          </a:ln>
+          <a:effectLst>
+            <a:softEdge rad="25400"/>
+          </a:effectLst>
         </p:spPr>
       </p:pic>
       <p:cxnSp>
@@ -4067,15 +3638,17 @@
         </p:nvCxnSpPr>
         <p:spPr>
           <a:xfrm>
-            <a:off x="4603311" y="4534543"/>
-            <a:ext cx="2292789" cy="0"/>
+            <a:off x="5543550" y="4544068"/>
+            <a:ext cx="714375" cy="0"/>
           </a:xfrm>
           <a:prstGeom prst="straightConnector1">
             <a:avLst/>
           </a:prstGeom>
-          <a:ln w="63500">
+          <a:ln w="76200">
             <a:solidFill>
-              <a:schemeClr val="accent1"/>
+              <a:schemeClr val="accent4">
+                <a:lumMod val="75000"/>
+              </a:schemeClr>
             </a:solidFill>
             <a:tailEnd type="triangle"/>
           </a:ln>
@@ -4108,7 +3681,7 @@
 </p:sld>
 </file>
 
-<file path=ppt/slides/slide14.xml><?xml version="1.0" encoding="utf-8"?>
+<file path=ppt/slides/slide11.xml><?xml version="1.0" encoding="utf-8"?>
 <p:sld xmlns:a="http://schemas.openxmlformats.org/drawingml/2006/main" xmlns:r="http://schemas.openxmlformats.org/officeDocument/2006/relationships" xmlns:p="http://schemas.openxmlformats.org/presentationml/2006/main">
   <p:cSld>
     <p:spTree>
@@ -4209,7 +3782,7 @@
 </p:sld>
 </file>
 
-<file path=ppt/slides/slide15.xml><?xml version="1.0" encoding="utf-8"?>
+<file path=ppt/slides/slide12.xml><?xml version="1.0" encoding="utf-8"?>
 <p:sld xmlns:a="http://schemas.openxmlformats.org/drawingml/2006/main" xmlns:r="http://schemas.openxmlformats.org/officeDocument/2006/relationships" xmlns:p="http://schemas.openxmlformats.org/presentationml/2006/main">
   <p:cSld>
     <p:spTree>
@@ -4448,7 +4021,7 @@
 </p:sld>
 </file>
 
-<file path=ppt/slides/slide16.xml><?xml version="1.0" encoding="utf-8"?>
+<file path=ppt/slides/slide13.xml><?xml version="1.0" encoding="utf-8"?>
 <p:sld xmlns:a="http://schemas.openxmlformats.org/drawingml/2006/main" xmlns:r="http://schemas.openxmlformats.org/officeDocument/2006/relationships" xmlns:p="http://schemas.openxmlformats.org/presentationml/2006/main">
   <p:cSld>
     <p:spTree>
@@ -4561,7 +4134,7 @@
 </p:sld>
 </file>
 
-<file path=ppt/slides/slide17.xml><?xml version="1.0" encoding="utf-8"?>
+<file path=ppt/slides/slide14.xml><?xml version="1.0" encoding="utf-8"?>
 <p:sld xmlns:a="http://schemas.openxmlformats.org/drawingml/2006/main" xmlns:r="http://schemas.openxmlformats.org/officeDocument/2006/relationships" xmlns:p="http://schemas.openxmlformats.org/presentationml/2006/main">
   <p:cSld>
     <p:spTree>
@@ -4686,7 +4259,7 @@
 </p:sld>
 </file>
 
-<file path=ppt/slides/slide18.xml><?xml version="1.0" encoding="utf-8"?>
+<file path=ppt/slides/slide15.xml><?xml version="1.0" encoding="utf-8"?>
 <p:sld xmlns:a="http://schemas.openxmlformats.org/drawingml/2006/main" xmlns:r="http://schemas.openxmlformats.org/officeDocument/2006/relationships" xmlns:p="http://schemas.openxmlformats.org/presentationml/2006/main">
   <p:cSld>
     <p:spTree>
@@ -4814,7 +4387,7 @@
 </p:sld>
 </file>
 
-<file path=ppt/slides/slide19.xml><?xml version="1.0" encoding="utf-8"?>
+<file path=ppt/slides/slide16.xml><?xml version="1.0" encoding="utf-8"?>
 <p:sld xmlns:a="http://schemas.openxmlformats.org/drawingml/2006/main" xmlns:r="http://schemas.openxmlformats.org/officeDocument/2006/relationships" xmlns:p="http://schemas.openxmlformats.org/presentationml/2006/main">
   <p:cSld>
     <p:spTree>
@@ -4919,7 +4492,7 @@
 </p:sld>
 </file>
 
-<file path=ppt/slides/slide2.xml><?xml version="1.0" encoding="utf-8"?>
+<file path=ppt/slides/slide17.xml><?xml version="1.0" encoding="utf-8"?>
 <p:sld xmlns:a="http://schemas.openxmlformats.org/drawingml/2006/main" xmlns:r="http://schemas.openxmlformats.org/officeDocument/2006/relationships" xmlns:p="http://schemas.openxmlformats.org/presentationml/2006/main">
   <p:cSld>
     <p:spTree>
@@ -4941,98 +4514,6 @@
           <p:cNvPr id="2" name="Cím 1">
             <a:extLst>
               <a:ext uri="{FF2B5EF4-FFF2-40B4-BE49-F238E27FC236}">
-                <a16:creationId xmlns:a16="http://schemas.microsoft.com/office/drawing/2014/main" id="{17464700-6738-48E3-AF5E-01D815C48C98}"/>
-              </a:ext>
-            </a:extLst>
-          </p:cNvPr>
-          <p:cNvSpPr>
-            <a:spLocks noGrp="1"/>
-          </p:cNvSpPr>
-          <p:nvPr>
-            <p:ph type="title"/>
-          </p:nvPr>
-        </p:nvSpPr>
-        <p:spPr/>
-        <p:txBody>
-          <a:bodyPr/>
-          <a:lstStyle/>
-          <a:p>
-            <a:r>
-              <a:rPr lang="hu-HU" dirty="0"/>
-              <a:t>Ismertetés</a:t>
-            </a:r>
-          </a:p>
-        </p:txBody>
-      </p:sp>
-      <p:sp>
-        <p:nvSpPr>
-          <p:cNvPr id="3" name="Tartalom helye 2">
-            <a:extLst>
-              <a:ext uri="{FF2B5EF4-FFF2-40B4-BE49-F238E27FC236}">
-                <a16:creationId xmlns:a16="http://schemas.microsoft.com/office/drawing/2014/main" id="{61CBDE3D-B1C2-40B5-A214-EDAF7386C3FB}"/>
-              </a:ext>
-            </a:extLst>
-          </p:cNvPr>
-          <p:cNvSpPr>
-            <a:spLocks noGrp="1"/>
-          </p:cNvSpPr>
-          <p:nvPr>
-            <p:ph idx="1"/>
-          </p:nvPr>
-        </p:nvSpPr>
-        <p:spPr/>
-        <p:txBody>
-          <a:bodyPr/>
-          <a:lstStyle/>
-          <a:p>
-            <a:pPr marL="0" indent="0">
-              <a:buNone/>
-            </a:pPr>
-            <a:endParaRPr lang="hu-HU" dirty="0"/>
-          </a:p>
-          <a:p>
-            <a:pPr marL="0" indent="0">
-              <a:buNone/>
-            </a:pPr>
-            <a:endParaRPr lang="hu-HU" dirty="0"/>
-          </a:p>
-        </p:txBody>
-      </p:sp>
-    </p:spTree>
-    <p:extLst>
-      <p:ext uri="{BB962C8B-B14F-4D97-AF65-F5344CB8AC3E}">
-        <p14:creationId xmlns:p14="http://schemas.microsoft.com/office/powerpoint/2010/main" val="1072624067"/>
-      </p:ext>
-    </p:extLst>
-  </p:cSld>
-  <p:clrMapOvr>
-    <a:masterClrMapping/>
-  </p:clrMapOvr>
-</p:sld>
-</file>
-
-<file path=ppt/slides/slide20.xml><?xml version="1.0" encoding="utf-8"?>
-<p:sld xmlns:a="http://schemas.openxmlformats.org/drawingml/2006/main" xmlns:r="http://schemas.openxmlformats.org/officeDocument/2006/relationships" xmlns:p="http://schemas.openxmlformats.org/presentationml/2006/main">
-  <p:cSld>
-    <p:spTree>
-      <p:nvGrpSpPr>
-        <p:cNvPr id="1" name=""/>
-        <p:cNvGrpSpPr/>
-        <p:nvPr/>
-      </p:nvGrpSpPr>
-      <p:grpSpPr>
-        <a:xfrm>
-          <a:off x="0" y="0"/>
-          <a:ext cx="0" cy="0"/>
-          <a:chOff x="0" y="0"/>
-          <a:chExt cx="0" cy="0"/>
-        </a:xfrm>
-      </p:grpSpPr>
-      <p:sp>
-        <p:nvSpPr>
-          <p:cNvPr id="2" name="Cím 1">
-            <a:extLst>
-              <a:ext uri="{FF2B5EF4-FFF2-40B4-BE49-F238E27FC236}">
                 <a16:creationId xmlns:a16="http://schemas.microsoft.com/office/drawing/2014/main" id="{79C002F6-6C65-4D66-ADFD-C0ED0DC7F9F6}"/>
               </a:ext>
             </a:extLst>
@@ -5113,7 +4594,7 @@
 </p:sld>
 </file>
 
-<file path=ppt/slides/slide21.xml><?xml version="1.0" encoding="utf-8"?>
+<file path=ppt/slides/slide18.xml><?xml version="1.0" encoding="utf-8"?>
 <p:sld xmlns:a="http://schemas.openxmlformats.org/drawingml/2006/main" xmlns:r="http://schemas.openxmlformats.org/officeDocument/2006/relationships" xmlns:p="http://schemas.openxmlformats.org/presentationml/2006/main">
   <p:cSld>
     <p:spTree>
@@ -5239,7 +4720,7 @@
 </p:sld>
 </file>
 
-<file path=ppt/slides/slide22.xml><?xml version="1.0" encoding="utf-8"?>
+<file path=ppt/slides/slide19.xml><?xml version="1.0" encoding="utf-8"?>
 <p:sld xmlns:a="http://schemas.openxmlformats.org/drawingml/2006/main" xmlns:r="http://schemas.openxmlformats.org/officeDocument/2006/relationships" xmlns:p="http://schemas.openxmlformats.org/presentationml/2006/main">
   <p:cSld>
     <p:spTree>
@@ -5406,7 +4887,164 @@
 </p:sld>
 </file>
 
-<file path=ppt/slides/slide23.xml><?xml version="1.0" encoding="utf-8"?>
+<file path=ppt/slides/slide2.xml><?xml version="1.0" encoding="utf-8"?>
+<p:sld xmlns:a="http://schemas.openxmlformats.org/drawingml/2006/main" xmlns:r="http://schemas.openxmlformats.org/officeDocument/2006/relationships" xmlns:p="http://schemas.openxmlformats.org/presentationml/2006/main">
+  <p:cSld>
+    <p:spTree>
+      <p:nvGrpSpPr>
+        <p:cNvPr id="1" name=""/>
+        <p:cNvGrpSpPr/>
+        <p:nvPr/>
+      </p:nvGrpSpPr>
+      <p:grpSpPr>
+        <a:xfrm>
+          <a:off x="0" y="0"/>
+          <a:ext cx="0" cy="0"/>
+          <a:chOff x="0" y="0"/>
+          <a:chExt cx="0" cy="0"/>
+        </a:xfrm>
+      </p:grpSpPr>
+      <p:sp>
+        <p:nvSpPr>
+          <p:cNvPr id="2" name="Cím 1">
+            <a:extLst>
+              <a:ext uri="{FF2B5EF4-FFF2-40B4-BE49-F238E27FC236}">
+                <a16:creationId xmlns:a16="http://schemas.microsoft.com/office/drawing/2014/main" id="{E8BD1683-6025-4D8A-995A-24640EE71EAF}"/>
+              </a:ext>
+            </a:extLst>
+          </p:cNvPr>
+          <p:cNvSpPr>
+            <a:spLocks noGrp="1"/>
+          </p:cNvSpPr>
+          <p:nvPr>
+            <p:ph type="title"/>
+          </p:nvPr>
+        </p:nvSpPr>
+        <p:spPr>
+          <a:xfrm>
+            <a:off x="838200" y="511727"/>
+            <a:ext cx="10515600" cy="1501631"/>
+          </a:xfrm>
+        </p:spPr>
+        <p:txBody>
+          <a:bodyPr>
+            <a:normAutofit/>
+          </a:bodyPr>
+          <a:lstStyle/>
+          <a:p>
+            <a:r>
+              <a:rPr lang="hu-HU" sz="4000" dirty="0">
+                <a:latin typeface="Arial Black" panose="020B0A04020102020204" pitchFamily="34" charset="0"/>
+              </a:rPr>
+              <a:t>Alkalmazott technológiák, munkamegosztás</a:t>
+            </a:r>
+          </a:p>
+        </p:txBody>
+      </p:sp>
+      <p:sp>
+        <p:nvSpPr>
+          <p:cNvPr id="3" name="Tartalom helye 2">
+            <a:extLst>
+              <a:ext uri="{FF2B5EF4-FFF2-40B4-BE49-F238E27FC236}">
+                <a16:creationId xmlns:a16="http://schemas.microsoft.com/office/drawing/2014/main" id="{6FC6239E-8141-4FB7-87F4-88E2EF5C5A6A}"/>
+              </a:ext>
+            </a:extLst>
+          </p:cNvPr>
+          <p:cNvSpPr>
+            <a:spLocks noGrp="1"/>
+          </p:cNvSpPr>
+          <p:nvPr>
+            <p:ph idx="1"/>
+          </p:nvPr>
+        </p:nvSpPr>
+        <p:spPr>
+          <a:xfrm>
+            <a:off x="838200" y="2189527"/>
+            <a:ext cx="10515600" cy="3987436"/>
+          </a:xfrm>
+        </p:spPr>
+        <p:txBody>
+          <a:bodyPr/>
+          <a:lstStyle/>
+          <a:p>
+            <a:r>
+              <a:rPr lang="hu-HU" dirty="0">
+                <a:latin typeface="Arial" panose="020B0604020202020204" pitchFamily="34" charset="0"/>
+                <a:cs typeface="Arial" panose="020B0604020202020204" pitchFamily="34" charset="0"/>
+              </a:rPr>
+              <a:t>Php</a:t>
+            </a:r>
+          </a:p>
+          <a:p>
+            <a:r>
+              <a:rPr lang="hu-HU" dirty="0" err="1">
+                <a:latin typeface="Arial" panose="020B0604020202020204" pitchFamily="34" charset="0"/>
+                <a:cs typeface="Arial" panose="020B0604020202020204" pitchFamily="34" charset="0"/>
+              </a:rPr>
+              <a:t>Javascript</a:t>
+            </a:r>
+            <a:endParaRPr lang="hu-HU" dirty="0">
+              <a:latin typeface="Arial" panose="020B0604020202020204" pitchFamily="34" charset="0"/>
+              <a:cs typeface="Arial" panose="020B0604020202020204" pitchFamily="34" charset="0"/>
+            </a:endParaRPr>
+          </a:p>
+          <a:p>
+            <a:r>
+              <a:rPr lang="hu-HU" dirty="0" err="1">
+                <a:latin typeface="Arial" panose="020B0604020202020204" pitchFamily="34" charset="0"/>
+                <a:cs typeface="Arial" panose="020B0604020202020204" pitchFamily="34" charset="0"/>
+              </a:rPr>
+              <a:t>Html</a:t>
+            </a:r>
+            <a:endParaRPr lang="hu-HU" dirty="0">
+              <a:latin typeface="Arial" panose="020B0604020202020204" pitchFamily="34" charset="0"/>
+              <a:cs typeface="Arial" panose="020B0604020202020204" pitchFamily="34" charset="0"/>
+            </a:endParaRPr>
+          </a:p>
+          <a:p>
+            <a:r>
+              <a:rPr lang="hu-HU" dirty="0">
+                <a:latin typeface="Arial" panose="020B0604020202020204" pitchFamily="34" charset="0"/>
+                <a:cs typeface="Arial" panose="020B0604020202020204" pitchFamily="34" charset="0"/>
+              </a:rPr>
+              <a:t>C#</a:t>
+            </a:r>
+          </a:p>
+          <a:p>
+            <a:r>
+              <a:rPr lang="hu-HU" dirty="0" err="1">
+                <a:latin typeface="Arial" panose="020B0604020202020204" pitchFamily="34" charset="0"/>
+                <a:cs typeface="Arial" panose="020B0604020202020204" pitchFamily="34" charset="0"/>
+              </a:rPr>
+              <a:t>Github</a:t>
+            </a:r>
+            <a:endParaRPr lang="hu-HU" dirty="0">
+              <a:latin typeface="Arial" panose="020B0604020202020204" pitchFamily="34" charset="0"/>
+              <a:cs typeface="Arial" panose="020B0604020202020204" pitchFamily="34" charset="0"/>
+            </a:endParaRPr>
+          </a:p>
+          <a:p>
+            <a:pPr marL="0" indent="0">
+              <a:buNone/>
+            </a:pPr>
+            <a:endParaRPr lang="hu-HU" dirty="0"/>
+          </a:p>
+        </p:txBody>
+      </p:sp>
+    </p:spTree>
+    <p:extLst>
+      <p:ext uri="{BB962C8B-B14F-4D97-AF65-F5344CB8AC3E}">
+        <p14:creationId xmlns:p14="http://schemas.microsoft.com/office/powerpoint/2010/main" val="3839007272"/>
+      </p:ext>
+    </p:extLst>
+  </p:cSld>
+  <p:clrMapOvr>
+    <a:masterClrMapping/>
+  </p:clrMapOvr>
+</p:sld>
+</file>
+
+<file path=ppt/slides/slide20.xml><?xml version="1.0" encoding="utf-8"?>
 <p:sld xmlns:a="http://schemas.openxmlformats.org/drawingml/2006/main" xmlns:r="http://schemas.openxmlformats.org/officeDocument/2006/relationships" xmlns:p="http://schemas.openxmlformats.org/presentationml/2006/main">
   <p:cSld>
     <p:spTree>
@@ -5534,7 +5172,7 @@
 </p:sld>
 </file>
 
-<file path=ppt/slides/slide24.xml><?xml version="1.0" encoding="utf-8"?>
+<file path=ppt/slides/slide21.xml><?xml version="1.0" encoding="utf-8"?>
 <p:sld xmlns:a="http://schemas.openxmlformats.org/drawingml/2006/main" xmlns:r="http://schemas.openxmlformats.org/officeDocument/2006/relationships" xmlns:p="http://schemas.openxmlformats.org/presentationml/2006/main">
   <p:cSld>
     <p:spTree>
@@ -5671,7 +5309,7 @@
 </p:sld>
 </file>
 
-<file path=ppt/slides/slide25.xml><?xml version="1.0" encoding="utf-8"?>
+<file path=ppt/slides/slide22.xml><?xml version="1.0" encoding="utf-8"?>
 <p:sld xmlns:a="http://schemas.openxmlformats.org/drawingml/2006/main" xmlns:r="http://schemas.openxmlformats.org/officeDocument/2006/relationships" xmlns:p="http://schemas.openxmlformats.org/presentationml/2006/main">
   <p:cSld>
     <p:spTree>
@@ -5771,92 +5409,84 @@
           <a:chExt cx="0" cy="0"/>
         </a:xfrm>
       </p:grpSpPr>
-      <p:sp>
-        <p:nvSpPr>
-          <p:cNvPr id="2" name="Cím 1">
-            <a:extLst>
-              <a:ext uri="{FF2B5EF4-FFF2-40B4-BE49-F238E27FC236}">
-                <a16:creationId xmlns:a16="http://schemas.microsoft.com/office/drawing/2014/main" id="{E8BD1683-6025-4D8A-995A-24640EE71EAF}"/>
-              </a:ext>
-            </a:extLst>
-          </p:cNvPr>
-          <p:cNvSpPr>
-            <a:spLocks noGrp="1"/>
-          </p:cNvSpPr>
-          <p:nvPr>
-            <p:ph type="title"/>
-          </p:nvPr>
-        </p:nvSpPr>
-        <p:spPr/>
-        <p:txBody>
-          <a:bodyPr/>
-          <a:lstStyle/>
-          <a:p>
-            <a:r>
-              <a:rPr lang="hu-HU" dirty="0"/>
-              <a:t>Alkalmazott technológiák</a:t>
-            </a:r>
-          </a:p>
-        </p:txBody>
-      </p:sp>
-      <p:sp>
-        <p:nvSpPr>
-          <p:cNvPr id="3" name="Tartalom helye 2">
-            <a:extLst>
-              <a:ext uri="{FF2B5EF4-FFF2-40B4-BE49-F238E27FC236}">
-                <a16:creationId xmlns:a16="http://schemas.microsoft.com/office/drawing/2014/main" id="{6FC6239E-8141-4FB7-87F4-88E2EF5C5A6A}"/>
-              </a:ext>
-            </a:extLst>
-          </p:cNvPr>
-          <p:cNvSpPr>
-            <a:spLocks noGrp="1"/>
-          </p:cNvSpPr>
+      <p:pic>
+        <p:nvPicPr>
+          <p:cNvPr id="4" name="Tartalom helye 3" descr="A képen szöveg, képernyőkép, diagram, Betűtípus látható&#10;&#10;Automatikusan generált leírás">
+            <a:extLst>
+              <a:ext uri="{FF2B5EF4-FFF2-40B4-BE49-F238E27FC236}">
+                <a16:creationId xmlns:a16="http://schemas.microsoft.com/office/drawing/2014/main" id="{C4ED2627-62DE-4A52-B4E7-A35D25FE36F9}"/>
+              </a:ext>
+            </a:extLst>
+          </p:cNvPr>
+          <p:cNvPicPr>
+            <a:picLocks noGrp="1"/>
+          </p:cNvPicPr>
           <p:nvPr>
             <p:ph idx="1"/>
           </p:nvPr>
-        </p:nvSpPr>
-        <p:spPr/>
-        <p:txBody>
-          <a:bodyPr/>
-          <a:lstStyle/>
-          <a:p>
-            <a:r>
-              <a:rPr lang="hu-HU" dirty="0"/>
-              <a:t>Php</a:t>
-            </a:r>
-          </a:p>
-          <a:p>
-            <a:r>
-              <a:rPr lang="hu-HU" dirty="0" err="1"/>
-              <a:t>Javascript</a:t>
-            </a:r>
-            <a:endParaRPr lang="hu-HU" dirty="0"/>
-          </a:p>
-          <a:p>
-            <a:r>
-              <a:rPr lang="hu-HU" dirty="0" err="1"/>
-              <a:t>Html</a:t>
-            </a:r>
-            <a:endParaRPr lang="hu-HU" dirty="0"/>
-          </a:p>
-          <a:p>
-            <a:r>
-              <a:rPr lang="hu-HU" dirty="0"/>
-              <a:t>C#</a:t>
-            </a:r>
-          </a:p>
-          <a:p>
-            <a:pPr marL="0" indent="0">
-              <a:buNone/>
-            </a:pPr>
-            <a:endParaRPr lang="hu-HU" dirty="0"/>
+        </p:nvPicPr>
+        <p:blipFill rotWithShape="1">
+          <a:blip r:embed="rId2">
+            <a:extLst>
+              <a:ext uri="{28A0092B-C50C-407E-A947-70E740481C1C}">
+                <a14:useLocalDpi xmlns:a14="http://schemas.microsoft.com/office/drawing/2010/main" val="0"/>
+              </a:ext>
+            </a:extLst>
+          </a:blip>
+          <a:srcRect l="814" t="3230" r="1629" b="4390"/>
+          <a:stretch/>
+        </p:blipFill>
+        <p:spPr>
+          <a:xfrm>
+            <a:off x="482366" y="183509"/>
+            <a:ext cx="11227267" cy="6490982"/>
+          </a:xfrm>
+          <a:prstGeom prst="rect">
+            <a:avLst/>
+          </a:prstGeom>
+        </p:spPr>
+      </p:pic>
+      <p:sp>
+        <p:nvSpPr>
+          <p:cNvPr id="3" name="Szövegdoboz 2">
+            <a:extLst>
+              <a:ext uri="{FF2B5EF4-FFF2-40B4-BE49-F238E27FC236}">
+                <a16:creationId xmlns:a16="http://schemas.microsoft.com/office/drawing/2014/main" id="{F8D61D25-A86C-407E-B6D8-2F99BBC5A9B2}"/>
+              </a:ext>
+            </a:extLst>
+          </p:cNvPr>
+          <p:cNvSpPr txBox="1"/>
+          <p:nvPr/>
+        </p:nvSpPr>
+        <p:spPr>
+          <a:xfrm>
+            <a:off x="658535" y="5468697"/>
+            <a:ext cx="3301069" cy="707886"/>
+          </a:xfrm>
+          <a:prstGeom prst="rect">
+            <a:avLst/>
+          </a:prstGeom>
+          <a:noFill/>
+        </p:spPr>
+        <p:txBody>
+          <a:bodyPr wrap="square" rtlCol="0">
+            <a:spAutoFit/>
+          </a:bodyPr>
+          <a:lstStyle/>
+          <a:p>
+            <a:r>
+              <a:rPr lang="hu-HU" sz="4000" dirty="0">
+                <a:latin typeface="Arial Black" panose="020B0A04020102020204" pitchFamily="34" charset="0"/>
+              </a:rPr>
+              <a:t>Adatbázis</a:t>
+            </a:r>
           </a:p>
         </p:txBody>
       </p:sp>
     </p:spTree>
     <p:extLst>
       <p:ext uri="{BB962C8B-B14F-4D97-AF65-F5344CB8AC3E}">
-        <p14:creationId xmlns:p14="http://schemas.microsoft.com/office/powerpoint/2010/main" val="3839007272"/>
+        <p14:creationId xmlns:p14="http://schemas.microsoft.com/office/powerpoint/2010/main" val="3786986903"/>
       </p:ext>
     </p:extLst>
   </p:cSld>
@@ -5888,7 +5518,7 @@
           <p:cNvPr id="2" name="Cím 1">
             <a:extLst>
               <a:ext uri="{FF2B5EF4-FFF2-40B4-BE49-F238E27FC236}">
-                <a16:creationId xmlns:a16="http://schemas.microsoft.com/office/drawing/2014/main" id="{3165093F-08B8-4D83-9440-95DE7F0B7E76}"/>
+                <a16:creationId xmlns:a16="http://schemas.microsoft.com/office/drawing/2014/main" id="{45148F8A-7A93-4D36-9AAA-0281FA708C83}"/>
               </a:ext>
             </a:extLst>
           </p:cNvPr>
@@ -5907,54 +5537,541 @@
           <a:lstStyle/>
           <a:p>
             <a:r>
-              <a:rPr lang="hu-HU" dirty="0"/>
-              <a:t>Adatbázis </a:t>
-            </a:r>
-          </a:p>
-        </p:txBody>
-      </p:sp>
-      <p:pic>
-        <p:nvPicPr>
-          <p:cNvPr id="4" name="Tartalom helye 3" descr="A képen szöveg, képernyőkép, diagram, Betűtípus látható&#10;&#10;Automatikusan generált leírás">
-            <a:extLst>
-              <a:ext uri="{FF2B5EF4-FFF2-40B4-BE49-F238E27FC236}">
-                <a16:creationId xmlns:a16="http://schemas.microsoft.com/office/drawing/2014/main" id="{C4ED2627-62DE-4A52-B4E7-A35D25FE36F9}"/>
-              </a:ext>
-            </a:extLst>
-          </p:cNvPr>
-          <p:cNvPicPr>
-            <a:picLocks noGrp="1"/>
-          </p:cNvPicPr>
+              <a:rPr lang="hu-HU" sz="4000" dirty="0">
+                <a:latin typeface="Arial Black" panose="020B0A04020102020204" pitchFamily="34" charset="0"/>
+              </a:rPr>
+              <a:t>Szerepkörök</a:t>
+            </a:r>
+          </a:p>
+        </p:txBody>
+      </p:sp>
+      <p:sp>
+        <p:nvSpPr>
+          <p:cNvPr id="3" name="Tartalom helye 2">
+            <a:extLst>
+              <a:ext uri="{FF2B5EF4-FFF2-40B4-BE49-F238E27FC236}">
+                <a16:creationId xmlns:a16="http://schemas.microsoft.com/office/drawing/2014/main" id="{6537E161-05D5-4345-BBAC-55740C91E404}"/>
+              </a:ext>
+            </a:extLst>
+          </p:cNvPr>
+          <p:cNvSpPr>
+            <a:spLocks noGrp="1"/>
+          </p:cNvSpPr>
           <p:nvPr>
             <p:ph idx="1"/>
           </p:nvPr>
-        </p:nvPicPr>
-        <p:blipFill>
-          <a:blip r:embed="rId2">
-            <a:extLst>
-              <a:ext uri="{28A0092B-C50C-407E-A947-70E740481C1C}">
-                <a14:useLocalDpi xmlns:a14="http://schemas.microsoft.com/office/drawing/2010/main" val="0"/>
-              </a:ext>
-            </a:extLst>
-          </a:blip>
-          <a:stretch>
-            <a:fillRect/>
-          </a:stretch>
-        </p:blipFill>
+        </p:nvSpPr>
+        <p:spPr/>
+        <p:txBody>
+          <a:bodyPr/>
+          <a:lstStyle/>
+          <a:p>
+            <a:pPr lvl="1"/>
+            <a:endParaRPr lang="hu-HU" dirty="0"/>
+          </a:p>
+          <a:p>
+            <a:pPr lvl="1"/>
+            <a:endParaRPr lang="hu-HU" dirty="0"/>
+          </a:p>
+          <a:p>
+            <a:pPr lvl="1"/>
+            <a:endParaRPr lang="hu-HU" dirty="0"/>
+          </a:p>
+          <a:p>
+            <a:pPr lvl="1"/>
+            <a:endParaRPr lang="hu-HU" dirty="0"/>
+          </a:p>
+          <a:p>
+            <a:pPr lvl="1"/>
+            <a:endParaRPr lang="hu-HU" dirty="0"/>
+          </a:p>
+          <a:p>
+            <a:pPr lvl="1"/>
+            <a:endParaRPr lang="hu-HU" dirty="0"/>
+          </a:p>
+        </p:txBody>
+      </p:sp>
+      <p:sp>
+        <p:nvSpPr>
+          <p:cNvPr id="5" name="Téglalap: lekerekített 4">
+            <a:extLst>
+              <a:ext uri="{FF2B5EF4-FFF2-40B4-BE49-F238E27FC236}">
+                <a16:creationId xmlns:a16="http://schemas.microsoft.com/office/drawing/2014/main" id="{4A7D68F2-0C65-4749-83D2-0AD40C5B9AFB}"/>
+              </a:ext>
+            </a:extLst>
+          </p:cNvPr>
+          <p:cNvSpPr/>
+          <p:nvPr/>
+        </p:nvSpPr>
         <p:spPr>
           <a:xfrm>
-            <a:off x="1881853" y="1186015"/>
-            <a:ext cx="8428293" cy="5306860"/>
+            <a:off x="2869382" y="1899048"/>
+            <a:ext cx="6453235" cy="1738312"/>
+          </a:xfrm>
+          <a:prstGeom prst="roundRect">
+            <a:avLst/>
+          </a:prstGeom>
+          <a:solidFill>
+            <a:schemeClr val="accent4">
+              <a:lumMod val="20000"/>
+              <a:lumOff val="80000"/>
+            </a:schemeClr>
+          </a:solidFill>
+          <a:ln>
+            <a:solidFill>
+              <a:schemeClr val="accent4">
+                <a:lumMod val="75000"/>
+              </a:schemeClr>
+            </a:solidFill>
+          </a:ln>
+        </p:spPr>
+        <p:style>
+          <a:lnRef idx="2">
+            <a:schemeClr val="accent5">
+              <a:shade val="50000"/>
+            </a:schemeClr>
+          </a:lnRef>
+          <a:fillRef idx="1">
+            <a:schemeClr val="accent5"/>
+          </a:fillRef>
+          <a:effectRef idx="0">
+            <a:schemeClr val="accent5"/>
+          </a:effectRef>
+          <a:fontRef idx="minor">
+            <a:schemeClr val="lt1"/>
+          </a:fontRef>
+        </p:style>
+        <p:txBody>
+          <a:bodyPr rtlCol="0" anchor="ctr"/>
+          <a:lstStyle/>
+          <a:p>
+            <a:pPr algn="ctr"/>
+            <a:endParaRPr lang="hu-HU" dirty="0"/>
+          </a:p>
+        </p:txBody>
+      </p:sp>
+      <p:sp>
+        <p:nvSpPr>
+          <p:cNvPr id="6" name="Téglalap: lekerekített 5">
+            <a:extLst>
+              <a:ext uri="{FF2B5EF4-FFF2-40B4-BE49-F238E27FC236}">
+                <a16:creationId xmlns:a16="http://schemas.microsoft.com/office/drawing/2014/main" id="{CAADDF86-BD9D-4138-9943-0F9FC9D3D3C1}"/>
+              </a:ext>
+            </a:extLst>
+          </p:cNvPr>
+          <p:cNvSpPr/>
+          <p:nvPr/>
+        </p:nvSpPr>
+        <p:spPr>
+          <a:xfrm>
+            <a:off x="4057472" y="3855189"/>
+            <a:ext cx="4077053" cy="1738312"/>
+          </a:xfrm>
+          <a:prstGeom prst="roundRect">
+            <a:avLst/>
+          </a:prstGeom>
+          <a:solidFill>
+            <a:schemeClr val="accent2">
+              <a:lumMod val="40000"/>
+              <a:lumOff val="60000"/>
+            </a:schemeClr>
+          </a:solidFill>
+          <a:ln>
+            <a:solidFill>
+              <a:schemeClr val="accent2">
+                <a:lumMod val="50000"/>
+              </a:schemeClr>
+            </a:solidFill>
+          </a:ln>
+        </p:spPr>
+        <p:style>
+          <a:lnRef idx="2">
+            <a:schemeClr val="accent1">
+              <a:shade val="50000"/>
+            </a:schemeClr>
+          </a:lnRef>
+          <a:fillRef idx="1">
+            <a:schemeClr val="accent1"/>
+          </a:fillRef>
+          <a:effectRef idx="0">
+            <a:schemeClr val="accent1"/>
+          </a:effectRef>
+          <a:fontRef idx="minor">
+            <a:schemeClr val="lt1"/>
+          </a:fontRef>
+        </p:style>
+        <p:txBody>
+          <a:bodyPr rtlCol="0" anchor="ctr"/>
+          <a:lstStyle/>
+          <a:p>
+            <a:pPr algn="ctr"/>
+            <a:endParaRPr lang="hu-HU"/>
+          </a:p>
+        </p:txBody>
+      </p:sp>
+      <p:sp>
+        <p:nvSpPr>
+          <p:cNvPr id="7" name="Téglalap: lekerekített 6">
+            <a:extLst>
+              <a:ext uri="{FF2B5EF4-FFF2-40B4-BE49-F238E27FC236}">
+                <a16:creationId xmlns:a16="http://schemas.microsoft.com/office/drawing/2014/main" id="{B4A2AC77-0DB7-4D43-9437-86A5F63E47C2}"/>
+              </a:ext>
+            </a:extLst>
+          </p:cNvPr>
+          <p:cNvSpPr/>
+          <p:nvPr/>
+        </p:nvSpPr>
+        <p:spPr>
+          <a:xfrm>
+            <a:off x="3355595" y="2379834"/>
+            <a:ext cx="2382474" cy="973144"/>
+          </a:xfrm>
+          <a:prstGeom prst="roundRect">
+            <a:avLst/>
+          </a:prstGeom>
+          <a:solidFill>
+            <a:schemeClr val="accent5">
+              <a:lumMod val="40000"/>
+              <a:lumOff val="60000"/>
+            </a:schemeClr>
+          </a:solidFill>
+        </p:spPr>
+        <p:style>
+          <a:lnRef idx="2">
+            <a:schemeClr val="accent1">
+              <a:shade val="50000"/>
+            </a:schemeClr>
+          </a:lnRef>
+          <a:fillRef idx="1">
+            <a:schemeClr val="accent1"/>
+          </a:fillRef>
+          <a:effectRef idx="0">
+            <a:schemeClr val="accent1"/>
+          </a:effectRef>
+          <a:fontRef idx="minor">
+            <a:schemeClr val="lt1"/>
+          </a:fontRef>
+        </p:style>
+        <p:txBody>
+          <a:bodyPr rtlCol="0" anchor="ctr"/>
+          <a:lstStyle/>
+          <a:p>
+            <a:pPr algn="ctr"/>
+            <a:endParaRPr lang="hu-HU"/>
+          </a:p>
+        </p:txBody>
+      </p:sp>
+      <p:sp>
+        <p:nvSpPr>
+          <p:cNvPr id="8" name="Téglalap: lekerekített 7">
+            <a:extLst>
+              <a:ext uri="{FF2B5EF4-FFF2-40B4-BE49-F238E27FC236}">
+                <a16:creationId xmlns:a16="http://schemas.microsoft.com/office/drawing/2014/main" id="{FE3D3E07-5C1B-4DF5-B14F-7F6DB080E8E9}"/>
+              </a:ext>
+            </a:extLst>
+          </p:cNvPr>
+          <p:cNvSpPr/>
+          <p:nvPr/>
+        </p:nvSpPr>
+        <p:spPr>
+          <a:xfrm>
+            <a:off x="6453932" y="2379823"/>
+            <a:ext cx="2457974" cy="973145"/>
+          </a:xfrm>
+          <a:prstGeom prst="roundRect">
+            <a:avLst/>
+          </a:prstGeom>
+          <a:solidFill>
+            <a:schemeClr val="accent5">
+              <a:lumMod val="40000"/>
+              <a:lumOff val="60000"/>
+            </a:schemeClr>
+          </a:solidFill>
+        </p:spPr>
+        <p:style>
+          <a:lnRef idx="2">
+            <a:schemeClr val="accent1">
+              <a:shade val="50000"/>
+            </a:schemeClr>
+          </a:lnRef>
+          <a:fillRef idx="1">
+            <a:schemeClr val="accent1"/>
+          </a:fillRef>
+          <a:effectRef idx="0">
+            <a:schemeClr val="accent1"/>
+          </a:effectRef>
+          <a:fontRef idx="minor">
+            <a:schemeClr val="lt1"/>
+          </a:fontRef>
+        </p:style>
+        <p:txBody>
+          <a:bodyPr rtlCol="0" anchor="ctr"/>
+          <a:lstStyle/>
+          <a:p>
+            <a:pPr algn="ctr"/>
+            <a:endParaRPr lang="hu-HU"/>
+          </a:p>
+        </p:txBody>
+      </p:sp>
+      <p:sp>
+        <p:nvSpPr>
+          <p:cNvPr id="9" name="Téglalap: lekerekített 8">
+            <a:extLst>
+              <a:ext uri="{FF2B5EF4-FFF2-40B4-BE49-F238E27FC236}">
+                <a16:creationId xmlns:a16="http://schemas.microsoft.com/office/drawing/2014/main" id="{B2A8DA10-86A3-4324-9472-99F2EAAB8E46}"/>
+              </a:ext>
+            </a:extLst>
+          </p:cNvPr>
+          <p:cNvSpPr/>
+          <p:nvPr/>
+        </p:nvSpPr>
+        <p:spPr>
+          <a:xfrm>
+            <a:off x="4867011" y="4390538"/>
+            <a:ext cx="2457974" cy="973145"/>
+          </a:xfrm>
+          <a:prstGeom prst="roundRect">
+            <a:avLst/>
+          </a:prstGeom>
+          <a:solidFill>
+            <a:schemeClr val="accent5">
+              <a:lumMod val="40000"/>
+              <a:lumOff val="60000"/>
+            </a:schemeClr>
+          </a:solidFill>
+        </p:spPr>
+        <p:style>
+          <a:lnRef idx="2">
+            <a:schemeClr val="accent1">
+              <a:shade val="50000"/>
+            </a:schemeClr>
+          </a:lnRef>
+          <a:fillRef idx="1">
+            <a:schemeClr val="accent1"/>
+          </a:fillRef>
+          <a:effectRef idx="0">
+            <a:schemeClr val="accent1"/>
+          </a:effectRef>
+          <a:fontRef idx="minor">
+            <a:schemeClr val="lt1"/>
+          </a:fontRef>
+        </p:style>
+        <p:txBody>
+          <a:bodyPr rtlCol="0" anchor="ctr"/>
+          <a:lstStyle/>
+          <a:p>
+            <a:pPr algn="ctr"/>
+            <a:endParaRPr lang="hu-HU"/>
+          </a:p>
+        </p:txBody>
+      </p:sp>
+      <p:sp>
+        <p:nvSpPr>
+          <p:cNvPr id="10" name="Szövegdoboz 9">
+            <a:extLst>
+              <a:ext uri="{FF2B5EF4-FFF2-40B4-BE49-F238E27FC236}">
+                <a16:creationId xmlns:a16="http://schemas.microsoft.com/office/drawing/2014/main" id="{E65145A5-42A1-4FC1-B7EC-D6AA6A291CAC}"/>
+              </a:ext>
+            </a:extLst>
+          </p:cNvPr>
+          <p:cNvSpPr txBox="1"/>
+          <p:nvPr/>
+        </p:nvSpPr>
+        <p:spPr>
+          <a:xfrm>
+            <a:off x="5399625" y="1950900"/>
+            <a:ext cx="1392746" cy="400110"/>
           </a:xfrm>
           <a:prstGeom prst="rect">
             <a:avLst/>
           </a:prstGeom>
+          <a:noFill/>
         </p:spPr>
-      </p:pic>
+        <p:txBody>
+          <a:bodyPr wrap="square" rtlCol="0">
+            <a:spAutoFit/>
+          </a:bodyPr>
+          <a:lstStyle/>
+          <a:p>
+            <a:pPr algn="ctr"/>
+            <a:r>
+              <a:rPr lang="hu-HU" sz="2000" dirty="0">
+                <a:latin typeface="Arial" panose="020B0604020202020204" pitchFamily="34" charset="0"/>
+                <a:cs typeface="Arial" panose="020B0604020202020204" pitchFamily="34" charset="0"/>
+              </a:rPr>
+              <a:t>Weboldal</a:t>
+            </a:r>
+            <a:endParaRPr lang="hu-HU" dirty="0">
+              <a:latin typeface="Arial" panose="020B0604020202020204" pitchFamily="34" charset="0"/>
+              <a:cs typeface="Arial" panose="020B0604020202020204" pitchFamily="34" charset="0"/>
+            </a:endParaRPr>
+          </a:p>
+        </p:txBody>
+      </p:sp>
+      <p:sp>
+        <p:nvSpPr>
+          <p:cNvPr id="11" name="Szövegdoboz 10">
+            <a:extLst>
+              <a:ext uri="{FF2B5EF4-FFF2-40B4-BE49-F238E27FC236}">
+                <a16:creationId xmlns:a16="http://schemas.microsoft.com/office/drawing/2014/main" id="{86E6606C-0451-48DD-B674-5920EA9B1C70}"/>
+              </a:ext>
+            </a:extLst>
+          </p:cNvPr>
+          <p:cNvSpPr txBox="1"/>
+          <p:nvPr/>
+        </p:nvSpPr>
+        <p:spPr>
+          <a:xfrm>
+            <a:off x="4867011" y="3922809"/>
+            <a:ext cx="2457974" cy="400110"/>
+          </a:xfrm>
+          <a:prstGeom prst="rect">
+            <a:avLst/>
+          </a:prstGeom>
+          <a:noFill/>
+        </p:spPr>
+        <p:txBody>
+          <a:bodyPr wrap="square" rtlCol="0">
+            <a:spAutoFit/>
+          </a:bodyPr>
+          <a:lstStyle/>
+          <a:p>
+            <a:pPr algn="ctr"/>
+            <a:r>
+              <a:rPr lang="hu-HU" sz="2000" dirty="0">
+                <a:latin typeface="Arial" panose="020B0604020202020204" pitchFamily="34" charset="0"/>
+                <a:cs typeface="Arial" panose="020B0604020202020204" pitchFamily="34" charset="0"/>
+              </a:rPr>
+              <a:t>Asztali alkalmazás</a:t>
+            </a:r>
+            <a:endParaRPr lang="hu-HU" dirty="0">
+              <a:latin typeface="Arial" panose="020B0604020202020204" pitchFamily="34" charset="0"/>
+              <a:cs typeface="Arial" panose="020B0604020202020204" pitchFamily="34" charset="0"/>
+            </a:endParaRPr>
+          </a:p>
+        </p:txBody>
+      </p:sp>
+      <p:sp>
+        <p:nvSpPr>
+          <p:cNvPr id="12" name="Szövegdoboz 11">
+            <a:extLst>
+              <a:ext uri="{FF2B5EF4-FFF2-40B4-BE49-F238E27FC236}">
+                <a16:creationId xmlns:a16="http://schemas.microsoft.com/office/drawing/2014/main" id="{652ED368-32AD-4882-A0FA-605BCC8835DC}"/>
+              </a:ext>
+            </a:extLst>
+          </p:cNvPr>
+          <p:cNvSpPr txBox="1"/>
+          <p:nvPr/>
+        </p:nvSpPr>
+        <p:spPr>
+          <a:xfrm>
+            <a:off x="3841287" y="2543229"/>
+            <a:ext cx="1392746" cy="646331"/>
+          </a:xfrm>
+          <a:prstGeom prst="rect">
+            <a:avLst/>
+          </a:prstGeom>
+          <a:noFill/>
+        </p:spPr>
+        <p:txBody>
+          <a:bodyPr wrap="square" rtlCol="0">
+            <a:spAutoFit/>
+          </a:bodyPr>
+          <a:lstStyle/>
+          <a:p>
+            <a:pPr algn="ctr"/>
+            <a:r>
+              <a:rPr lang="hu-HU" dirty="0">
+                <a:latin typeface="Arial" panose="020B0604020202020204" pitchFamily="34" charset="0"/>
+                <a:cs typeface="Arial" panose="020B0604020202020204" pitchFamily="34" charset="0"/>
+              </a:rPr>
+              <a:t>Regisztrált felhasználó</a:t>
+            </a:r>
+          </a:p>
+        </p:txBody>
+      </p:sp>
+      <p:sp>
+        <p:nvSpPr>
+          <p:cNvPr id="13" name="Szövegdoboz 12">
+            <a:extLst>
+              <a:ext uri="{FF2B5EF4-FFF2-40B4-BE49-F238E27FC236}">
+                <a16:creationId xmlns:a16="http://schemas.microsoft.com/office/drawing/2014/main" id="{D701822D-94BE-475D-B91D-2F57910EC2C9}"/>
+              </a:ext>
+            </a:extLst>
+          </p:cNvPr>
+          <p:cNvSpPr txBox="1"/>
+          <p:nvPr/>
+        </p:nvSpPr>
+        <p:spPr>
+          <a:xfrm>
+            <a:off x="6986546" y="2666340"/>
+            <a:ext cx="1392746" cy="369332"/>
+          </a:xfrm>
+          <a:prstGeom prst="rect">
+            <a:avLst/>
+          </a:prstGeom>
+          <a:noFill/>
+        </p:spPr>
+        <p:txBody>
+          <a:bodyPr wrap="square" rtlCol="0">
+            <a:spAutoFit/>
+          </a:bodyPr>
+          <a:lstStyle/>
+          <a:p>
+            <a:pPr algn="ctr"/>
+            <a:r>
+              <a:rPr lang="hu-HU" dirty="0">
+                <a:latin typeface="Arial" panose="020B0604020202020204" pitchFamily="34" charset="0"/>
+                <a:cs typeface="Arial" panose="020B0604020202020204" pitchFamily="34" charset="0"/>
+              </a:rPr>
+              <a:t>Látogató</a:t>
+            </a:r>
+          </a:p>
+        </p:txBody>
+      </p:sp>
+      <p:sp>
+        <p:nvSpPr>
+          <p:cNvPr id="14" name="Szövegdoboz 13">
+            <a:extLst>
+              <a:ext uri="{FF2B5EF4-FFF2-40B4-BE49-F238E27FC236}">
+                <a16:creationId xmlns:a16="http://schemas.microsoft.com/office/drawing/2014/main" id="{0002A7B2-3F09-44A3-8545-5FB2A5CC7E2B}"/>
+              </a:ext>
+            </a:extLst>
+          </p:cNvPr>
+          <p:cNvSpPr txBox="1"/>
+          <p:nvPr/>
+        </p:nvSpPr>
+        <p:spPr>
+          <a:xfrm>
+            <a:off x="5253646" y="4692444"/>
+            <a:ext cx="1684704" cy="369332"/>
+          </a:xfrm>
+          <a:prstGeom prst="rect">
+            <a:avLst/>
+          </a:prstGeom>
+          <a:noFill/>
+        </p:spPr>
+        <p:txBody>
+          <a:bodyPr wrap="square" rtlCol="0">
+            <a:spAutoFit/>
+          </a:bodyPr>
+          <a:lstStyle/>
+          <a:p>
+            <a:pPr algn="ctr"/>
+            <a:r>
+              <a:rPr lang="hu-HU" dirty="0">
+                <a:latin typeface="Arial" panose="020B0604020202020204" pitchFamily="34" charset="0"/>
+                <a:cs typeface="Arial" panose="020B0604020202020204" pitchFamily="34" charset="0"/>
+              </a:rPr>
+              <a:t>Adminisztrátor</a:t>
+            </a:r>
+          </a:p>
+        </p:txBody>
+      </p:sp>
     </p:spTree>
     <p:extLst>
       <p:ext uri="{BB962C8B-B14F-4D97-AF65-F5344CB8AC3E}">
-        <p14:creationId xmlns:p14="http://schemas.microsoft.com/office/powerpoint/2010/main" val="3786986903"/>
+        <p14:creationId xmlns:p14="http://schemas.microsoft.com/office/powerpoint/2010/main" val="3128913938"/>
       </p:ext>
     </p:extLst>
   </p:cSld>
@@ -5986,7 +6103,7 @@
           <p:cNvPr id="2" name="Cím 1">
             <a:extLst>
               <a:ext uri="{FF2B5EF4-FFF2-40B4-BE49-F238E27FC236}">
-                <a16:creationId xmlns:a16="http://schemas.microsoft.com/office/drawing/2014/main" id="{45148F8A-7A93-4D36-9AAA-0281FA708C83}"/>
+                <a16:creationId xmlns:a16="http://schemas.microsoft.com/office/drawing/2014/main" id="{BE8E6C69-C960-4B60-A9A7-EE36B4F3FAD3}"/>
               </a:ext>
             </a:extLst>
           </p:cNvPr>
@@ -6003,13 +6120,14 @@
           <a:lstStyle/>
           <a:p>
             <a:r>
-              <a:rPr lang="hu-HU" dirty="0">
-                <a:solidFill>
-                  <a:schemeClr val="accent6"/>
-                </a:solidFill>
+              <a:rPr lang="hu-HU" sz="4000" dirty="0">
+                <a:latin typeface="Arial Black" panose="020B0A04020102020204" pitchFamily="34" charset="0"/>
               </a:rPr>
-              <a:t>Szerepkörök</a:t>
-            </a:r>
+              <a:t>Weboldal</a:t>
+            </a:r>
+            <a:endParaRPr lang="hu-HU" dirty="0">
+              <a:latin typeface="Arial Black" panose="020B0A04020102020204" pitchFamily="34" charset="0"/>
+            </a:endParaRPr>
           </a:p>
         </p:txBody>
       </p:sp>
@@ -6018,7 +6136,7 @@
           <p:cNvPr id="3" name="Tartalom helye 2">
             <a:extLst>
               <a:ext uri="{FF2B5EF4-FFF2-40B4-BE49-F238E27FC236}">
-                <a16:creationId xmlns:a16="http://schemas.microsoft.com/office/drawing/2014/main" id="{6537E161-05D5-4345-BBAC-55740C91E404}"/>
+                <a16:creationId xmlns:a16="http://schemas.microsoft.com/office/drawing/2014/main" id="{2DCABF1C-7751-4804-ADBD-3839A7984FAC}"/>
               </a:ext>
             </a:extLst>
           </p:cNvPr>
@@ -6029,65 +6147,91 @@
             <p:ph idx="1"/>
           </p:nvPr>
         </p:nvSpPr>
-        <p:spPr/>
-        <p:txBody>
-          <a:bodyPr/>
-          <a:lstStyle/>
-          <a:p>
-            <a:r>
-              <a:rPr lang="hu-HU" dirty="0"/>
-              <a:t>Webes felület:</a:t>
-            </a:r>
-          </a:p>
-          <a:p>
-            <a:pPr lvl="1"/>
-            <a:r>
-              <a:rPr lang="hu-HU" dirty="0"/>
-              <a:t>Látogató</a:t>
-            </a:r>
-          </a:p>
-          <a:p>
-            <a:pPr lvl="1"/>
-            <a:r>
-              <a:rPr lang="hu-HU" dirty="0"/>
-              <a:t>Regisztrált felhasználó</a:t>
-            </a:r>
-          </a:p>
-          <a:p>
-            <a:r>
-              <a:rPr lang="hu-HU" dirty="0"/>
-              <a:t>Asztali alkalmazás:</a:t>
-            </a:r>
-          </a:p>
-          <a:p>
-            <a:pPr lvl="1"/>
-            <a:r>
-              <a:rPr lang="hu-HU" dirty="0"/>
-              <a:t>Adminisztrátor</a:t>
-            </a:r>
-          </a:p>
-          <a:p>
-            <a:pPr lvl="1"/>
+        <p:spPr>
+          <a:xfrm>
+            <a:off x="838200" y="1879133"/>
+            <a:ext cx="10515600" cy="4297829"/>
+          </a:xfrm>
+        </p:spPr>
+        <p:txBody>
+          <a:bodyPr/>
+          <a:lstStyle/>
+          <a:p>
+            <a:r>
+              <a:rPr lang="hu-HU" sz="2400" dirty="0">
+                <a:latin typeface="Arial" panose="020B0604020202020204" pitchFamily="34" charset="0"/>
+                <a:cs typeface="Arial" panose="020B0604020202020204" pitchFamily="34" charset="0"/>
+              </a:rPr>
+              <a:t>Reszponzív</a:t>
+            </a:r>
+          </a:p>
+          <a:p>
+            <a:r>
+              <a:rPr lang="hu-HU" sz="2400" dirty="0">
+                <a:latin typeface="Arial" panose="020B0604020202020204" pitchFamily="34" charset="0"/>
+                <a:cs typeface="Arial" panose="020B0604020202020204" pitchFamily="34" charset="0"/>
+              </a:rPr>
+              <a:t>Felhasználóbarát</a:t>
+            </a:r>
+          </a:p>
+          <a:p>
+            <a:r>
+              <a:rPr lang="hu-HU" sz="2400" dirty="0">
+                <a:latin typeface="Arial" panose="020B0604020202020204" pitchFamily="34" charset="0"/>
+                <a:cs typeface="Arial" panose="020B0604020202020204" pitchFamily="34" charset="0"/>
+              </a:rPr>
+              <a:t>Regisztráció</a:t>
+            </a:r>
+          </a:p>
+          <a:p>
+            <a:r>
+              <a:rPr lang="hu-HU" sz="2400" dirty="0">
+                <a:latin typeface="Arial" panose="020B0604020202020204" pitchFamily="34" charset="0"/>
+                <a:cs typeface="Arial" panose="020B0604020202020204" pitchFamily="34" charset="0"/>
+              </a:rPr>
+              <a:t>Bejelentkezés</a:t>
+            </a:r>
+          </a:p>
+          <a:p>
+            <a:r>
+              <a:rPr lang="hu-HU" sz="2400" dirty="0">
+                <a:latin typeface="Arial" panose="020B0604020202020204" pitchFamily="34" charset="0"/>
+                <a:cs typeface="Arial" panose="020B0604020202020204" pitchFamily="34" charset="0"/>
+              </a:rPr>
+              <a:t>Kijelentkezés</a:t>
+            </a:r>
+          </a:p>
+          <a:p>
+            <a:r>
+              <a:rPr lang="hu-HU" sz="2400" dirty="0">
+                <a:latin typeface="Arial" panose="020B0604020202020204" pitchFamily="34" charset="0"/>
+                <a:cs typeface="Arial" panose="020B0604020202020204" pitchFamily="34" charset="0"/>
+              </a:rPr>
+              <a:t>Rendelés</a:t>
+            </a:r>
+          </a:p>
+          <a:p>
+            <a:r>
+              <a:rPr lang="hu-HU" sz="2400" dirty="0">
+                <a:latin typeface="Arial" panose="020B0604020202020204" pitchFamily="34" charset="0"/>
+                <a:cs typeface="Arial" panose="020B0604020202020204" pitchFamily="34" charset="0"/>
+              </a:rPr>
+              <a:t>Keresés/szűrés</a:t>
+            </a:r>
+          </a:p>
+          <a:p>
+            <a:r>
+              <a:rPr lang="hu-HU" sz="2400" dirty="0">
+                <a:latin typeface="Arial" panose="020B0604020202020204" pitchFamily="34" charset="0"/>
+                <a:cs typeface="Arial" panose="020B0604020202020204" pitchFamily="34" charset="0"/>
+              </a:rPr>
+              <a:t>Téma váltás</a:t>
+            </a:r>
+          </a:p>
+          <a:p>
             <a:endParaRPr lang="hu-HU" dirty="0"/>
           </a:p>
           <a:p>
-            <a:pPr lvl="1"/>
-            <a:endParaRPr lang="hu-HU" dirty="0"/>
-          </a:p>
-          <a:p>
-            <a:pPr lvl="1"/>
-            <a:endParaRPr lang="hu-HU" dirty="0"/>
-          </a:p>
-          <a:p>
-            <a:pPr lvl="1"/>
-            <a:endParaRPr lang="hu-HU" dirty="0"/>
-          </a:p>
-          <a:p>
-            <a:pPr lvl="1"/>
-            <a:endParaRPr lang="hu-HU" dirty="0"/>
-          </a:p>
-          <a:p>
-            <a:pPr lvl="1"/>
             <a:endParaRPr lang="hu-HU" dirty="0"/>
           </a:p>
         </p:txBody>
@@ -6095,7 +6239,7 @@
     </p:spTree>
     <p:extLst>
       <p:ext uri="{BB962C8B-B14F-4D97-AF65-F5344CB8AC3E}">
-        <p14:creationId xmlns:p14="http://schemas.microsoft.com/office/powerpoint/2010/main" val="3128913938"/>
+        <p14:creationId xmlns:p14="http://schemas.microsoft.com/office/powerpoint/2010/main" val="3309839220"/>
       </p:ext>
     </p:extLst>
   </p:cSld>
@@ -6127,7 +6271,7 @@
           <p:cNvPr id="2" name="Cím 1">
             <a:extLst>
               <a:ext uri="{FF2B5EF4-FFF2-40B4-BE49-F238E27FC236}">
-                <a16:creationId xmlns:a16="http://schemas.microsoft.com/office/drawing/2014/main" id="{BE8E6C69-C960-4B60-A9A7-EE36B4F3FAD3}"/>
+                <a16:creationId xmlns:a16="http://schemas.microsoft.com/office/drawing/2014/main" id="{F5554E0A-5085-4373-AD47-30CECAC81F10}"/>
               </a:ext>
             </a:extLst>
           </p:cNvPr>
@@ -6136,44 +6280,12 @@
           </p:cNvSpPr>
           <p:nvPr>
             <p:ph type="title"/>
-          </p:nvPr>
-        </p:nvSpPr>
-        <p:spPr/>
-        <p:txBody>
-          <a:bodyPr/>
-          <a:lstStyle/>
-          <a:p>
-            <a:r>
-              <a:rPr lang="hu-HU" dirty="0">
-                <a:solidFill>
-                  <a:srgbClr val="FF0000"/>
-                </a:solidFill>
-              </a:rPr>
-              <a:t>Weboldal</a:t>
-            </a:r>
-          </a:p>
-        </p:txBody>
-      </p:sp>
-      <p:sp>
-        <p:nvSpPr>
-          <p:cNvPr id="3" name="Tartalom helye 2">
-            <a:extLst>
-              <a:ext uri="{FF2B5EF4-FFF2-40B4-BE49-F238E27FC236}">
-                <a16:creationId xmlns:a16="http://schemas.microsoft.com/office/drawing/2014/main" id="{2DCABF1C-7751-4804-ADBD-3839A7984FAC}"/>
-              </a:ext>
-            </a:extLst>
-          </p:cNvPr>
-          <p:cNvSpPr>
-            <a:spLocks noGrp="1"/>
-          </p:cNvSpPr>
-          <p:nvPr>
-            <p:ph idx="1"/>
           </p:nvPr>
         </p:nvSpPr>
         <p:spPr>
           <a:xfrm>
-            <a:off x="838200" y="1825625"/>
-            <a:ext cx="10515600" cy="4351338"/>
+            <a:off x="838200" y="365125"/>
+            <a:ext cx="10515600" cy="1325564"/>
           </a:xfrm>
         </p:spPr>
         <p:txBody>
@@ -6181,31 +6293,99 @@
           <a:lstStyle/>
           <a:p>
             <a:r>
-              <a:rPr lang="hu-HU" dirty="0"/>
-              <a:t>Reszponzív</a:t>
-            </a:r>
-          </a:p>
-          <a:p>
-            <a:r>
-              <a:rPr lang="hu-HU" dirty="0"/>
-              <a:t>Felhasználóbarát</a:t>
-            </a:r>
-          </a:p>
-          <a:p>
-            <a:r>
-              <a:rPr lang="hu-HU" dirty="0"/>
-              <a:t>Megjelenés</a:t>
-            </a:r>
-          </a:p>
-          <a:p>
-            <a:endParaRPr lang="hu-HU" dirty="0"/>
-          </a:p>
-        </p:txBody>
-      </p:sp>
+              <a:rPr lang="hu-HU" sz="4000" dirty="0">
+                <a:latin typeface="Arial Black" panose="020B0A04020102020204" pitchFamily="34" charset="0"/>
+              </a:rPr>
+              <a:t>Főoldal</a:t>
+            </a:r>
+            <a:endParaRPr lang="hu-HU" dirty="0">
+              <a:latin typeface="Arial Black" panose="020B0A04020102020204" pitchFamily="34" charset="0"/>
+            </a:endParaRPr>
+          </a:p>
+        </p:txBody>
+      </p:sp>
+      <p:sp>
+        <p:nvSpPr>
+          <p:cNvPr id="3" name="Tartalom helye 2">
+            <a:extLst>
+              <a:ext uri="{FF2B5EF4-FFF2-40B4-BE49-F238E27FC236}">
+                <a16:creationId xmlns:a16="http://schemas.microsoft.com/office/drawing/2014/main" id="{36125169-3087-4E8E-8A51-33A46E6CA806}"/>
+              </a:ext>
+            </a:extLst>
+          </p:cNvPr>
+          <p:cNvSpPr>
+            <a:spLocks noGrp="1"/>
+          </p:cNvSpPr>
+          <p:nvPr>
+            <p:ph idx="1"/>
+          </p:nvPr>
+        </p:nvSpPr>
+        <p:spPr>
+          <a:xfrm>
+            <a:off x="838200" y="1567104"/>
+            <a:ext cx="10428216" cy="532394"/>
+          </a:xfrm>
+        </p:spPr>
+        <p:txBody>
+          <a:bodyPr>
+            <a:normAutofit/>
+          </a:bodyPr>
+          <a:lstStyle/>
+          <a:p>
+            <a:r>
+              <a:rPr lang="hu-HU" sz="2400" dirty="0">
+                <a:latin typeface="Arial" panose="020B0604020202020204" pitchFamily="34" charset="0"/>
+                <a:cs typeface="Arial" panose="020B0604020202020204" pitchFamily="34" charset="0"/>
+              </a:rPr>
+              <a:t>Termékek megtekintése, navigálás, téma váltás</a:t>
+            </a:r>
+          </a:p>
+        </p:txBody>
+      </p:sp>
+      <p:pic>
+        <p:nvPicPr>
+          <p:cNvPr id="4" name="Kép 3" descr="A képen szöveg, menü, étel látható&#10;&#10;Automatikusan generált leírás">
+            <a:extLst>
+              <a:ext uri="{FF2B5EF4-FFF2-40B4-BE49-F238E27FC236}">
+                <a16:creationId xmlns:a16="http://schemas.microsoft.com/office/drawing/2014/main" id="{E3C22428-8497-418D-8EE4-5869C6173AD2}"/>
+              </a:ext>
+            </a:extLst>
+          </p:cNvPr>
+          <p:cNvPicPr/>
+          <p:nvPr/>
+        </p:nvPicPr>
+        <p:blipFill>
+          <a:blip r:embed="rId2" cstate="print">
+            <a:extLst>
+              <a:ext uri="{28A0092B-C50C-407E-A947-70E740481C1C}">
+                <a14:useLocalDpi xmlns:a14="http://schemas.microsoft.com/office/drawing/2010/main" val="0"/>
+              </a:ext>
+            </a:extLst>
+          </a:blip>
+          <a:stretch>
+            <a:fillRect/>
+          </a:stretch>
+        </p:blipFill>
+        <p:spPr>
+          <a:xfrm>
+            <a:off x="1894754" y="2231706"/>
+            <a:ext cx="8402492" cy="4083370"/>
+          </a:xfrm>
+          <a:prstGeom prst="rect">
+            <a:avLst/>
+          </a:prstGeom>
+          <a:ln>
+            <a:noFill/>
+          </a:ln>
+          <a:effectLst>
+            <a:softEdge rad="31750"/>
+          </a:effectLst>
+        </p:spPr>
+      </p:pic>
     </p:spTree>
     <p:extLst>
       <p:ext uri="{BB962C8B-B14F-4D97-AF65-F5344CB8AC3E}">
-        <p14:creationId xmlns:p14="http://schemas.microsoft.com/office/powerpoint/2010/main" val="3309839220"/>
+        <p14:creationId xmlns:p14="http://schemas.microsoft.com/office/powerpoint/2010/main" val="838556441"/>
       </p:ext>
     </p:extLst>
   </p:cSld>
@@ -6237,7 +6417,7 @@
           <p:cNvPr id="2" name="Cím 1">
             <a:extLst>
               <a:ext uri="{FF2B5EF4-FFF2-40B4-BE49-F238E27FC236}">
-                <a16:creationId xmlns:a16="http://schemas.microsoft.com/office/drawing/2014/main" id="{3983C9D2-658F-4D1A-9954-52AAE70AD1A4}"/>
+                <a16:creationId xmlns:a16="http://schemas.microsoft.com/office/drawing/2014/main" id="{CE46EB06-D8B7-44AD-8A59-0AD4C1BF4DF3}"/>
               </a:ext>
             </a:extLst>
           </p:cNvPr>
@@ -6254,13 +6434,14 @@
           <a:lstStyle/>
           <a:p>
             <a:r>
-              <a:rPr lang="hu-HU" dirty="0">
-                <a:solidFill>
-                  <a:schemeClr val="accent6"/>
-                </a:solidFill>
+              <a:rPr lang="hu-HU" sz="4000" dirty="0">
+                <a:latin typeface="Arial Black" panose="020B0A04020102020204" pitchFamily="34" charset="0"/>
               </a:rPr>
-              <a:t>Kapcsolat az adatbázissal</a:t>
-            </a:r>
+              <a:t>Regisztráció</a:t>
+            </a:r>
+            <a:endParaRPr lang="hu-HU" dirty="0">
+              <a:latin typeface="Arial Black" panose="020B0A04020102020204" pitchFamily="34" charset="0"/>
+            </a:endParaRPr>
           </a:p>
         </p:txBody>
       </p:sp>
@@ -6269,7 +6450,7 @@
           <p:cNvPr id="3" name="Tartalom helye 2">
             <a:extLst>
               <a:ext uri="{FF2B5EF4-FFF2-40B4-BE49-F238E27FC236}">
-                <a16:creationId xmlns:a16="http://schemas.microsoft.com/office/drawing/2014/main" id="{D9F6C606-19D7-477E-8C31-A6A26400E37A}"/>
+                <a16:creationId xmlns:a16="http://schemas.microsoft.com/office/drawing/2014/main" id="{C1732E64-0BAA-4042-B492-A347234B014A}"/>
               </a:ext>
             </a:extLst>
           </p:cNvPr>
@@ -6280,22 +6461,147 @@
             <p:ph idx="1"/>
           </p:nvPr>
         </p:nvSpPr>
-        <p:spPr/>
-        <p:txBody>
-          <a:bodyPr/>
-          <a:lstStyle/>
-          <a:p>
-            <a:r>
-              <a:rPr lang="hu-HU" dirty="0"/>
-              <a:t>PDO</a:t>
-            </a:r>
-          </a:p>
-        </p:txBody>
-      </p:sp>
+        <p:spPr>
+          <a:xfrm>
+            <a:off x="838200" y="1690688"/>
+            <a:ext cx="4086138" cy="4486275"/>
+          </a:xfrm>
+        </p:spPr>
+        <p:txBody>
+          <a:bodyPr>
+            <a:normAutofit/>
+          </a:bodyPr>
+          <a:lstStyle/>
+          <a:p>
+            <a:r>
+              <a:rPr lang="hu-HU" sz="2400" dirty="0">
+                <a:latin typeface="Arial" panose="020B0604020202020204" pitchFamily="34" charset="0"/>
+                <a:cs typeface="Arial" panose="020B0604020202020204" pitchFamily="34" charset="0"/>
+              </a:rPr>
+              <a:t>Három részes regisztráció</a:t>
+            </a:r>
+          </a:p>
+          <a:p>
+            <a:r>
+              <a:rPr lang="hu-HU" sz="2400" dirty="0">
+                <a:latin typeface="Arial" panose="020B0604020202020204" pitchFamily="34" charset="0"/>
+                <a:cs typeface="Arial" panose="020B0604020202020204" pitchFamily="34" charset="0"/>
+              </a:rPr>
+              <a:t>Oldalanként ellenőrzés</a:t>
+            </a:r>
+          </a:p>
+        </p:txBody>
+      </p:sp>
+      <p:pic>
+        <p:nvPicPr>
+          <p:cNvPr id="5" name="Kép 4">
+            <a:extLst>
+              <a:ext uri="{FF2B5EF4-FFF2-40B4-BE49-F238E27FC236}">
+                <a16:creationId xmlns:a16="http://schemas.microsoft.com/office/drawing/2014/main" id="{F2EAA3AA-A880-4DDF-B504-41BE925C99C8}"/>
+              </a:ext>
+            </a:extLst>
+          </p:cNvPr>
+          <p:cNvPicPr>
+            <a:picLocks noChangeAspect="1"/>
+          </p:cNvPicPr>
+          <p:nvPr/>
+        </p:nvPicPr>
+        <p:blipFill>
+          <a:blip r:embed="rId2"/>
+          <a:stretch>
+            <a:fillRect/>
+          </a:stretch>
+        </p:blipFill>
+        <p:spPr>
+          <a:xfrm>
+            <a:off x="4924338" y="2065611"/>
+            <a:ext cx="3136647" cy="4130049"/>
+          </a:xfrm>
+          <a:prstGeom prst="rect">
+            <a:avLst/>
+          </a:prstGeom>
+          <a:ln>
+            <a:noFill/>
+          </a:ln>
+          <a:effectLst>
+            <a:softEdge rad="63500"/>
+          </a:effectLst>
+        </p:spPr>
+      </p:pic>
+      <p:pic>
+        <p:nvPicPr>
+          <p:cNvPr id="4" name="Kép 3">
+            <a:extLst>
+              <a:ext uri="{FF2B5EF4-FFF2-40B4-BE49-F238E27FC236}">
+                <a16:creationId xmlns:a16="http://schemas.microsoft.com/office/drawing/2014/main" id="{F5A16714-CA0B-499D-8D0A-910FA65E6077}"/>
+              </a:ext>
+            </a:extLst>
+          </p:cNvPr>
+          <p:cNvPicPr>
+            <a:picLocks noChangeAspect="1"/>
+          </p:cNvPicPr>
+          <p:nvPr/>
+        </p:nvPicPr>
+        <p:blipFill rotWithShape="1">
+          <a:blip r:embed="rId3"/>
+          <a:srcRect l="6784" t="10320" r="8451" b="11095"/>
+          <a:stretch/>
+        </p:blipFill>
+        <p:spPr>
+          <a:xfrm>
+            <a:off x="8217152" y="2065611"/>
+            <a:ext cx="3142634" cy="4130050"/>
+          </a:xfrm>
+          <a:prstGeom prst="rect">
+            <a:avLst/>
+          </a:prstGeom>
+          <a:ln>
+            <a:noFill/>
+          </a:ln>
+          <a:effectLst>
+            <a:softEdge rad="63500"/>
+          </a:effectLst>
+        </p:spPr>
+      </p:pic>
+      <p:pic>
+        <p:nvPicPr>
+          <p:cNvPr id="6" name="Kép 5">
+            <a:extLst>
+              <a:ext uri="{FF2B5EF4-FFF2-40B4-BE49-F238E27FC236}">
+                <a16:creationId xmlns:a16="http://schemas.microsoft.com/office/drawing/2014/main" id="{F6F72B40-5F31-4E72-81BF-4C6C496FC0D3}"/>
+              </a:ext>
+            </a:extLst>
+          </p:cNvPr>
+          <p:cNvPicPr>
+            <a:picLocks noChangeAspect="1"/>
+          </p:cNvPicPr>
+          <p:nvPr/>
+        </p:nvPicPr>
+        <p:blipFill rotWithShape="1">
+          <a:blip r:embed="rId4"/>
+          <a:srcRect l="2906" t="4946" r="4179" b="6604"/>
+          <a:stretch/>
+        </p:blipFill>
+        <p:spPr>
+          <a:xfrm>
+            <a:off x="989901" y="3498209"/>
+            <a:ext cx="3615656" cy="1241571"/>
+          </a:xfrm>
+          <a:prstGeom prst="rect">
+            <a:avLst/>
+          </a:prstGeom>
+          <a:ln>
+            <a:noFill/>
+          </a:ln>
+          <a:effectLst>
+            <a:softEdge rad="50800"/>
+          </a:effectLst>
+        </p:spPr>
+      </p:pic>
     </p:spTree>
     <p:extLst>
       <p:ext uri="{BB962C8B-B14F-4D97-AF65-F5344CB8AC3E}">
-        <p14:creationId xmlns:p14="http://schemas.microsoft.com/office/powerpoint/2010/main" val="1285699898"/>
+        <p14:creationId xmlns:p14="http://schemas.microsoft.com/office/powerpoint/2010/main" val="1650526886"/>
       </p:ext>
     </p:extLst>
   </p:cSld>
@@ -6327,7 +6633,7 @@
           <p:cNvPr id="2" name="Cím 1">
             <a:extLst>
               <a:ext uri="{FF2B5EF4-FFF2-40B4-BE49-F238E27FC236}">
-                <a16:creationId xmlns:a16="http://schemas.microsoft.com/office/drawing/2014/main" id="{BAB86878-58CB-4410-B908-01DF665AC896}"/>
+                <a16:creationId xmlns:a16="http://schemas.microsoft.com/office/drawing/2014/main" id="{60DB1A8B-07E4-4176-91A9-4D91E9AAC42E}"/>
               </a:ext>
             </a:extLst>
           </p:cNvPr>
@@ -6340,18 +6646,16 @@
         </p:nvSpPr>
         <p:spPr/>
         <p:txBody>
-          <a:bodyPr/>
-          <a:lstStyle/>
-          <a:p>
-            <a:r>
-              <a:rPr lang="hu-HU" dirty="0">
-                <a:solidFill>
-                  <a:schemeClr val="accent5">
-                    <a:lumMod val="75000"/>
-                  </a:schemeClr>
-                </a:solidFill>
+          <a:bodyPr>
+            <a:normAutofit/>
+          </a:bodyPr>
+          <a:lstStyle/>
+          <a:p>
+            <a:r>
+              <a:rPr lang="hu-HU" sz="4000" dirty="0">
+                <a:latin typeface="Arial Black" panose="020B0A04020102020204" pitchFamily="34" charset="0"/>
               </a:rPr>
-              <a:t>Funkciók</a:t>
+              <a:t>Bejelentkezés</a:t>
             </a:r>
           </a:p>
         </p:txBody>
@@ -6361,7 +6665,7 @@
           <p:cNvPr id="3" name="Tartalom helye 2">
             <a:extLst>
               <a:ext uri="{FF2B5EF4-FFF2-40B4-BE49-F238E27FC236}">
-                <a16:creationId xmlns:a16="http://schemas.microsoft.com/office/drawing/2014/main" id="{6F3883F6-52B0-45CF-B9FE-E845168E0845}"/>
+                <a16:creationId xmlns:a16="http://schemas.microsoft.com/office/drawing/2014/main" id="{9F5858B8-A816-41DB-82D1-5B0160BDEAD8}"/>
               </a:ext>
             </a:extLst>
           </p:cNvPr>
@@ -6374,56 +6678,105 @@
         </p:nvSpPr>
         <p:spPr/>
         <p:txBody>
-          <a:bodyPr/>
-          <a:lstStyle/>
-          <a:p>
-            <a:r>
-              <a:rPr lang="hu-HU" dirty="0"/>
-              <a:t>Regisztráció</a:t>
-            </a:r>
-          </a:p>
-          <a:p>
-            <a:r>
-              <a:rPr lang="hu-HU" dirty="0"/>
-              <a:t>Bejelentkezés</a:t>
-            </a:r>
-          </a:p>
-          <a:p>
-            <a:r>
-              <a:rPr lang="hu-HU" dirty="0"/>
-              <a:t>Kijelentkezés</a:t>
-            </a:r>
-          </a:p>
-          <a:p>
-            <a:r>
-              <a:rPr lang="hu-HU" dirty="0"/>
-              <a:t>Rendelés</a:t>
-            </a:r>
-          </a:p>
-          <a:p>
-            <a:r>
-              <a:rPr lang="hu-HU" dirty="0"/>
-              <a:t>Keresés/szűrés</a:t>
-            </a:r>
-          </a:p>
-          <a:p>
-            <a:r>
-              <a:rPr lang="hu-HU" dirty="0"/>
-              <a:t>Téma váltás</a:t>
-            </a:r>
-          </a:p>
-          <a:p>
-            <a:endParaRPr lang="hu-HU" dirty="0"/>
-          </a:p>
-          <a:p>
-            <a:endParaRPr lang="hu-HU" dirty="0"/>
-          </a:p>
-        </p:txBody>
-      </p:sp>
+          <a:bodyPr>
+            <a:normAutofit/>
+          </a:bodyPr>
+          <a:lstStyle/>
+          <a:p>
+            <a:r>
+              <a:rPr lang="hu-HU" sz="2400" dirty="0">
+                <a:latin typeface="Arial" panose="020B0604020202020204" pitchFamily="34" charset="0"/>
+                <a:cs typeface="Arial" panose="020B0604020202020204" pitchFamily="34" charset="0"/>
+              </a:rPr>
+              <a:t>Kuponok</a:t>
+            </a:r>
+          </a:p>
+          <a:p>
+            <a:r>
+              <a:rPr lang="hu-HU" sz="2400" dirty="0">
+                <a:latin typeface="Arial" panose="020B0604020202020204" pitchFamily="34" charset="0"/>
+                <a:cs typeface="Arial" panose="020B0604020202020204" pitchFamily="34" charset="0"/>
+              </a:rPr>
+              <a:t>Kényelmesebb rendelési élmény</a:t>
+            </a:r>
+          </a:p>
+        </p:txBody>
+      </p:sp>
+      <p:pic>
+        <p:nvPicPr>
+          <p:cNvPr id="4" name="Kép 3">
+            <a:extLst>
+              <a:ext uri="{FF2B5EF4-FFF2-40B4-BE49-F238E27FC236}">
+                <a16:creationId xmlns:a16="http://schemas.microsoft.com/office/drawing/2014/main" id="{659261E6-45F9-4F9A-9717-B218B8F97F27}"/>
+              </a:ext>
+            </a:extLst>
+          </p:cNvPr>
+          <p:cNvPicPr>
+            <a:picLocks noChangeAspect="1"/>
+          </p:cNvPicPr>
+          <p:nvPr/>
+        </p:nvPicPr>
+        <p:blipFill rotWithShape="1">
+          <a:blip r:embed="rId2"/>
+          <a:srcRect l="2714" t="165" r="-219" b="165"/>
+          <a:stretch/>
+        </p:blipFill>
+        <p:spPr>
+          <a:xfrm>
+            <a:off x="8045669" y="1371600"/>
+            <a:ext cx="3481638" cy="4703773"/>
+          </a:xfrm>
+          <a:prstGeom prst="rect">
+            <a:avLst/>
+          </a:prstGeom>
+          <a:ln>
+            <a:noFill/>
+          </a:ln>
+          <a:effectLst>
+            <a:softEdge rad="38100"/>
+          </a:effectLst>
+        </p:spPr>
+      </p:pic>
+      <p:pic>
+        <p:nvPicPr>
+          <p:cNvPr id="5" name="Kép 4">
+            <a:extLst>
+              <a:ext uri="{FF2B5EF4-FFF2-40B4-BE49-F238E27FC236}">
+                <a16:creationId xmlns:a16="http://schemas.microsoft.com/office/drawing/2014/main" id="{CB7BFCC7-23E3-4B0A-BCF4-857C4BA4558E}"/>
+              </a:ext>
+            </a:extLst>
+          </p:cNvPr>
+          <p:cNvPicPr>
+            <a:picLocks noChangeAspect="1"/>
+          </p:cNvPicPr>
+          <p:nvPr/>
+        </p:nvPicPr>
+        <p:blipFill>
+          <a:blip r:embed="rId3"/>
+          <a:stretch>
+            <a:fillRect/>
+          </a:stretch>
+        </p:blipFill>
+        <p:spPr>
+          <a:xfrm>
+            <a:off x="838200" y="3009950"/>
+            <a:ext cx="7033962" cy="3065424"/>
+          </a:xfrm>
+          <a:prstGeom prst="rect">
+            <a:avLst/>
+          </a:prstGeom>
+          <a:ln>
+            <a:noFill/>
+          </a:ln>
+          <a:effectLst>
+            <a:softEdge rad="38100"/>
+          </a:effectLst>
+        </p:spPr>
+      </p:pic>
     </p:spTree>
     <p:extLst>
       <p:ext uri="{BB962C8B-B14F-4D97-AF65-F5344CB8AC3E}">
-        <p14:creationId xmlns:p14="http://schemas.microsoft.com/office/powerpoint/2010/main" val="2384335903"/>
+        <p14:creationId xmlns:p14="http://schemas.microsoft.com/office/powerpoint/2010/main" val="3329200705"/>
       </p:ext>
     </p:extLst>
   </p:cSld>
@@ -6455,7 +6808,7 @@
           <p:cNvPr id="2" name="Cím 1">
             <a:extLst>
               <a:ext uri="{FF2B5EF4-FFF2-40B4-BE49-F238E27FC236}">
-                <a16:creationId xmlns:a16="http://schemas.microsoft.com/office/drawing/2014/main" id="{F5554E0A-5085-4373-AD47-30CECAC81F10}"/>
+                <a16:creationId xmlns:a16="http://schemas.microsoft.com/office/drawing/2014/main" id="{23525B41-0E7A-475C-8FAA-2397A6A9937C}"/>
               </a:ext>
             </a:extLst>
           </p:cNvPr>
@@ -6468,16 +6821,16 @@
         </p:nvSpPr>
         <p:spPr/>
         <p:txBody>
-          <a:bodyPr/>
-          <a:lstStyle/>
-          <a:p>
-            <a:r>
-              <a:rPr lang="hu-HU" dirty="0">
-                <a:solidFill>
-                  <a:srgbClr val="FF0000"/>
-                </a:solidFill>
+          <a:bodyPr>
+            <a:normAutofit/>
+          </a:bodyPr>
+          <a:lstStyle/>
+          <a:p>
+            <a:r>
+              <a:rPr lang="hu-HU" sz="4000" dirty="0">
+                <a:latin typeface="Arial Black" panose="020B0A04020102020204" pitchFamily="34" charset="0"/>
               </a:rPr>
-              <a:t>Főoldal</a:t>
+              <a:t>Kosár</a:t>
             </a:r>
           </a:p>
         </p:txBody>
@@ -6487,7 +6840,7 @@
           <p:cNvPr id="3" name="Tartalom helye 2">
             <a:extLst>
               <a:ext uri="{FF2B5EF4-FFF2-40B4-BE49-F238E27FC236}">
-                <a16:creationId xmlns:a16="http://schemas.microsoft.com/office/drawing/2014/main" id="{36125169-3087-4E8E-8A51-33A46E6CA806}"/>
+                <a16:creationId xmlns:a16="http://schemas.microsoft.com/office/drawing/2014/main" id="{6FCCE0E5-4949-4AC0-BC8E-BA7EFC55D638}"/>
               </a:ext>
             </a:extLst>
           </p:cNvPr>
@@ -6500,31 +6853,111 @@
         </p:nvSpPr>
         <p:spPr>
           <a:xfrm>
-            <a:off x="838200" y="1690688"/>
-            <a:ext cx="10515600" cy="4486275"/>
+            <a:off x="838200" y="1610686"/>
+            <a:ext cx="10515600" cy="4566277"/>
           </a:xfrm>
         </p:spPr>
         <p:txBody>
-          <a:bodyPr/>
-          <a:lstStyle/>
-          <a:p>
-            <a:r>
-              <a:rPr lang="hu-HU" dirty="0"/>
-              <a:t>Az index oldal</a:t>
-            </a:r>
-          </a:p>
-          <a:p>
-            <a:r>
-              <a:rPr lang="hu-HU" dirty="0"/>
-              <a:t>Termékek megtekintése, navigálás, téma váltás</a:t>
-            </a:r>
-          </a:p>
-        </p:txBody>
-      </p:sp>
+          <a:bodyPr>
+            <a:normAutofit/>
+          </a:bodyPr>
+          <a:lstStyle/>
+          <a:p>
+            <a:r>
+              <a:rPr lang="hu-HU" sz="2400" dirty="0">
+                <a:latin typeface="Arial" panose="020B0604020202020204" pitchFamily="34" charset="0"/>
+                <a:cs typeface="Arial" panose="020B0604020202020204" pitchFamily="34" charset="0"/>
+              </a:rPr>
+              <a:t>Dinamikus használat, az oldal nem töltődik újra</a:t>
+            </a:r>
+          </a:p>
+          <a:p>
+            <a:r>
+              <a:rPr lang="hu-HU" sz="2400" dirty="0">
+                <a:latin typeface="Arial" panose="020B0604020202020204" pitchFamily="34" charset="0"/>
+                <a:cs typeface="Arial" panose="020B0604020202020204" pitchFamily="34" charset="0"/>
+              </a:rPr>
+              <a:t>Főoldalról is módosítható </a:t>
+            </a:r>
+          </a:p>
+        </p:txBody>
+      </p:sp>
+      <p:pic>
+        <p:nvPicPr>
+          <p:cNvPr id="4" name="Kép 3">
+            <a:extLst>
+              <a:ext uri="{FF2B5EF4-FFF2-40B4-BE49-F238E27FC236}">
+                <a16:creationId xmlns:a16="http://schemas.microsoft.com/office/drawing/2014/main" id="{E4A7DAF2-6048-4AF3-941D-038389D68857}"/>
+              </a:ext>
+            </a:extLst>
+          </p:cNvPr>
+          <p:cNvPicPr>
+            <a:picLocks noChangeAspect="1"/>
+          </p:cNvPicPr>
+          <p:nvPr/>
+        </p:nvPicPr>
+        <p:blipFill>
+          <a:blip r:embed="rId2"/>
+          <a:stretch>
+            <a:fillRect/>
+          </a:stretch>
+        </p:blipFill>
+        <p:spPr>
+          <a:xfrm>
+            <a:off x="7900011" y="1512007"/>
+            <a:ext cx="3517897" cy="4763636"/>
+          </a:xfrm>
+          <a:prstGeom prst="rect">
+            <a:avLst/>
+          </a:prstGeom>
+          <a:ln>
+            <a:noFill/>
+          </a:ln>
+          <a:effectLst>
+            <a:softEdge rad="50800"/>
+          </a:effectLst>
+        </p:spPr>
+      </p:pic>
+      <p:pic>
+        <p:nvPicPr>
+          <p:cNvPr id="5" name="Kép 4">
+            <a:extLst>
+              <a:ext uri="{FF2B5EF4-FFF2-40B4-BE49-F238E27FC236}">
+                <a16:creationId xmlns:a16="http://schemas.microsoft.com/office/drawing/2014/main" id="{C4F2E0FC-BF36-4B11-BE94-883E8F548172}"/>
+              </a:ext>
+            </a:extLst>
+          </p:cNvPr>
+          <p:cNvPicPr>
+            <a:picLocks noChangeAspect="1"/>
+          </p:cNvPicPr>
+          <p:nvPr/>
+        </p:nvPicPr>
+        <p:blipFill>
+          <a:blip r:embed="rId3"/>
+          <a:stretch>
+            <a:fillRect/>
+          </a:stretch>
+        </p:blipFill>
+        <p:spPr>
+          <a:xfrm>
+            <a:off x="1239740" y="2799955"/>
+            <a:ext cx="6206102" cy="3475688"/>
+          </a:xfrm>
+          <a:prstGeom prst="rect">
+            <a:avLst/>
+          </a:prstGeom>
+          <a:ln>
+            <a:noFill/>
+          </a:ln>
+          <a:effectLst>
+            <a:softEdge rad="50800"/>
+          </a:effectLst>
+        </p:spPr>
+      </p:pic>
     </p:spTree>
     <p:extLst>
       <p:ext uri="{BB962C8B-B14F-4D97-AF65-F5344CB8AC3E}">
-        <p14:creationId xmlns:p14="http://schemas.microsoft.com/office/powerpoint/2010/main" val="838556441"/>
+        <p14:creationId xmlns:p14="http://schemas.microsoft.com/office/powerpoint/2010/main" val="2110314187"/>
       </p:ext>
     </p:extLst>
   </p:cSld>
